--- a/ABO Enterprise GIS.pptx
+++ b/ABO Enterprise GIS.pptx
@@ -6,21 +6,22 @@
     <p:sldMasterId id="2147483664" r:id="rId5"/>
   </p:sldMasterIdLst>
   <p:notesMasterIdLst>
-    <p:notesMasterId r:id="rId15"/>
+    <p:notesMasterId r:id="rId16"/>
   </p:notesMasterIdLst>
   <p:handoutMasterIdLst>
-    <p:handoutMasterId r:id="rId16"/>
+    <p:handoutMasterId r:id="rId17"/>
   </p:handoutMasterIdLst>
   <p:sldIdLst>
     <p:sldId id="282" r:id="rId6"/>
-    <p:sldId id="325" r:id="rId7"/>
-    <p:sldId id="330" r:id="rId8"/>
-    <p:sldId id="326" r:id="rId9"/>
-    <p:sldId id="327" r:id="rId10"/>
-    <p:sldId id="324" r:id="rId11"/>
-    <p:sldId id="319" r:id="rId12"/>
-    <p:sldId id="320" r:id="rId13"/>
-    <p:sldId id="321" r:id="rId14"/>
+    <p:sldId id="331" r:id="rId7"/>
+    <p:sldId id="325" r:id="rId8"/>
+    <p:sldId id="330" r:id="rId9"/>
+    <p:sldId id="326" r:id="rId10"/>
+    <p:sldId id="327" r:id="rId11"/>
+    <p:sldId id="324" r:id="rId12"/>
+    <p:sldId id="319" r:id="rId13"/>
+    <p:sldId id="320" r:id="rId14"/>
+    <p:sldId id="321" r:id="rId15"/>
   </p:sldIdLst>
   <p:sldSz cx="10688638" cy="7562850"/>
   <p:notesSz cx="6797675" cy="9926638"/>
@@ -155,6 +156,7 @@
         <p14:section name="Standardabschnitt" id="{84E8E63F-26BA-435F-AF51-E587AFB13658}">
           <p14:sldIdLst>
             <p14:sldId id="282"/>
+            <p14:sldId id="331"/>
             <p14:sldId id="325"/>
             <p14:sldId id="330"/>
             <p14:sldId id="326"/>
@@ -725,7 +727,7 @@
           <a:p>
             <a:pPr lvl="0"/>
             <a:r>
-              <a:rPr lang="de-DE" dirty="0" smtClean="0"/>
+              <a:rPr lang="de-DE" dirty="0"/>
               <a:t>Mastertextformat bearbeiten</a:t>
             </a:r>
           </a:p>
@@ -1206,7 +1208,7 @@
             <a:fld id="{60973E95-19EE-4B1E-B46C-31118BB1C453}" type="slidenum">
               <a:rPr lang="de-DE" smtClean="0"/>
               <a:pPr/>
-              <a:t>2</a:t>
+              <a:t>3</a:t>
             </a:fld>
             <a:endParaRPr lang="de-DE"/>
           </a:p>
@@ -1381,7 +1383,7 @@
             <a:fld id="{60973E95-19EE-4B1E-B46C-31118BB1C453}" type="slidenum">
               <a:rPr lang="de-DE" smtClean="0"/>
               <a:pPr/>
-              <a:t>3</a:t>
+              <a:t>4</a:t>
             </a:fld>
             <a:endParaRPr lang="de-DE"/>
           </a:p>
@@ -1876,7 +1878,7 @@
             <a:fld id="{60973E95-19EE-4B1E-B46C-31118BB1C453}" type="slidenum">
               <a:rPr lang="de-DE" smtClean="0"/>
               <a:pPr/>
-              <a:t>4</a:t>
+              <a:t>5</a:t>
             </a:fld>
             <a:endParaRPr lang="de-DE"/>
           </a:p>
@@ -2292,7 +2294,7 @@
             <a:fld id="{60973E95-19EE-4B1E-B46C-31118BB1C453}" type="slidenum">
               <a:rPr lang="de-DE" smtClean="0"/>
               <a:pPr/>
-              <a:t>5</a:t>
+              <a:t>6</a:t>
             </a:fld>
             <a:endParaRPr lang="de-DE"/>
           </a:p>
@@ -2361,11 +2363,11 @@
           <a:lstStyle/>
           <a:p>
             <a:r>
-              <a:rPr lang="de-DE" dirty="0" smtClean="0"/>
+              <a:rPr lang="de-DE" dirty="0"/>
               <a:t>Ausgangslage: sämtliche</a:t>
             </a:r>
             <a:r>
-              <a:rPr lang="de-DE" baseline="0" dirty="0" smtClean="0"/>
+              <a:rPr lang="de-DE" baseline="0" dirty="0"/>
               <a:t> Abteilungen organisieren Datenhaltung selbst / unterschiedliche Systeme im Einsatz.</a:t>
             </a:r>
             <a:endParaRPr lang="de-DE" dirty="0"/>
@@ -2390,7 +2392,7 @@
             <a:fld id="{60973E95-19EE-4B1E-B46C-31118BB1C453}" type="slidenum">
               <a:rPr lang="de-DE" smtClean="0"/>
               <a:pPr/>
-              <a:t>6</a:t>
+              <a:t>7</a:t>
             </a:fld>
             <a:endParaRPr lang="de-DE"/>
           </a:p>
@@ -2480,7 +2482,7 @@
             <a:fld id="{60973E95-19EE-4B1E-B46C-31118BB1C453}" type="slidenum">
               <a:rPr lang="de-DE" smtClean="0"/>
               <a:pPr/>
-              <a:t>7</a:t>
+              <a:t>8</a:t>
             </a:fld>
             <a:endParaRPr lang="de-DE"/>
           </a:p>
@@ -2570,7 +2572,7 @@
             <a:fld id="{60973E95-19EE-4B1E-B46C-31118BB1C453}" type="slidenum">
               <a:rPr lang="de-DE" smtClean="0"/>
               <a:pPr/>
-              <a:t>8</a:t>
+              <a:t>9</a:t>
             </a:fld>
             <a:endParaRPr lang="de-DE"/>
           </a:p>
@@ -2660,7 +2662,7 @@
             <a:fld id="{60973E95-19EE-4B1E-B46C-31118BB1C453}" type="slidenum">
               <a:rPr lang="de-DE" smtClean="0"/>
               <a:pPr/>
-              <a:t>9</a:t>
+              <a:t>10</a:t>
             </a:fld>
             <a:endParaRPr lang="de-DE"/>
           </a:p>
@@ -2732,10 +2734,9 @@
           <a:p>
             <a:pPr lvl="0"/>
             <a:r>
-              <a:rPr lang="de-DE" dirty="0" smtClean="0"/>
+              <a:rPr lang="de-DE" dirty="0"/>
               <a:t>Titel der Präsentation</a:t>
             </a:r>
-            <a:endParaRPr lang="de-DE" dirty="0"/>
           </a:p>
         </p:txBody>
       </p:sp>
@@ -2815,10 +2816,9 @@
           <a:p>
             <a:pPr lvl="0"/>
             <a:r>
-              <a:rPr lang="de-DE" dirty="0" smtClean="0"/>
+              <a:rPr lang="de-DE" dirty="0"/>
               <a:t>Name Autor,  Datum</a:t>
             </a:r>
-            <a:endParaRPr lang="de-DE" dirty="0"/>
           </a:p>
         </p:txBody>
       </p:sp>
@@ -3003,7 +3003,7 @@
           <a:p>
             <a:pPr algn="r"/>
             <a:r>
-              <a:rPr lang="de-DE" sz="900" u="none" dirty="0" smtClean="0">
+              <a:rPr lang="de-DE" sz="900" u="none" dirty="0">
                 <a:solidFill>
                   <a:schemeClr val="bg1">
                     <a:lumMod val="65000"/>
@@ -3014,15 +3014,6 @@
               </a:rPr>
               <a:t>vertraulich</a:t>
             </a:r>
-            <a:endParaRPr lang="de-DE" sz="900" u="none" dirty="0">
-              <a:solidFill>
-                <a:schemeClr val="bg1">
-                  <a:lumMod val="65000"/>
-                </a:schemeClr>
-              </a:solidFill>
-              <a:latin typeface="Arial"/>
-              <a:cs typeface="Arial"/>
-            </a:endParaRPr>
           </a:p>
         </p:txBody>
       </p:sp>
@@ -3231,10 +3222,9 @@
           <a:p>
             <a:pPr lvl="0"/>
             <a:r>
-              <a:rPr lang="de-DE" dirty="0" smtClean="0"/>
+              <a:rPr lang="de-DE" dirty="0"/>
               <a:t>Titel der Präsentation</a:t>
             </a:r>
-            <a:endParaRPr lang="de-DE" dirty="0"/>
           </a:p>
         </p:txBody>
       </p:sp>
@@ -3314,10 +3304,9 @@
           <a:p>
             <a:pPr lvl="0"/>
             <a:r>
-              <a:rPr lang="de-DE" dirty="0" smtClean="0"/>
+              <a:rPr lang="de-DE" dirty="0"/>
               <a:t>Name Autor,  Datum</a:t>
             </a:r>
-            <a:endParaRPr lang="de-DE" dirty="0"/>
           </a:p>
         </p:txBody>
       </p:sp>
@@ -3502,7 +3491,7 @@
           <a:p>
             <a:pPr algn="r"/>
             <a:r>
-              <a:rPr lang="de-DE" sz="900" u="none" dirty="0" smtClean="0">
+              <a:rPr lang="de-DE" sz="900" u="none" dirty="0">
                 <a:solidFill>
                   <a:schemeClr val="bg1">
                     <a:lumMod val="65000"/>
@@ -3513,15 +3502,6 @@
               </a:rPr>
               <a:t>vertraulich</a:t>
             </a:r>
-            <a:endParaRPr lang="de-DE" sz="900" u="none" dirty="0">
-              <a:solidFill>
-                <a:schemeClr val="bg1">
-                  <a:lumMod val="65000"/>
-                </a:schemeClr>
-              </a:solidFill>
-              <a:latin typeface="Arial"/>
-              <a:cs typeface="Arial"/>
-            </a:endParaRPr>
           </a:p>
         </p:txBody>
       </p:sp>
@@ -3595,7 +3575,7 @@
           </a:lstStyle>
           <a:p>
             <a:r>
-              <a:rPr lang="de-DE" smtClean="0"/>
+              <a:rPr lang="de-DE"/>
               <a:t>Bild durch Klicken auf Symbol hinzufügen</a:t>
             </a:r>
             <a:endParaRPr lang="de-DE" dirty="0"/>
@@ -3658,13 +3638,13 @@
           <a:p>
             <a:pPr lvl="0"/>
             <a:r>
-              <a:rPr lang="de-DE" dirty="0" smtClean="0"/>
+              <a:rPr lang="de-DE" dirty="0"/>
               <a:t>Inhalt</a:t>
             </a:r>
           </a:p>
           <a:p>
             <a:pPr lvl="0"/>
-            <a:endParaRPr lang="de-DE" dirty="0" smtClean="0"/>
+            <a:endParaRPr lang="de-DE" dirty="0"/>
           </a:p>
           <a:p>
             <a:pPr lvl="0"/>
@@ -3710,10 +3690,9 @@
           <a:p>
             <a:pPr lvl="0"/>
             <a:r>
-              <a:rPr lang="de-DE" dirty="0" smtClean="0"/>
+              <a:rPr lang="de-DE" dirty="0"/>
               <a:t>Themen</a:t>
             </a:r>
-            <a:endParaRPr lang="de-DE" dirty="0"/>
           </a:p>
         </p:txBody>
       </p:sp>
@@ -3797,10 +3776,9 @@
           <a:p>
             <a:pPr lvl="0"/>
             <a:r>
-              <a:rPr lang="de-DE" dirty="0" smtClean="0"/>
+              <a:rPr lang="de-DE" dirty="0"/>
               <a:t>Überschrift</a:t>
             </a:r>
-            <a:endParaRPr lang="de-DE" dirty="0"/>
           </a:p>
         </p:txBody>
       </p:sp>
@@ -3861,7 +3839,7 @@
           <a:p>
             <a:pPr lvl="0"/>
             <a:r>
-              <a:rPr lang="de-DE" smtClean="0"/>
+              <a:rPr lang="de-DE"/>
               <a:t>Textmasterformat bearbeiten</a:t>
             </a:r>
           </a:p>
@@ -3905,10 +3883,9 @@
           <a:p>
             <a:pPr lvl="0"/>
             <a:r>
-              <a:rPr lang="de-DE" dirty="0" smtClean="0"/>
+              <a:rPr lang="de-DE" dirty="0"/>
               <a:t>Kapitelüberschrift</a:t>
             </a:r>
-            <a:endParaRPr lang="de-DE" dirty="0"/>
           </a:p>
         </p:txBody>
       </p:sp>
@@ -3992,10 +3969,9 @@
           <a:p>
             <a:pPr lvl="0"/>
             <a:r>
-              <a:rPr lang="de-DE" dirty="0" smtClean="0"/>
+              <a:rPr lang="de-DE" dirty="0"/>
               <a:t>Überschrift</a:t>
             </a:r>
-            <a:endParaRPr lang="de-DE" dirty="0"/>
           </a:p>
         </p:txBody>
       </p:sp>
@@ -4056,7 +4032,7 @@
           <a:p>
             <a:pPr lvl="0"/>
             <a:r>
-              <a:rPr lang="de-DE" smtClean="0"/>
+              <a:rPr lang="de-DE"/>
               <a:t>Textmasterformat bearbeiten</a:t>
             </a:r>
           </a:p>
@@ -4094,7 +4070,7 @@
           </a:lstStyle>
           <a:p>
             <a:r>
-              <a:rPr lang="de-DE" smtClean="0"/>
+              <a:rPr lang="de-DE"/>
               <a:t>Bild durch Klicken auf Symbol hinzufügen</a:t>
             </a:r>
             <a:endParaRPr lang="de-DE" dirty="0"/>
@@ -4139,10 +4115,9 @@
           <a:p>
             <a:pPr lvl="0"/>
             <a:r>
-              <a:rPr lang="de-DE" dirty="0" smtClean="0"/>
+              <a:rPr lang="de-DE" dirty="0"/>
               <a:t>Kapitelüberschrift</a:t>
             </a:r>
-            <a:endParaRPr lang="de-DE" dirty="0"/>
           </a:p>
         </p:txBody>
       </p:sp>
@@ -4216,7 +4191,7 @@
           </a:lstStyle>
           <a:p>
             <a:r>
-              <a:rPr lang="de-DE" smtClean="0"/>
+              <a:rPr lang="de-DE"/>
               <a:t>Bild durch Klicken auf Symbol hinzufügen</a:t>
             </a:r>
             <a:endParaRPr lang="de-DE" dirty="0"/>
@@ -4265,10 +4240,9 @@
           <a:p>
             <a:pPr lvl="0"/>
             <a:r>
-              <a:rPr lang="de-DE" dirty="0" smtClean="0"/>
+              <a:rPr lang="de-DE" dirty="0"/>
               <a:t>Überschrift</a:t>
             </a:r>
-            <a:endParaRPr lang="de-DE" dirty="0"/>
           </a:p>
         </p:txBody>
       </p:sp>
@@ -4329,7 +4303,7 @@
           <a:p>
             <a:pPr lvl="0"/>
             <a:r>
-              <a:rPr lang="de-DE" smtClean="0"/>
+              <a:rPr lang="de-DE"/>
               <a:t>Textmasterformat bearbeiten</a:t>
             </a:r>
           </a:p>
@@ -4373,10 +4347,9 @@
           <a:p>
             <a:pPr lvl="0"/>
             <a:r>
-              <a:rPr lang="de-DE" dirty="0" smtClean="0"/>
+              <a:rPr lang="de-DE" dirty="0"/>
               <a:t>Kapitelüberschrift</a:t>
             </a:r>
-            <a:endParaRPr lang="de-DE" dirty="0"/>
           </a:p>
         </p:txBody>
       </p:sp>
@@ -4450,7 +4423,7 @@
           </a:lstStyle>
           <a:p>
             <a:r>
-              <a:rPr lang="de-DE" smtClean="0"/>
+              <a:rPr lang="de-DE"/>
               <a:t>Bild durch Klicken auf Symbol hinzufügen</a:t>
             </a:r>
             <a:endParaRPr lang="de-DE" dirty="0"/>
@@ -4499,10 +4472,9 @@
           <a:p>
             <a:pPr lvl="0"/>
             <a:r>
-              <a:rPr lang="de-DE" dirty="0" smtClean="0"/>
+              <a:rPr lang="de-DE" dirty="0"/>
               <a:t>Überschrift</a:t>
             </a:r>
-            <a:endParaRPr lang="de-DE" dirty="0"/>
           </a:p>
         </p:txBody>
       </p:sp>
@@ -4563,7 +4535,7 @@
           <a:p>
             <a:pPr lvl="0"/>
             <a:r>
-              <a:rPr lang="de-DE" smtClean="0"/>
+              <a:rPr lang="de-DE"/>
               <a:t>Textmasterformat bearbeiten</a:t>
             </a:r>
           </a:p>
@@ -4601,7 +4573,7 @@
           </a:lstStyle>
           <a:p>
             <a:r>
-              <a:rPr lang="de-DE" smtClean="0"/>
+              <a:rPr lang="de-DE"/>
               <a:t>Bild durch Klicken auf Symbol hinzufügen</a:t>
             </a:r>
             <a:endParaRPr lang="de-DE" dirty="0"/>
@@ -4640,7 +4612,7 @@
           </a:lstStyle>
           <a:p>
             <a:r>
-              <a:rPr lang="de-DE" smtClean="0"/>
+              <a:rPr lang="de-DE"/>
               <a:t>Bild durch Klicken auf Symbol hinzufügen</a:t>
             </a:r>
             <a:endParaRPr lang="de-DE" dirty="0"/>
@@ -4685,10 +4657,9 @@
           <a:p>
             <a:pPr lvl="0"/>
             <a:r>
-              <a:rPr lang="de-DE" dirty="0" smtClean="0"/>
+              <a:rPr lang="de-DE" dirty="0"/>
               <a:t>Kapitelüberschrift</a:t>
             </a:r>
-            <a:endParaRPr lang="de-DE" dirty="0"/>
           </a:p>
         </p:txBody>
       </p:sp>
@@ -4734,7 +4705,7 @@
           <a:p>
             <a:pPr lvl="0"/>
             <a:r>
-              <a:rPr lang="de-DE" smtClean="0"/>
+              <a:rPr lang="de-DE"/>
               <a:t>Textmasterformat bearbeiten</a:t>
             </a:r>
           </a:p>
@@ -4782,7 +4753,7 @@
           <a:p>
             <a:pPr lvl="0"/>
             <a:r>
-              <a:rPr lang="de-DE" smtClean="0"/>
+              <a:rPr lang="de-DE"/>
               <a:t>Textmasterformat bearbeiten</a:t>
             </a:r>
           </a:p>
@@ -4830,7 +4801,7 @@
           <a:p>
             <a:pPr lvl="0"/>
             <a:r>
-              <a:rPr lang="de-DE" smtClean="0"/>
+              <a:rPr lang="de-DE"/>
               <a:t>Textmasterformat bearbeiten</a:t>
             </a:r>
           </a:p>
@@ -4906,7 +4877,7 @@
           </a:lstStyle>
           <a:p>
             <a:r>
-              <a:rPr lang="de-DE" smtClean="0"/>
+              <a:rPr lang="de-DE"/>
               <a:t>Bild durch Klicken auf Symbol hinzufügen</a:t>
             </a:r>
             <a:endParaRPr lang="de-DE" dirty="0"/>
@@ -4955,10 +4926,9 @@
           <a:p>
             <a:pPr lvl="0"/>
             <a:r>
-              <a:rPr lang="de-DE" dirty="0" smtClean="0"/>
+              <a:rPr lang="de-DE" dirty="0"/>
               <a:t>Text</a:t>
             </a:r>
-            <a:endParaRPr lang="de-DE" dirty="0"/>
           </a:p>
         </p:txBody>
       </p:sp>
@@ -5000,10 +4970,9 @@
           <a:p>
             <a:pPr lvl="0"/>
             <a:r>
-              <a:rPr lang="de-DE" dirty="0" smtClean="0"/>
+              <a:rPr lang="de-DE" dirty="0"/>
               <a:t>Ansprechpartner</a:t>
             </a:r>
-            <a:endParaRPr lang="de-DE" dirty="0"/>
           </a:p>
         </p:txBody>
       </p:sp>
@@ -5049,7 +5018,7 @@
           <a:p>
             <a:pPr lvl="0"/>
             <a:r>
-              <a:rPr lang="de-DE" smtClean="0"/>
+              <a:rPr lang="de-DE"/>
               <a:t>Textmasterformat bearbeiten</a:t>
             </a:r>
           </a:p>
@@ -5125,7 +5094,7 @@
           </a:lstStyle>
           <a:p>
             <a:r>
-              <a:rPr lang="de-DE" smtClean="0"/>
+              <a:rPr lang="de-DE"/>
               <a:t>Bild durch Klicken auf Symbol hinzufügen</a:t>
             </a:r>
             <a:endParaRPr lang="de-DE" dirty="0"/>
@@ -5174,10 +5143,9 @@
           <a:p>
             <a:pPr lvl="0"/>
             <a:r>
-              <a:rPr lang="de-DE" dirty="0" smtClean="0"/>
+              <a:rPr lang="de-DE" dirty="0"/>
               <a:t>Text</a:t>
             </a:r>
-            <a:endParaRPr lang="de-DE" dirty="0"/>
           </a:p>
         </p:txBody>
       </p:sp>
@@ -5223,7 +5191,7 @@
           <a:p>
             <a:pPr lvl="0"/>
             <a:r>
-              <a:rPr lang="de-DE" smtClean="0"/>
+              <a:rPr lang="de-DE"/>
               <a:t>Textmasterformat bearbeiten</a:t>
             </a:r>
           </a:p>
@@ -5299,7 +5267,7 @@
           </a:lstStyle>
           <a:p>
             <a:r>
-              <a:rPr lang="de-DE" smtClean="0"/>
+              <a:rPr lang="de-DE"/>
               <a:t>Bild durch Klicken auf Symbol hinzufügen</a:t>
             </a:r>
             <a:endParaRPr lang="de-DE" dirty="0"/>
@@ -5362,13 +5330,13 @@
           <a:p>
             <a:pPr lvl="0"/>
             <a:r>
-              <a:rPr lang="de-DE" dirty="0" smtClean="0"/>
+              <a:rPr lang="de-DE" dirty="0"/>
               <a:t>Inhalt</a:t>
             </a:r>
           </a:p>
           <a:p>
             <a:pPr lvl="0"/>
-            <a:endParaRPr lang="de-DE" dirty="0" smtClean="0"/>
+            <a:endParaRPr lang="de-DE" dirty="0"/>
           </a:p>
           <a:p>
             <a:pPr lvl="0"/>
@@ -5414,10 +5382,9 @@
           <a:p>
             <a:pPr lvl="0"/>
             <a:r>
-              <a:rPr lang="de-DE" dirty="0" smtClean="0"/>
+              <a:rPr lang="de-DE" dirty="0"/>
               <a:t>Themen</a:t>
             </a:r>
-            <a:endParaRPr lang="de-DE" dirty="0"/>
           </a:p>
         </p:txBody>
       </p:sp>
@@ -5491,7 +5458,7 @@
           </a:lstStyle>
           <a:p>
             <a:r>
-              <a:rPr lang="de-DE" smtClean="0"/>
+              <a:rPr lang="de-DE"/>
               <a:t>Bild durch Klicken auf Symbol hinzufügen</a:t>
             </a:r>
             <a:endParaRPr lang="de-DE" dirty="0"/>
@@ -5540,10 +5507,9 @@
           <a:p>
             <a:pPr lvl="0"/>
             <a:r>
-              <a:rPr lang="de-DE" dirty="0" smtClean="0"/>
+              <a:rPr lang="de-DE" dirty="0"/>
               <a:t>Text</a:t>
             </a:r>
-            <a:endParaRPr lang="de-DE" dirty="0"/>
           </a:p>
         </p:txBody>
       </p:sp>
@@ -5585,10 +5551,9 @@
           <a:p>
             <a:pPr lvl="0"/>
             <a:r>
-              <a:rPr lang="de-DE" dirty="0" smtClean="0"/>
+              <a:rPr lang="de-DE" dirty="0"/>
               <a:t>Ansprechpartner</a:t>
             </a:r>
-            <a:endParaRPr lang="de-DE" dirty="0"/>
           </a:p>
         </p:txBody>
       </p:sp>
@@ -5634,7 +5599,7 @@
           <a:p>
             <a:pPr lvl="0"/>
             <a:r>
-              <a:rPr lang="de-DE" smtClean="0"/>
+              <a:rPr lang="de-DE"/>
               <a:t>Textmasterformat bearbeiten</a:t>
             </a:r>
           </a:p>
@@ -5672,7 +5637,7 @@
           </a:lstStyle>
           <a:p>
             <a:r>
-              <a:rPr lang="de-DE" smtClean="0"/>
+              <a:rPr lang="de-DE"/>
               <a:t>Bild durch Klicken auf Symbol hinzufügen</a:t>
             </a:r>
             <a:endParaRPr lang="de-DE" dirty="0"/>
@@ -5721,7 +5686,7 @@
           <a:p>
             <a:pPr lvl="0"/>
             <a:r>
-              <a:rPr lang="de-DE" smtClean="0"/>
+              <a:rPr lang="de-DE"/>
               <a:t>Textmasterformat bearbeiten</a:t>
             </a:r>
           </a:p>
@@ -5759,7 +5724,7 @@
           </a:lstStyle>
           <a:p>
             <a:r>
-              <a:rPr lang="de-DE" smtClean="0"/>
+              <a:rPr lang="de-DE"/>
               <a:t>Bild durch Klicken auf Symbol hinzufügen</a:t>
             </a:r>
             <a:endParaRPr lang="de-DE" dirty="0"/>
@@ -5808,7 +5773,7 @@
           <a:p>
             <a:pPr lvl="0"/>
             <a:r>
-              <a:rPr lang="de-DE" smtClean="0"/>
+              <a:rPr lang="de-DE"/>
               <a:t>Textmasterformat bearbeiten</a:t>
             </a:r>
           </a:p>
@@ -5846,7 +5811,7 @@
           </a:lstStyle>
           <a:p>
             <a:r>
-              <a:rPr lang="de-DE" smtClean="0"/>
+              <a:rPr lang="de-DE"/>
               <a:t>Bild durch Klicken auf Symbol hinzufügen</a:t>
             </a:r>
             <a:endParaRPr lang="de-DE" dirty="0"/>
@@ -5895,7 +5860,7 @@
           <a:p>
             <a:pPr lvl="0"/>
             <a:r>
-              <a:rPr lang="de-DE" smtClean="0"/>
+              <a:rPr lang="de-DE"/>
               <a:t>Textmasterformat bearbeiten</a:t>
             </a:r>
           </a:p>
@@ -5981,10 +5946,9 @@
           <a:p>
             <a:pPr lvl="0"/>
             <a:r>
-              <a:rPr lang="de-DE" dirty="0" smtClean="0"/>
+              <a:rPr lang="de-DE" dirty="0"/>
               <a:t>Überschrift</a:t>
             </a:r>
-            <a:endParaRPr lang="de-DE" dirty="0"/>
           </a:p>
         </p:txBody>
       </p:sp>
@@ -6045,7 +6009,7 @@
           <a:p>
             <a:pPr lvl="0"/>
             <a:r>
-              <a:rPr lang="de-DE" smtClean="0"/>
+              <a:rPr lang="de-DE"/>
               <a:t>Textmasterformat bearbeiten</a:t>
             </a:r>
           </a:p>
@@ -6089,10 +6053,9 @@
           <a:p>
             <a:pPr lvl="0"/>
             <a:r>
-              <a:rPr lang="de-DE" dirty="0" smtClean="0"/>
+              <a:rPr lang="de-DE" dirty="0"/>
               <a:t>Kapitelüberschrift</a:t>
             </a:r>
-            <a:endParaRPr lang="de-DE" dirty="0"/>
           </a:p>
         </p:txBody>
       </p:sp>
@@ -6176,10 +6139,9 @@
           <a:p>
             <a:pPr lvl="0"/>
             <a:r>
-              <a:rPr lang="de-DE" dirty="0" smtClean="0"/>
+              <a:rPr lang="de-DE" dirty="0"/>
               <a:t>Überschrift</a:t>
             </a:r>
-            <a:endParaRPr lang="de-DE" dirty="0"/>
           </a:p>
         </p:txBody>
       </p:sp>
@@ -6240,7 +6202,7 @@
           <a:p>
             <a:pPr lvl="0"/>
             <a:r>
-              <a:rPr lang="de-DE" smtClean="0"/>
+              <a:rPr lang="de-DE"/>
               <a:t>Textmasterformat bearbeiten</a:t>
             </a:r>
           </a:p>
@@ -6278,7 +6240,7 @@
           </a:lstStyle>
           <a:p>
             <a:r>
-              <a:rPr lang="de-DE" smtClean="0"/>
+              <a:rPr lang="de-DE"/>
               <a:t>Bild durch Klicken auf Symbol hinzufügen</a:t>
             </a:r>
             <a:endParaRPr lang="de-DE" dirty="0"/>
@@ -6323,10 +6285,9 @@
           <a:p>
             <a:pPr lvl="0"/>
             <a:r>
-              <a:rPr lang="de-DE" dirty="0" smtClean="0"/>
+              <a:rPr lang="de-DE" dirty="0"/>
               <a:t>Kapitelüberschrift</a:t>
             </a:r>
-            <a:endParaRPr lang="de-DE" dirty="0"/>
           </a:p>
         </p:txBody>
       </p:sp>
@@ -6400,7 +6361,7 @@
           </a:lstStyle>
           <a:p>
             <a:r>
-              <a:rPr lang="de-DE" smtClean="0"/>
+              <a:rPr lang="de-DE"/>
               <a:t>Bild durch Klicken auf Symbol hinzufügen</a:t>
             </a:r>
             <a:endParaRPr lang="de-DE" dirty="0"/>
@@ -6449,10 +6410,9 @@
           <a:p>
             <a:pPr lvl="0"/>
             <a:r>
-              <a:rPr lang="de-DE" dirty="0" smtClean="0"/>
+              <a:rPr lang="de-DE" dirty="0"/>
               <a:t>Überschrift</a:t>
             </a:r>
-            <a:endParaRPr lang="de-DE" dirty="0"/>
           </a:p>
         </p:txBody>
       </p:sp>
@@ -6513,7 +6473,7 @@
           <a:p>
             <a:pPr lvl="0"/>
             <a:r>
-              <a:rPr lang="de-DE" smtClean="0"/>
+              <a:rPr lang="de-DE"/>
               <a:t>Textmasterformat bearbeiten</a:t>
             </a:r>
           </a:p>
@@ -6557,10 +6517,9 @@
           <a:p>
             <a:pPr lvl="0"/>
             <a:r>
-              <a:rPr lang="de-DE" dirty="0" smtClean="0"/>
+              <a:rPr lang="de-DE" dirty="0"/>
               <a:t>Kapitelüberschrift</a:t>
             </a:r>
-            <a:endParaRPr lang="de-DE" dirty="0"/>
           </a:p>
         </p:txBody>
       </p:sp>
@@ -6634,7 +6593,7 @@
           </a:lstStyle>
           <a:p>
             <a:r>
-              <a:rPr lang="de-DE" smtClean="0"/>
+              <a:rPr lang="de-DE"/>
               <a:t>Bild durch Klicken auf Symbol hinzufügen</a:t>
             </a:r>
             <a:endParaRPr lang="de-DE" dirty="0"/>
@@ -6683,10 +6642,9 @@
           <a:p>
             <a:pPr lvl="0"/>
             <a:r>
-              <a:rPr lang="de-DE" dirty="0" smtClean="0"/>
+              <a:rPr lang="de-DE" dirty="0"/>
               <a:t>Überschrift</a:t>
             </a:r>
-            <a:endParaRPr lang="de-DE" dirty="0"/>
           </a:p>
         </p:txBody>
       </p:sp>
@@ -6747,7 +6705,7 @@
           <a:p>
             <a:pPr lvl="0"/>
             <a:r>
-              <a:rPr lang="de-DE" smtClean="0"/>
+              <a:rPr lang="de-DE"/>
               <a:t>Textmasterformat bearbeiten</a:t>
             </a:r>
           </a:p>
@@ -6785,7 +6743,7 @@
           </a:lstStyle>
           <a:p>
             <a:r>
-              <a:rPr lang="de-DE" smtClean="0"/>
+              <a:rPr lang="de-DE"/>
               <a:t>Bild durch Klicken auf Symbol hinzufügen</a:t>
             </a:r>
             <a:endParaRPr lang="de-DE" dirty="0"/>
@@ -6824,7 +6782,7 @@
           </a:lstStyle>
           <a:p>
             <a:r>
-              <a:rPr lang="de-DE" smtClean="0"/>
+              <a:rPr lang="de-DE"/>
               <a:t>Bild durch Klicken auf Symbol hinzufügen</a:t>
             </a:r>
             <a:endParaRPr lang="de-DE" dirty="0"/>
@@ -6869,10 +6827,9 @@
           <a:p>
             <a:pPr lvl="0"/>
             <a:r>
-              <a:rPr lang="de-DE" dirty="0" smtClean="0"/>
+              <a:rPr lang="de-DE" dirty="0"/>
               <a:t>Kapitelüberschrift</a:t>
             </a:r>
-            <a:endParaRPr lang="de-DE" dirty="0"/>
           </a:p>
         </p:txBody>
       </p:sp>
@@ -6918,7 +6875,7 @@
           <a:p>
             <a:pPr lvl="0"/>
             <a:r>
-              <a:rPr lang="de-DE" smtClean="0"/>
+              <a:rPr lang="de-DE"/>
               <a:t>Textmasterformat bearbeiten</a:t>
             </a:r>
           </a:p>
@@ -6966,7 +6923,7 @@
           <a:p>
             <a:pPr lvl="0"/>
             <a:r>
-              <a:rPr lang="de-DE" smtClean="0"/>
+              <a:rPr lang="de-DE"/>
               <a:t>Textmasterformat bearbeiten</a:t>
             </a:r>
           </a:p>
@@ -7014,7 +6971,7 @@
           <a:p>
             <a:pPr lvl="0"/>
             <a:r>
-              <a:rPr lang="de-DE" smtClean="0"/>
+              <a:rPr lang="de-DE"/>
               <a:t>Textmasterformat bearbeiten</a:t>
             </a:r>
           </a:p>
@@ -7090,7 +7047,7 @@
           </a:lstStyle>
           <a:p>
             <a:r>
-              <a:rPr lang="de-DE" smtClean="0"/>
+              <a:rPr lang="de-DE"/>
               <a:t>Bild durch Klicken auf Symbol hinzufügen</a:t>
             </a:r>
             <a:endParaRPr lang="de-DE" dirty="0"/>
@@ -7139,10 +7096,9 @@
           <a:p>
             <a:pPr lvl="0"/>
             <a:r>
-              <a:rPr lang="de-DE" dirty="0" smtClean="0"/>
+              <a:rPr lang="de-DE" dirty="0"/>
               <a:t>Text</a:t>
             </a:r>
-            <a:endParaRPr lang="de-DE" dirty="0"/>
           </a:p>
         </p:txBody>
       </p:sp>
@@ -7184,10 +7140,9 @@
           <a:p>
             <a:pPr lvl="0"/>
             <a:r>
-              <a:rPr lang="de-DE" dirty="0" smtClean="0"/>
+              <a:rPr lang="de-DE" dirty="0"/>
               <a:t>Ansprechpartner</a:t>
             </a:r>
-            <a:endParaRPr lang="de-DE" dirty="0"/>
           </a:p>
         </p:txBody>
       </p:sp>
@@ -7233,7 +7188,7 @@
           <a:p>
             <a:pPr lvl="0"/>
             <a:r>
-              <a:rPr lang="de-DE" smtClean="0"/>
+              <a:rPr lang="de-DE"/>
               <a:t>Textmasterformat bearbeiten</a:t>
             </a:r>
           </a:p>
@@ -7309,7 +7264,7 @@
           </a:lstStyle>
           <a:p>
             <a:r>
-              <a:rPr lang="de-DE" smtClean="0"/>
+              <a:rPr lang="de-DE"/>
               <a:t>Bild durch Klicken auf Symbol hinzufügen</a:t>
             </a:r>
             <a:endParaRPr lang="de-DE" dirty="0"/>
@@ -7358,10 +7313,9 @@
           <a:p>
             <a:pPr lvl="0"/>
             <a:r>
-              <a:rPr lang="de-DE" dirty="0" smtClean="0"/>
+              <a:rPr lang="de-DE" dirty="0"/>
               <a:t>Text</a:t>
             </a:r>
-            <a:endParaRPr lang="de-DE" dirty="0"/>
           </a:p>
         </p:txBody>
       </p:sp>
@@ -7407,7 +7361,7 @@
           <a:p>
             <a:pPr lvl="0"/>
             <a:r>
-              <a:rPr lang="de-DE" smtClean="0"/>
+              <a:rPr lang="de-DE"/>
               <a:t>Textmasterformat bearbeiten</a:t>
             </a:r>
           </a:p>
@@ -7483,7 +7437,7 @@
           </a:lstStyle>
           <a:p>
             <a:r>
-              <a:rPr lang="de-DE" smtClean="0"/>
+              <a:rPr lang="de-DE"/>
               <a:t>Bild durch Klicken auf Symbol hinzufügen</a:t>
             </a:r>
             <a:endParaRPr lang="de-DE" dirty="0"/>
@@ -7532,10 +7486,9 @@
           <a:p>
             <a:pPr lvl="0"/>
             <a:r>
-              <a:rPr lang="de-DE" dirty="0" smtClean="0"/>
+              <a:rPr lang="de-DE" dirty="0"/>
               <a:t>Text</a:t>
             </a:r>
-            <a:endParaRPr lang="de-DE" dirty="0"/>
           </a:p>
         </p:txBody>
       </p:sp>
@@ -7577,10 +7530,9 @@
           <a:p>
             <a:pPr lvl="0"/>
             <a:r>
-              <a:rPr lang="de-DE" dirty="0" smtClean="0"/>
+              <a:rPr lang="de-DE" dirty="0"/>
               <a:t>Ansprechpartner</a:t>
             </a:r>
-            <a:endParaRPr lang="de-DE" dirty="0"/>
           </a:p>
         </p:txBody>
       </p:sp>
@@ -7626,7 +7578,7 @@
           <a:p>
             <a:pPr lvl="0"/>
             <a:r>
-              <a:rPr lang="de-DE" smtClean="0"/>
+              <a:rPr lang="de-DE"/>
               <a:t>Textmasterformat bearbeiten</a:t>
             </a:r>
           </a:p>
@@ -7664,7 +7616,7 @@
           </a:lstStyle>
           <a:p>
             <a:r>
-              <a:rPr lang="de-DE" smtClean="0"/>
+              <a:rPr lang="de-DE"/>
               <a:t>Bild durch Klicken auf Symbol hinzufügen</a:t>
             </a:r>
             <a:endParaRPr lang="de-DE" dirty="0"/>
@@ -7713,7 +7665,7 @@
           <a:p>
             <a:pPr lvl="0"/>
             <a:r>
-              <a:rPr lang="de-DE" smtClean="0"/>
+              <a:rPr lang="de-DE"/>
               <a:t>Textmasterformat bearbeiten</a:t>
             </a:r>
           </a:p>
@@ -7751,7 +7703,7 @@
           </a:lstStyle>
           <a:p>
             <a:r>
-              <a:rPr lang="de-DE" smtClean="0"/>
+              <a:rPr lang="de-DE"/>
               <a:t>Bild durch Klicken auf Symbol hinzufügen</a:t>
             </a:r>
             <a:endParaRPr lang="de-DE" dirty="0"/>
@@ -7800,7 +7752,7 @@
           <a:p>
             <a:pPr lvl="0"/>
             <a:r>
-              <a:rPr lang="de-DE" smtClean="0"/>
+              <a:rPr lang="de-DE"/>
               <a:t>Textmasterformat bearbeiten</a:t>
             </a:r>
           </a:p>
@@ -7838,7 +7790,7 @@
           </a:lstStyle>
           <a:p>
             <a:r>
-              <a:rPr lang="de-DE" smtClean="0"/>
+              <a:rPr lang="de-DE"/>
               <a:t>Bild durch Klicken auf Symbol hinzufügen</a:t>
             </a:r>
             <a:endParaRPr lang="de-DE" dirty="0"/>
@@ -7887,7 +7839,7 @@
           <a:p>
             <a:pPr lvl="0"/>
             <a:r>
-              <a:rPr lang="de-DE" smtClean="0"/>
+              <a:rPr lang="de-DE"/>
               <a:t>Textmasterformat bearbeiten</a:t>
             </a:r>
           </a:p>
@@ -8079,7 +8031,7 @@
           <a:p>
             <a:pPr algn="r"/>
             <a:r>
-              <a:rPr lang="de-DE" sz="900" u="none" dirty="0" smtClean="0">
+              <a:rPr lang="de-DE" sz="900" u="none" dirty="0">
                 <a:solidFill>
                   <a:schemeClr val="bg1">
                     <a:lumMod val="65000"/>
@@ -8090,15 +8042,6 @@
               </a:rPr>
               <a:t>vertraulich</a:t>
             </a:r>
-            <a:endParaRPr lang="de-DE" sz="900" u="none" dirty="0">
-              <a:solidFill>
-                <a:schemeClr val="bg1">
-                  <a:lumMod val="65000"/>
-                </a:schemeClr>
-              </a:solidFill>
-              <a:latin typeface="Arial"/>
-              <a:cs typeface="Arial"/>
-            </a:endParaRPr>
           </a:p>
         </p:txBody>
       </p:sp>
@@ -8995,10 +8938,9 @@
           <a:lstStyle/>
           <a:p>
             <a:r>
-              <a:rPr lang="de-DE" dirty="0" smtClean="0"/>
+              <a:rPr lang="de-DE" dirty="0"/>
               <a:t>ABO Enterprise GIS</a:t>
             </a:r>
-            <a:endParaRPr lang="de-DE" dirty="0"/>
           </a:p>
         </p:txBody>
       </p:sp>
@@ -9018,10 +8960,9 @@
           <a:lstStyle/>
           <a:p>
             <a:r>
-              <a:rPr lang="de-DE" dirty="0" smtClean="0"/>
+              <a:rPr lang="de-DE" dirty="0"/>
               <a:t>Thomas Großmann, 08.01.2016</a:t>
             </a:r>
-            <a:endParaRPr lang="de-DE" dirty="0"/>
           </a:p>
         </p:txBody>
       </p:sp>
@@ -9029,6 +8970,1432 @@
     <p:extLst>
       <p:ext uri="{BB962C8B-B14F-4D97-AF65-F5344CB8AC3E}">
         <p14:creationId xmlns:p14="http://schemas.microsoft.com/office/powerpoint/2010/main" val="428991099"/>
+      </p:ext>
+    </p:extLst>
+  </p:cSld>
+  <p:clrMapOvr>
+    <a:masterClrMapping/>
+  </p:clrMapOvr>
+  <mc:AlternateContent xmlns:mc="http://schemas.openxmlformats.org/markup-compatibility/2006" xmlns:p14="http://schemas.microsoft.com/office/powerpoint/2010/main">
+    <mc:Choice Requires="p14">
+      <p:transition p14:dur="0"/>
+    </mc:Choice>
+    <mc:Fallback xmlns="">
+      <p:transition xmlns:p14="http://schemas.microsoft.com/office/powerpoint/2010/main"/>
+    </mc:Fallback>
+  </mc:AlternateContent>
+</p:sld>
+</file>
+
+<file path=ppt/slides/slide10.xml><?xml version="1.0" encoding="utf-8"?>
+<p:sld xmlns:a="http://schemas.openxmlformats.org/drawingml/2006/main" xmlns:r="http://schemas.openxmlformats.org/officeDocument/2006/relationships" xmlns:p="http://schemas.openxmlformats.org/presentationml/2006/main">
+  <p:cSld>
+    <p:spTree>
+      <p:nvGrpSpPr>
+        <p:cNvPr id="1" name=""/>
+        <p:cNvGrpSpPr/>
+        <p:nvPr/>
+      </p:nvGrpSpPr>
+      <p:grpSpPr>
+        <a:xfrm>
+          <a:off x="0" y="0"/>
+          <a:ext cx="0" cy="0"/>
+          <a:chOff x="0" y="0"/>
+          <a:chExt cx="0" cy="0"/>
+        </a:xfrm>
+      </p:grpSpPr>
+      <p:cxnSp>
+        <p:nvCxnSpPr>
+          <p:cNvPr id="73" name="Gerader Verbinder 72"/>
+          <p:cNvCxnSpPr/>
+          <p:nvPr/>
+        </p:nvCxnSpPr>
+        <p:spPr bwMode="auto">
+          <a:xfrm>
+            <a:off x="1483360" y="0"/>
+            <a:ext cx="0" cy="7562850"/>
+          </a:xfrm>
+          <a:prstGeom prst="line">
+            <a:avLst/>
+          </a:prstGeom>
+          <a:solidFill>
+            <a:schemeClr val="accent1"/>
+          </a:solidFill>
+          <a:ln w="38100" cap="flat" cmpd="sng" algn="ctr">
+            <a:solidFill>
+              <a:srgbClr val="00B050"/>
+            </a:solidFill>
+            <a:prstDash val="solid"/>
+            <a:round/>
+            <a:headEnd type="none" w="med" len="med"/>
+            <a:tailEnd type="none" w="med" len="med"/>
+          </a:ln>
+          <a:effectLst/>
+        </p:spPr>
+      </p:cxnSp>
+      <p:cxnSp>
+        <p:nvCxnSpPr>
+          <p:cNvPr id="7" name="Gerader Verbinder 6"/>
+          <p:cNvCxnSpPr/>
+          <p:nvPr/>
+        </p:nvCxnSpPr>
+        <p:spPr bwMode="auto">
+          <a:xfrm>
+            <a:off x="741680" y="0"/>
+            <a:ext cx="0" cy="7562850"/>
+          </a:xfrm>
+          <a:prstGeom prst="line">
+            <a:avLst/>
+          </a:prstGeom>
+          <a:solidFill>
+            <a:schemeClr val="accent1"/>
+          </a:solidFill>
+          <a:ln w="38100" cap="flat" cmpd="sng" algn="ctr">
+            <a:solidFill>
+              <a:srgbClr val="0661AA"/>
+            </a:solidFill>
+            <a:prstDash val="solid"/>
+            <a:round/>
+            <a:headEnd type="none" w="med" len="med"/>
+            <a:tailEnd type="none" w="med" len="med"/>
+          </a:ln>
+          <a:effectLst/>
+        </p:spPr>
+      </p:cxnSp>
+      <p:cxnSp>
+        <p:nvCxnSpPr>
+          <p:cNvPr id="16" name="Gerader Verbinder 15"/>
+          <p:cNvCxnSpPr/>
+          <p:nvPr/>
+        </p:nvCxnSpPr>
+        <p:spPr bwMode="auto">
+          <a:xfrm>
+            <a:off x="1097280" y="0"/>
+            <a:ext cx="0" cy="7562850"/>
+          </a:xfrm>
+          <a:prstGeom prst="line">
+            <a:avLst/>
+          </a:prstGeom>
+          <a:solidFill>
+            <a:schemeClr val="accent1"/>
+          </a:solidFill>
+          <a:ln w="38100" cap="flat" cmpd="sng" algn="ctr">
+            <a:solidFill>
+              <a:srgbClr val="FF921E"/>
+            </a:solidFill>
+            <a:prstDash val="solid"/>
+            <a:round/>
+            <a:headEnd type="none" w="med" len="med"/>
+            <a:tailEnd type="none" w="med" len="med"/>
+          </a:ln>
+          <a:effectLst/>
+        </p:spPr>
+      </p:cxnSp>
+      <p:cxnSp>
+        <p:nvCxnSpPr>
+          <p:cNvPr id="103" name="Gerader Verbinder 102"/>
+          <p:cNvCxnSpPr/>
+          <p:nvPr/>
+        </p:nvCxnSpPr>
+        <p:spPr bwMode="auto">
+          <a:xfrm>
+            <a:off x="375920" y="1402080"/>
+            <a:ext cx="0" cy="6160770"/>
+          </a:xfrm>
+          <a:prstGeom prst="line">
+            <a:avLst/>
+          </a:prstGeom>
+          <a:solidFill>
+            <a:schemeClr val="accent1"/>
+          </a:solidFill>
+          <a:ln w="38100" cap="flat" cmpd="sng" algn="ctr">
+            <a:solidFill>
+              <a:srgbClr val="FF5050"/>
+            </a:solidFill>
+            <a:prstDash val="solid"/>
+            <a:round/>
+            <a:headEnd type="none" w="med" len="med"/>
+            <a:tailEnd type="none" w="med" len="med"/>
+          </a:ln>
+          <a:effectLst/>
+        </p:spPr>
+      </p:cxnSp>
+      <p:grpSp>
+        <p:nvGrpSpPr>
+          <p:cNvPr id="104" name="Gruppieren 103"/>
+          <p:cNvGrpSpPr/>
+          <p:nvPr/>
+        </p:nvGrpSpPr>
+        <p:grpSpPr>
+          <a:xfrm>
+            <a:off x="375920" y="1219200"/>
+            <a:ext cx="4789881" cy="308482"/>
+            <a:chOff x="1097280" y="2387600"/>
+            <a:chExt cx="4789881" cy="308482"/>
+          </a:xfrm>
+        </p:grpSpPr>
+        <p:cxnSp>
+          <p:nvCxnSpPr>
+            <p:cNvPr id="105" name="Gerade Verbindung mit Pfeil 104"/>
+            <p:cNvCxnSpPr/>
+            <p:nvPr/>
+          </p:nvCxnSpPr>
+          <p:spPr bwMode="auto">
+            <a:xfrm>
+              <a:off x="1097280" y="2550160"/>
+              <a:ext cx="1452880" cy="0"/>
+            </a:xfrm>
+            <a:prstGeom prst="straightConnector1">
+              <a:avLst/>
+            </a:prstGeom>
+            <a:solidFill>
+              <a:schemeClr val="accent1"/>
+            </a:solidFill>
+            <a:ln w="38100" cap="flat" cmpd="sng" algn="ctr">
+              <a:solidFill>
+                <a:srgbClr val="FF5050"/>
+              </a:solidFill>
+              <a:prstDash val="solid"/>
+              <a:round/>
+              <a:headEnd type="oval" w="med" len="med"/>
+              <a:tailEnd type="oval" w="med" len="med"/>
+            </a:ln>
+            <a:effectLst/>
+          </p:spPr>
+        </p:cxnSp>
+        <p:sp>
+          <p:nvSpPr>
+            <p:cNvPr id="106" name="Textfeld 105"/>
+            <p:cNvSpPr txBox="1"/>
+            <p:nvPr/>
+          </p:nvSpPr>
+          <p:spPr>
+            <a:xfrm>
+              <a:off x="2773680" y="2387600"/>
+              <a:ext cx="3113481" cy="308482"/>
+            </a:xfrm>
+            <a:prstGeom prst="rect">
+              <a:avLst/>
+            </a:prstGeom>
+            <a:noFill/>
+          </p:spPr>
+          <p:txBody>
+            <a:bodyPr wrap="none" lIns="0" tIns="0" rIns="0" bIns="0" rtlCol="0">
+              <a:spAutoFit/>
+            </a:bodyPr>
+            <a:lstStyle>
+              <a:defPPr>
+                <a:defRPr lang="de-DE"/>
+              </a:defPPr>
+              <a:lvl1pPr>
+                <a:lnSpc>
+                  <a:spcPts val="2600"/>
+                </a:lnSpc>
+                <a:defRPr sz="2000" u="none">
+                  <a:solidFill>
+                    <a:srgbClr val="0070C0"/>
+                  </a:solidFill>
+                  <a:latin typeface="Arial"/>
+                  <a:cs typeface="Arial"/>
+                </a:defRPr>
+              </a:lvl1pPr>
+            </a:lstStyle>
+            <a:p>
+              <a:r>
+                <a:rPr lang="de-DE" u="sng" dirty="0">
+                  <a:solidFill>
+                    <a:srgbClr val="FF5050"/>
+                  </a:solidFill>
+                </a:rPr>
+                <a:t>Kickoff ABO Enterprise GIS</a:t>
+              </a:r>
+            </a:p>
+          </p:txBody>
+        </p:sp>
+      </p:grpSp>
+      <p:grpSp>
+        <p:nvGrpSpPr>
+          <p:cNvPr id="108" name="Gruppieren 107"/>
+          <p:cNvGrpSpPr/>
+          <p:nvPr/>
+        </p:nvGrpSpPr>
+        <p:grpSpPr>
+          <a:xfrm>
+            <a:off x="375920" y="1635760"/>
+            <a:ext cx="3840348" cy="333425"/>
+            <a:chOff x="1097280" y="2387600"/>
+            <a:chExt cx="3840348" cy="333425"/>
+          </a:xfrm>
+        </p:grpSpPr>
+        <p:cxnSp>
+          <p:nvCxnSpPr>
+            <p:cNvPr id="109" name="Gerade Verbindung mit Pfeil 108"/>
+            <p:cNvCxnSpPr/>
+            <p:nvPr/>
+          </p:nvCxnSpPr>
+          <p:spPr bwMode="auto">
+            <a:xfrm>
+              <a:off x="1097280" y="2550160"/>
+              <a:ext cx="2001520" cy="0"/>
+            </a:xfrm>
+            <a:prstGeom prst="straightConnector1">
+              <a:avLst/>
+            </a:prstGeom>
+            <a:solidFill>
+              <a:schemeClr val="accent1"/>
+            </a:solidFill>
+            <a:ln w="38100" cap="flat" cmpd="sng" algn="ctr">
+              <a:solidFill>
+                <a:srgbClr val="FF5050"/>
+              </a:solidFill>
+              <a:prstDash val="solid"/>
+              <a:round/>
+              <a:headEnd type="oval" w="med" len="med"/>
+              <a:tailEnd type="oval" w="med" len="med"/>
+            </a:ln>
+            <a:effectLst/>
+          </p:spPr>
+        </p:cxnSp>
+        <p:sp>
+          <p:nvSpPr>
+            <p:cNvPr id="110" name="Textfeld 109"/>
+            <p:cNvSpPr txBox="1"/>
+            <p:nvPr/>
+          </p:nvSpPr>
+          <p:spPr>
+            <a:xfrm>
+              <a:off x="3342640" y="2387600"/>
+              <a:ext cx="1594988" cy="333425"/>
+            </a:xfrm>
+            <a:prstGeom prst="rect">
+              <a:avLst/>
+            </a:prstGeom>
+            <a:noFill/>
+            <a:ln>
+              <a:noFill/>
+            </a:ln>
+          </p:spPr>
+          <p:txBody>
+            <a:bodyPr wrap="none" lIns="0" tIns="0" rIns="0" bIns="0" rtlCol="0">
+              <a:spAutoFit/>
+            </a:bodyPr>
+            <a:lstStyle/>
+            <a:p>
+              <a:pPr>
+                <a:lnSpc>
+                  <a:spcPts val="2600"/>
+                </a:lnSpc>
+              </a:pPr>
+              <a:r>
+                <a:rPr lang="de-DE" sz="1600" u="none" dirty="0">
+                  <a:solidFill>
+                    <a:srgbClr val="FF5050"/>
+                  </a:solidFill>
+                  <a:latin typeface="Arial"/>
+                  <a:cs typeface="Arial"/>
+                </a:rPr>
+                <a:t>Bekanntmachung</a:t>
+              </a:r>
+            </a:p>
+          </p:txBody>
+        </p:sp>
+      </p:grpSp>
+      <p:grpSp>
+        <p:nvGrpSpPr>
+          <p:cNvPr id="58" name="Gruppieren 57"/>
+          <p:cNvGrpSpPr/>
+          <p:nvPr/>
+        </p:nvGrpSpPr>
+        <p:grpSpPr>
+          <a:xfrm>
+            <a:off x="375920" y="2042160"/>
+            <a:ext cx="5434375" cy="333425"/>
+            <a:chOff x="1097280" y="2387600"/>
+            <a:chExt cx="5434375" cy="333425"/>
+          </a:xfrm>
+        </p:grpSpPr>
+        <p:cxnSp>
+          <p:nvCxnSpPr>
+            <p:cNvPr id="59" name="Gerade Verbindung mit Pfeil 58"/>
+            <p:cNvCxnSpPr/>
+            <p:nvPr/>
+          </p:nvCxnSpPr>
+          <p:spPr bwMode="auto">
+            <a:xfrm>
+              <a:off x="1097280" y="2550160"/>
+              <a:ext cx="2001520" cy="0"/>
+            </a:xfrm>
+            <a:prstGeom prst="straightConnector1">
+              <a:avLst/>
+            </a:prstGeom>
+            <a:solidFill>
+              <a:schemeClr val="accent1"/>
+            </a:solidFill>
+            <a:ln w="38100" cap="flat" cmpd="sng" algn="ctr">
+              <a:solidFill>
+                <a:srgbClr val="FF5050"/>
+              </a:solidFill>
+              <a:prstDash val="solid"/>
+              <a:round/>
+              <a:headEnd type="oval" w="med" len="med"/>
+              <a:tailEnd type="oval" w="med" len="med"/>
+            </a:ln>
+            <a:effectLst/>
+          </p:spPr>
+        </p:cxnSp>
+        <p:sp>
+          <p:nvSpPr>
+            <p:cNvPr id="60" name="Textfeld 59"/>
+            <p:cNvSpPr txBox="1"/>
+            <p:nvPr/>
+          </p:nvSpPr>
+          <p:spPr>
+            <a:xfrm>
+              <a:off x="3342640" y="2387600"/>
+              <a:ext cx="3189015" cy="333425"/>
+            </a:xfrm>
+            <a:prstGeom prst="rect">
+              <a:avLst/>
+            </a:prstGeom>
+            <a:noFill/>
+            <a:ln>
+              <a:noFill/>
+            </a:ln>
+          </p:spPr>
+          <p:txBody>
+            <a:bodyPr wrap="none" lIns="0" tIns="0" rIns="0" bIns="0" rtlCol="0">
+              <a:spAutoFit/>
+            </a:bodyPr>
+            <a:lstStyle/>
+            <a:p>
+              <a:pPr>
+                <a:lnSpc>
+                  <a:spcPts val="2600"/>
+                </a:lnSpc>
+              </a:pPr>
+              <a:r>
+                <a:rPr lang="de-DE" sz="1600" u="none" dirty="0">
+                  <a:solidFill>
+                    <a:srgbClr val="FF5050"/>
+                  </a:solidFill>
+                  <a:latin typeface="Arial"/>
+                  <a:cs typeface="Arial"/>
+                </a:rPr>
+                <a:t>Einführung für Abteilungen / Teams</a:t>
+              </a:r>
+            </a:p>
+          </p:txBody>
+        </p:sp>
+      </p:grpSp>
+      <p:grpSp>
+        <p:nvGrpSpPr>
+          <p:cNvPr id="67" name="Gruppieren 66"/>
+          <p:cNvGrpSpPr/>
+          <p:nvPr/>
+        </p:nvGrpSpPr>
+        <p:grpSpPr>
+          <a:xfrm>
+            <a:off x="741680" y="4082339"/>
+            <a:ext cx="4051473" cy="296748"/>
+            <a:chOff x="741680" y="4775200"/>
+            <a:chExt cx="4051473" cy="296748"/>
+          </a:xfrm>
+        </p:grpSpPr>
+        <p:cxnSp>
+          <p:nvCxnSpPr>
+            <p:cNvPr id="68" name="Gerade Verbindung mit Pfeil 67"/>
+            <p:cNvCxnSpPr/>
+            <p:nvPr/>
+          </p:nvCxnSpPr>
+          <p:spPr bwMode="auto">
+            <a:xfrm>
+              <a:off x="741680" y="4937760"/>
+              <a:ext cx="934720" cy="0"/>
+            </a:xfrm>
+            <a:prstGeom prst="straightConnector1">
+              <a:avLst/>
+            </a:prstGeom>
+            <a:solidFill>
+              <a:schemeClr val="accent1"/>
+            </a:solidFill>
+            <a:ln w="38100" cap="flat" cmpd="sng" algn="ctr">
+              <a:solidFill>
+                <a:srgbClr val="0661A9"/>
+              </a:solidFill>
+              <a:prstDash val="solid"/>
+              <a:round/>
+              <a:headEnd type="oval" w="med" len="med"/>
+              <a:tailEnd type="oval" w="med" len="med"/>
+            </a:ln>
+            <a:effectLst/>
+          </p:spPr>
+        </p:cxnSp>
+        <p:sp>
+          <p:nvSpPr>
+            <p:cNvPr id="69" name="Textfeld 68"/>
+            <p:cNvSpPr txBox="1"/>
+            <p:nvPr/>
+          </p:nvSpPr>
+          <p:spPr>
+            <a:xfrm>
+              <a:off x="1991360" y="4775200"/>
+              <a:ext cx="2801793" cy="296748"/>
+            </a:xfrm>
+            <a:prstGeom prst="rect">
+              <a:avLst/>
+            </a:prstGeom>
+            <a:noFill/>
+            <a:ln>
+              <a:noFill/>
+            </a:ln>
+          </p:spPr>
+          <p:txBody>
+            <a:bodyPr wrap="none" lIns="0" tIns="0" rIns="0" bIns="0" rtlCol="0">
+              <a:spAutoFit/>
+            </a:bodyPr>
+            <a:lstStyle/>
+            <a:p>
+              <a:pPr>
+                <a:lnSpc>
+                  <a:spcPts val="2600"/>
+                </a:lnSpc>
+              </a:pPr>
+              <a:r>
+                <a:rPr lang="de-DE" sz="1600" u="none" dirty="0">
+                  <a:solidFill>
+                    <a:srgbClr val="0661A9"/>
+                  </a:solidFill>
+                  <a:latin typeface="Arial"/>
+                  <a:cs typeface="Arial"/>
+                </a:rPr>
+                <a:t>Verbesserung Ausfallsicherheit</a:t>
+              </a:r>
+            </a:p>
+          </p:txBody>
+        </p:sp>
+      </p:grpSp>
+      <p:grpSp>
+        <p:nvGrpSpPr>
+          <p:cNvPr id="100" name="Gruppieren 99"/>
+          <p:cNvGrpSpPr/>
+          <p:nvPr/>
+        </p:nvGrpSpPr>
+        <p:grpSpPr>
+          <a:xfrm>
+            <a:off x="741680" y="3647440"/>
+            <a:ext cx="3747030" cy="296748"/>
+            <a:chOff x="741680" y="4368800"/>
+            <a:chExt cx="3747030" cy="296748"/>
+          </a:xfrm>
+        </p:grpSpPr>
+        <p:cxnSp>
+          <p:nvCxnSpPr>
+            <p:cNvPr id="101" name="Gerade Verbindung mit Pfeil 100"/>
+            <p:cNvCxnSpPr/>
+            <p:nvPr/>
+          </p:nvCxnSpPr>
+          <p:spPr bwMode="auto">
+            <a:xfrm>
+              <a:off x="741680" y="4531360"/>
+              <a:ext cx="934720" cy="0"/>
+            </a:xfrm>
+            <a:prstGeom prst="straightConnector1">
+              <a:avLst/>
+            </a:prstGeom>
+            <a:solidFill>
+              <a:schemeClr val="accent1"/>
+            </a:solidFill>
+            <a:ln w="38100" cap="flat" cmpd="sng" algn="ctr">
+              <a:solidFill>
+                <a:srgbClr val="0661A9"/>
+              </a:solidFill>
+              <a:prstDash val="solid"/>
+              <a:round/>
+              <a:headEnd type="oval" w="med" len="med"/>
+              <a:tailEnd type="oval" w="med" len="med"/>
+            </a:ln>
+            <a:effectLst/>
+          </p:spPr>
+        </p:cxnSp>
+        <p:sp>
+          <p:nvSpPr>
+            <p:cNvPr id="102" name="Textfeld 101"/>
+            <p:cNvSpPr txBox="1"/>
+            <p:nvPr/>
+          </p:nvSpPr>
+          <p:spPr>
+            <a:xfrm>
+              <a:off x="1991360" y="4368800"/>
+              <a:ext cx="2497350" cy="296748"/>
+            </a:xfrm>
+            <a:prstGeom prst="rect">
+              <a:avLst/>
+            </a:prstGeom>
+            <a:noFill/>
+            <a:ln>
+              <a:noFill/>
+            </a:ln>
+          </p:spPr>
+          <p:txBody>
+            <a:bodyPr wrap="none" lIns="0" tIns="0" rIns="0" bIns="0" rtlCol="0">
+              <a:spAutoFit/>
+            </a:bodyPr>
+            <a:lstStyle/>
+            <a:p>
+              <a:pPr>
+                <a:lnSpc>
+                  <a:spcPts val="2600"/>
+                </a:lnSpc>
+              </a:pPr>
+              <a:r>
+                <a:rPr lang="de-DE" sz="1600" u="none" dirty="0">
+                  <a:solidFill>
+                    <a:srgbClr val="0661A9"/>
+                  </a:solidFill>
+                  <a:latin typeface="Arial"/>
+                  <a:cs typeface="Arial"/>
+                </a:rPr>
+                <a:t>Verbesserung Performance</a:t>
+              </a:r>
+            </a:p>
+          </p:txBody>
+        </p:sp>
+      </p:grpSp>
+      <p:grpSp>
+        <p:nvGrpSpPr>
+          <p:cNvPr id="113" name="Gruppieren 112"/>
+          <p:cNvGrpSpPr/>
+          <p:nvPr/>
+        </p:nvGrpSpPr>
+        <p:grpSpPr>
+          <a:xfrm>
+            <a:off x="1097280" y="2621280"/>
+            <a:ext cx="2885171" cy="333425"/>
+            <a:chOff x="1097280" y="2387600"/>
+            <a:chExt cx="2885171" cy="333425"/>
+          </a:xfrm>
+        </p:grpSpPr>
+        <p:cxnSp>
+          <p:nvCxnSpPr>
+            <p:cNvPr id="114" name="Gerade Verbindung mit Pfeil 113"/>
+            <p:cNvCxnSpPr/>
+            <p:nvPr/>
+          </p:nvCxnSpPr>
+          <p:spPr bwMode="auto">
+            <a:xfrm>
+              <a:off x="1097280" y="2550160"/>
+              <a:ext cx="934720" cy="0"/>
+            </a:xfrm>
+            <a:prstGeom prst="straightConnector1">
+              <a:avLst/>
+            </a:prstGeom>
+            <a:solidFill>
+              <a:schemeClr val="accent1"/>
+            </a:solidFill>
+            <a:ln w="38100" cap="flat" cmpd="sng" algn="ctr">
+              <a:solidFill>
+                <a:srgbClr val="FF921E"/>
+              </a:solidFill>
+              <a:prstDash val="solid"/>
+              <a:round/>
+              <a:headEnd type="oval" w="med" len="med"/>
+              <a:tailEnd type="oval" w="med" len="med"/>
+            </a:ln>
+            <a:effectLst/>
+          </p:spPr>
+        </p:cxnSp>
+        <p:sp>
+          <p:nvSpPr>
+            <p:cNvPr id="115" name="Textfeld 114"/>
+            <p:cNvSpPr txBox="1"/>
+            <p:nvPr/>
+          </p:nvSpPr>
+          <p:spPr>
+            <a:xfrm>
+              <a:off x="2204720" y="2387600"/>
+              <a:ext cx="1777731" cy="333425"/>
+            </a:xfrm>
+            <a:prstGeom prst="rect">
+              <a:avLst/>
+            </a:prstGeom>
+            <a:noFill/>
+          </p:spPr>
+          <p:txBody>
+            <a:bodyPr wrap="none" lIns="0" tIns="0" rIns="0" bIns="0" rtlCol="0">
+              <a:spAutoFit/>
+            </a:bodyPr>
+            <a:lstStyle/>
+            <a:p>
+              <a:pPr>
+                <a:lnSpc>
+                  <a:spcPts val="2600"/>
+                </a:lnSpc>
+              </a:pPr>
+              <a:r>
+                <a:rPr lang="de-DE" sz="1600" u="none" dirty="0">
+                  <a:solidFill>
+                    <a:srgbClr val="FF921E"/>
+                  </a:solidFill>
+                  <a:latin typeface="Arial"/>
+                  <a:cs typeface="Arial"/>
+                </a:rPr>
+                <a:t>Monitoring Nutzung</a:t>
+              </a:r>
+            </a:p>
+          </p:txBody>
+        </p:sp>
+      </p:grpSp>
+      <p:grpSp>
+        <p:nvGrpSpPr>
+          <p:cNvPr id="116" name="Gruppieren 115"/>
+          <p:cNvGrpSpPr/>
+          <p:nvPr/>
+        </p:nvGrpSpPr>
+        <p:grpSpPr>
+          <a:xfrm>
+            <a:off x="1097280" y="3034742"/>
+            <a:ext cx="3747458" cy="333425"/>
+            <a:chOff x="1097280" y="2794000"/>
+            <a:chExt cx="3747458" cy="333425"/>
+          </a:xfrm>
+        </p:grpSpPr>
+        <p:cxnSp>
+          <p:nvCxnSpPr>
+            <p:cNvPr id="117" name="Gerade Verbindung mit Pfeil 116"/>
+            <p:cNvCxnSpPr/>
+            <p:nvPr/>
+          </p:nvCxnSpPr>
+          <p:spPr bwMode="auto">
+            <a:xfrm>
+              <a:off x="1097280" y="2956560"/>
+              <a:ext cx="934720" cy="0"/>
+            </a:xfrm>
+            <a:prstGeom prst="straightConnector1">
+              <a:avLst/>
+            </a:prstGeom>
+            <a:solidFill>
+              <a:schemeClr val="accent1"/>
+            </a:solidFill>
+            <a:ln w="38100" cap="flat" cmpd="sng" algn="ctr">
+              <a:solidFill>
+                <a:srgbClr val="FF921E"/>
+              </a:solidFill>
+              <a:prstDash val="solid"/>
+              <a:round/>
+              <a:headEnd type="oval" w="med" len="med"/>
+              <a:tailEnd type="oval" w="med" len="med"/>
+            </a:ln>
+            <a:effectLst/>
+          </p:spPr>
+        </p:cxnSp>
+        <p:sp>
+          <p:nvSpPr>
+            <p:cNvPr id="118" name="Textfeld 117"/>
+            <p:cNvSpPr txBox="1"/>
+            <p:nvPr/>
+          </p:nvSpPr>
+          <p:spPr>
+            <a:xfrm>
+              <a:off x="2204720" y="2794000"/>
+              <a:ext cx="2640018" cy="333425"/>
+            </a:xfrm>
+            <a:prstGeom prst="rect">
+              <a:avLst/>
+            </a:prstGeom>
+            <a:noFill/>
+          </p:spPr>
+          <p:txBody>
+            <a:bodyPr wrap="none" lIns="0" tIns="0" rIns="0" bIns="0" rtlCol="0">
+              <a:spAutoFit/>
+            </a:bodyPr>
+            <a:lstStyle/>
+            <a:p>
+              <a:pPr>
+                <a:lnSpc>
+                  <a:spcPts val="2600"/>
+                </a:lnSpc>
+              </a:pPr>
+              <a:r>
+                <a:rPr lang="de-DE" sz="1600" u="none" dirty="0">
+                  <a:solidFill>
+                    <a:srgbClr val="FF921E"/>
+                  </a:solidFill>
+                  <a:latin typeface="Arial"/>
+                  <a:cs typeface="Arial"/>
+                </a:rPr>
+                <a:t>Konzeptionelle Anpassungen</a:t>
+              </a:r>
+            </a:p>
+          </p:txBody>
+        </p:sp>
+      </p:grpSp>
+      <p:cxnSp>
+        <p:nvCxnSpPr>
+          <p:cNvPr id="120" name="Gerade Verbindung mit Pfeil 119"/>
+          <p:cNvCxnSpPr/>
+          <p:nvPr/>
+        </p:nvCxnSpPr>
+        <p:spPr bwMode="auto">
+          <a:xfrm>
+            <a:off x="1097280" y="4795520"/>
+            <a:ext cx="599440" cy="0"/>
+          </a:xfrm>
+          <a:prstGeom prst="straightConnector1">
+            <a:avLst/>
+          </a:prstGeom>
+          <a:solidFill>
+            <a:schemeClr val="accent1"/>
+          </a:solidFill>
+          <a:ln w="38100" cap="flat" cmpd="sng" algn="ctr">
+            <a:solidFill>
+              <a:srgbClr val="FF921E"/>
+            </a:solidFill>
+            <a:prstDash val="solid"/>
+            <a:round/>
+            <a:headEnd type="oval" w="med" len="med"/>
+            <a:tailEnd type="oval" w="med" len="med"/>
+          </a:ln>
+          <a:effectLst/>
+        </p:spPr>
+      </p:cxnSp>
+      <p:grpSp>
+        <p:nvGrpSpPr>
+          <p:cNvPr id="122" name="Gruppieren 121"/>
+          <p:cNvGrpSpPr/>
+          <p:nvPr/>
+        </p:nvGrpSpPr>
+        <p:grpSpPr>
+          <a:xfrm>
+            <a:off x="1097280" y="5107382"/>
+            <a:ext cx="1879574" cy="333425"/>
+            <a:chOff x="1097280" y="2794000"/>
+            <a:chExt cx="1879574" cy="333425"/>
+          </a:xfrm>
+        </p:grpSpPr>
+        <p:cxnSp>
+          <p:nvCxnSpPr>
+            <p:cNvPr id="123" name="Gerade Verbindung mit Pfeil 122"/>
+            <p:cNvCxnSpPr/>
+            <p:nvPr/>
+          </p:nvCxnSpPr>
+          <p:spPr bwMode="auto">
+            <a:xfrm>
+              <a:off x="1097280" y="2956560"/>
+              <a:ext cx="934720" cy="0"/>
+            </a:xfrm>
+            <a:prstGeom prst="straightConnector1">
+              <a:avLst/>
+            </a:prstGeom>
+            <a:solidFill>
+              <a:schemeClr val="accent1"/>
+            </a:solidFill>
+            <a:ln w="38100" cap="flat" cmpd="sng" algn="ctr">
+              <a:solidFill>
+                <a:srgbClr val="FF921E"/>
+              </a:solidFill>
+              <a:prstDash val="solid"/>
+              <a:round/>
+              <a:headEnd type="oval" w="med" len="med"/>
+              <a:tailEnd type="oval" w="med" len="med"/>
+            </a:ln>
+            <a:effectLst/>
+          </p:spPr>
+        </p:cxnSp>
+        <p:sp>
+          <p:nvSpPr>
+            <p:cNvPr id="124" name="Textfeld 123"/>
+            <p:cNvSpPr txBox="1"/>
+            <p:nvPr/>
+          </p:nvSpPr>
+          <p:spPr>
+            <a:xfrm>
+              <a:off x="2204720" y="2794000"/>
+              <a:ext cx="772134" cy="333425"/>
+            </a:xfrm>
+            <a:prstGeom prst="rect">
+              <a:avLst/>
+            </a:prstGeom>
+            <a:noFill/>
+          </p:spPr>
+          <p:txBody>
+            <a:bodyPr wrap="none" lIns="0" tIns="0" rIns="0" bIns="0" rtlCol="0">
+              <a:spAutoFit/>
+            </a:bodyPr>
+            <a:lstStyle/>
+            <a:p>
+              <a:pPr>
+                <a:lnSpc>
+                  <a:spcPts val="2600"/>
+                </a:lnSpc>
+              </a:pPr>
+              <a:r>
+                <a:rPr lang="de-DE" sz="1600" u="none" dirty="0" err="1">
+                  <a:solidFill>
+                    <a:srgbClr val="FF921E"/>
+                  </a:solidFill>
+                  <a:latin typeface="Arial"/>
+                  <a:cs typeface="Arial"/>
+                </a:rPr>
+                <a:t>WebGIS</a:t>
+              </a:r>
+              <a:endParaRPr lang="de-DE" sz="1600" u="none" dirty="0">
+                <a:solidFill>
+                  <a:srgbClr val="FF921E"/>
+                </a:solidFill>
+                <a:latin typeface="Arial"/>
+                <a:cs typeface="Arial"/>
+              </a:endParaRPr>
+            </a:p>
+          </p:txBody>
+        </p:sp>
+      </p:grpSp>
+      <p:sp>
+        <p:nvSpPr>
+          <p:cNvPr id="125" name="Textfeld 124"/>
+          <p:cNvSpPr txBox="1"/>
+          <p:nvPr/>
+        </p:nvSpPr>
+        <p:spPr>
+          <a:xfrm>
+            <a:off x="1910080" y="4622800"/>
+            <a:ext cx="1885516" cy="333425"/>
+          </a:xfrm>
+          <a:prstGeom prst="rect">
+            <a:avLst/>
+          </a:prstGeom>
+          <a:noFill/>
+        </p:spPr>
+        <p:txBody>
+          <a:bodyPr wrap="none" lIns="0" tIns="0" rIns="0" bIns="0" rtlCol="0">
+            <a:spAutoFit/>
+          </a:bodyPr>
+          <a:lstStyle/>
+          <a:p>
+            <a:pPr>
+              <a:lnSpc>
+                <a:spcPts val="2600"/>
+              </a:lnSpc>
+            </a:pPr>
+            <a:r>
+              <a:rPr lang="de-DE" sz="2000" u="none" dirty="0">
+                <a:solidFill>
+                  <a:srgbClr val="FF921E"/>
+                </a:solidFill>
+                <a:latin typeface="Arial"/>
+                <a:cs typeface="Arial"/>
+              </a:rPr>
+              <a:t>Weitere Themen</a:t>
+            </a:r>
+          </a:p>
+        </p:txBody>
+      </p:sp>
+      <p:grpSp>
+        <p:nvGrpSpPr>
+          <p:cNvPr id="126" name="Gruppieren 125"/>
+          <p:cNvGrpSpPr/>
+          <p:nvPr/>
+        </p:nvGrpSpPr>
+        <p:grpSpPr>
+          <a:xfrm>
+            <a:off x="1097280" y="5503622"/>
+            <a:ext cx="3394926" cy="333425"/>
+            <a:chOff x="1097280" y="2794000"/>
+            <a:chExt cx="3394926" cy="333425"/>
+          </a:xfrm>
+        </p:grpSpPr>
+        <p:cxnSp>
+          <p:nvCxnSpPr>
+            <p:cNvPr id="127" name="Gerade Verbindung mit Pfeil 126"/>
+            <p:cNvCxnSpPr/>
+            <p:nvPr/>
+          </p:nvCxnSpPr>
+          <p:spPr bwMode="auto">
+            <a:xfrm>
+              <a:off x="1097280" y="2956560"/>
+              <a:ext cx="934720" cy="0"/>
+            </a:xfrm>
+            <a:prstGeom prst="straightConnector1">
+              <a:avLst/>
+            </a:prstGeom>
+            <a:solidFill>
+              <a:schemeClr val="accent1"/>
+            </a:solidFill>
+            <a:ln w="38100" cap="flat" cmpd="sng" algn="ctr">
+              <a:solidFill>
+                <a:srgbClr val="FF921E"/>
+              </a:solidFill>
+              <a:prstDash val="solid"/>
+              <a:round/>
+              <a:headEnd type="oval" w="med" len="med"/>
+              <a:tailEnd type="oval" w="med" len="med"/>
+            </a:ln>
+            <a:effectLst/>
+          </p:spPr>
+        </p:cxnSp>
+        <p:sp>
+          <p:nvSpPr>
+            <p:cNvPr id="128" name="Textfeld 127"/>
+            <p:cNvSpPr txBox="1"/>
+            <p:nvPr/>
+          </p:nvSpPr>
+          <p:spPr>
+            <a:xfrm>
+              <a:off x="2204720" y="2794000"/>
+              <a:ext cx="2287486" cy="333425"/>
+            </a:xfrm>
+            <a:prstGeom prst="rect">
+              <a:avLst/>
+            </a:prstGeom>
+            <a:noFill/>
+          </p:spPr>
+          <p:txBody>
+            <a:bodyPr wrap="none" lIns="0" tIns="0" rIns="0" bIns="0" rtlCol="0">
+              <a:spAutoFit/>
+            </a:bodyPr>
+            <a:lstStyle/>
+            <a:p>
+              <a:pPr>
+                <a:lnSpc>
+                  <a:spcPts val="2600"/>
+                </a:lnSpc>
+              </a:pPr>
+              <a:r>
+                <a:rPr lang="de-DE" sz="1600" u="none" dirty="0">
+                  <a:solidFill>
+                    <a:srgbClr val="FF921E"/>
+                  </a:solidFill>
+                  <a:latin typeface="Arial"/>
+                  <a:cs typeface="Arial"/>
+                </a:rPr>
+                <a:t>Einbindung in </a:t>
+              </a:r>
+              <a:r>
+                <a:rPr lang="de-DE" sz="1600" u="none" dirty="0" err="1">
+                  <a:solidFill>
+                    <a:srgbClr val="FF921E"/>
+                  </a:solidFill>
+                  <a:latin typeface="Arial"/>
+                  <a:cs typeface="Arial"/>
+                </a:rPr>
+                <a:t>Sharepoint</a:t>
+              </a:r>
+              <a:endParaRPr lang="de-DE" sz="1600" u="none" dirty="0">
+                <a:solidFill>
+                  <a:srgbClr val="FF921E"/>
+                </a:solidFill>
+                <a:latin typeface="Arial"/>
+                <a:cs typeface="Arial"/>
+              </a:endParaRPr>
+            </a:p>
+          </p:txBody>
+        </p:sp>
+      </p:grpSp>
+      <p:grpSp>
+        <p:nvGrpSpPr>
+          <p:cNvPr id="129" name="Gruppieren 128"/>
+          <p:cNvGrpSpPr/>
+          <p:nvPr/>
+        </p:nvGrpSpPr>
+        <p:grpSpPr>
+          <a:xfrm>
+            <a:off x="1483360" y="558800"/>
+            <a:ext cx="5549362" cy="296748"/>
+            <a:chOff x="1097280" y="2387600"/>
+            <a:chExt cx="5549362" cy="296748"/>
+          </a:xfrm>
+        </p:grpSpPr>
+        <p:cxnSp>
+          <p:nvCxnSpPr>
+            <p:cNvPr id="130" name="Gerade Verbindung mit Pfeil 129"/>
+            <p:cNvCxnSpPr/>
+            <p:nvPr/>
+          </p:nvCxnSpPr>
+          <p:spPr bwMode="auto">
+            <a:xfrm>
+              <a:off x="1097280" y="2550160"/>
+              <a:ext cx="934720" cy="0"/>
+            </a:xfrm>
+            <a:prstGeom prst="straightConnector1">
+              <a:avLst/>
+            </a:prstGeom>
+            <a:solidFill>
+              <a:schemeClr val="accent1"/>
+            </a:solidFill>
+            <a:ln w="38100" cap="flat" cmpd="sng" algn="ctr">
+              <a:solidFill>
+                <a:srgbClr val="00B050"/>
+              </a:solidFill>
+              <a:prstDash val="solid"/>
+              <a:round/>
+              <a:headEnd type="oval" w="med" len="med"/>
+              <a:tailEnd type="oval" w="med" len="med"/>
+            </a:ln>
+            <a:effectLst/>
+          </p:spPr>
+        </p:cxnSp>
+        <p:sp>
+          <p:nvSpPr>
+            <p:cNvPr id="131" name="Textfeld 130"/>
+            <p:cNvSpPr txBox="1"/>
+            <p:nvPr/>
+          </p:nvSpPr>
+          <p:spPr>
+            <a:xfrm>
+              <a:off x="2204720" y="2387600"/>
+              <a:ext cx="4441922" cy="296748"/>
+            </a:xfrm>
+            <a:prstGeom prst="rect">
+              <a:avLst/>
+            </a:prstGeom>
+            <a:noFill/>
+            <a:ln>
+              <a:noFill/>
+            </a:ln>
+          </p:spPr>
+          <p:txBody>
+            <a:bodyPr wrap="none" lIns="0" tIns="0" rIns="0" bIns="0" rtlCol="0">
+              <a:spAutoFit/>
+            </a:bodyPr>
+            <a:lstStyle/>
+            <a:p>
+              <a:pPr>
+                <a:lnSpc>
+                  <a:spcPts val="2600"/>
+                </a:lnSpc>
+              </a:pPr>
+              <a:r>
+                <a:rPr lang="de-DE" sz="1600" u="none" dirty="0">
+                  <a:solidFill>
+                    <a:srgbClr val="00B050"/>
+                  </a:solidFill>
+                  <a:latin typeface="Arial"/>
+                  <a:cs typeface="Arial"/>
+                </a:rPr>
+                <a:t>Abschließende Evaluation prototypisches Projekt</a:t>
+              </a:r>
+            </a:p>
+          </p:txBody>
+        </p:sp>
+      </p:grpSp>
+      <p:grpSp>
+        <p:nvGrpSpPr>
+          <p:cNvPr id="132" name="Gruppieren 131"/>
+          <p:cNvGrpSpPr/>
+          <p:nvPr/>
+        </p:nvGrpSpPr>
+        <p:grpSpPr>
+          <a:xfrm>
+            <a:off x="1097280" y="5899862"/>
+            <a:ext cx="3723028" cy="333425"/>
+            <a:chOff x="1097280" y="2794000"/>
+            <a:chExt cx="3723028" cy="333425"/>
+          </a:xfrm>
+        </p:grpSpPr>
+        <p:cxnSp>
+          <p:nvCxnSpPr>
+            <p:cNvPr id="133" name="Gerade Verbindung mit Pfeil 132"/>
+            <p:cNvCxnSpPr/>
+            <p:nvPr/>
+          </p:nvCxnSpPr>
+          <p:spPr bwMode="auto">
+            <a:xfrm>
+              <a:off x="1097280" y="2956560"/>
+              <a:ext cx="934720" cy="0"/>
+            </a:xfrm>
+            <a:prstGeom prst="straightConnector1">
+              <a:avLst/>
+            </a:prstGeom>
+            <a:solidFill>
+              <a:schemeClr val="accent1"/>
+            </a:solidFill>
+            <a:ln w="38100" cap="flat" cmpd="sng" algn="ctr">
+              <a:solidFill>
+                <a:srgbClr val="FF921E"/>
+              </a:solidFill>
+              <a:prstDash val="solid"/>
+              <a:round/>
+              <a:headEnd type="oval" w="med" len="med"/>
+              <a:tailEnd type="oval" w="med" len="med"/>
+            </a:ln>
+            <a:effectLst/>
+          </p:spPr>
+        </p:cxnSp>
+        <p:sp>
+          <p:nvSpPr>
+            <p:cNvPr id="134" name="Textfeld 133"/>
+            <p:cNvSpPr txBox="1"/>
+            <p:nvPr/>
+          </p:nvSpPr>
+          <p:spPr>
+            <a:xfrm>
+              <a:off x="2204720" y="2794000"/>
+              <a:ext cx="2615588" cy="333425"/>
+            </a:xfrm>
+            <a:prstGeom prst="rect">
+              <a:avLst/>
+            </a:prstGeom>
+            <a:noFill/>
+          </p:spPr>
+          <p:txBody>
+            <a:bodyPr wrap="none" lIns="0" tIns="0" rIns="0" bIns="0" rtlCol="0">
+              <a:spAutoFit/>
+            </a:bodyPr>
+            <a:lstStyle/>
+            <a:p>
+              <a:pPr>
+                <a:lnSpc>
+                  <a:spcPts val="2600"/>
+                </a:lnSpc>
+              </a:pPr>
+              <a:r>
+                <a:rPr lang="de-DE" sz="1600" u="none" dirty="0">
+                  <a:solidFill>
+                    <a:srgbClr val="FF921E"/>
+                  </a:solidFill>
+                  <a:latin typeface="Arial"/>
+                  <a:cs typeface="Arial"/>
+                </a:rPr>
+                <a:t>Visualisierungen in der Karte</a:t>
+              </a:r>
+            </a:p>
+          </p:txBody>
+        </p:sp>
+      </p:grpSp>
+      <p:grpSp>
+        <p:nvGrpSpPr>
+          <p:cNvPr id="135" name="Gruppieren 134"/>
+          <p:cNvGrpSpPr/>
+          <p:nvPr/>
+        </p:nvGrpSpPr>
+        <p:grpSpPr>
+          <a:xfrm>
+            <a:off x="1097280" y="6306262"/>
+            <a:ext cx="1633097" cy="333425"/>
+            <a:chOff x="1097280" y="2794000"/>
+            <a:chExt cx="1633097" cy="333425"/>
+          </a:xfrm>
+        </p:grpSpPr>
+        <p:cxnSp>
+          <p:nvCxnSpPr>
+            <p:cNvPr id="136" name="Gerade Verbindung mit Pfeil 135"/>
+            <p:cNvCxnSpPr/>
+            <p:nvPr/>
+          </p:nvCxnSpPr>
+          <p:spPr bwMode="auto">
+            <a:xfrm>
+              <a:off x="1097280" y="2956560"/>
+              <a:ext cx="934720" cy="0"/>
+            </a:xfrm>
+            <a:prstGeom prst="straightConnector1">
+              <a:avLst/>
+            </a:prstGeom>
+            <a:solidFill>
+              <a:schemeClr val="accent1"/>
+            </a:solidFill>
+            <a:ln w="38100" cap="flat" cmpd="sng" algn="ctr">
+              <a:solidFill>
+                <a:srgbClr val="FF921E"/>
+              </a:solidFill>
+              <a:prstDash val="solid"/>
+              <a:round/>
+              <a:headEnd type="oval" w="med" len="med"/>
+              <a:tailEnd type="oval" w="med" len="med"/>
+            </a:ln>
+            <a:effectLst/>
+          </p:spPr>
+        </p:cxnSp>
+        <p:sp>
+          <p:nvSpPr>
+            <p:cNvPr id="137" name="Textfeld 136"/>
+            <p:cNvSpPr txBox="1"/>
+            <p:nvPr/>
+          </p:nvSpPr>
+          <p:spPr>
+            <a:xfrm>
+              <a:off x="2204720" y="2794000"/>
+              <a:ext cx="525657" cy="333425"/>
+            </a:xfrm>
+            <a:prstGeom prst="rect">
+              <a:avLst/>
+            </a:prstGeom>
+            <a:noFill/>
+          </p:spPr>
+          <p:txBody>
+            <a:bodyPr wrap="none" lIns="0" tIns="0" rIns="0" bIns="0" rtlCol="0">
+              <a:spAutoFit/>
+            </a:bodyPr>
+            <a:lstStyle/>
+            <a:p>
+              <a:pPr>
+                <a:lnSpc>
+                  <a:spcPts val="2600"/>
+                </a:lnSpc>
+              </a:pPr>
+              <a:r>
+                <a:rPr lang="de-DE" sz="1600" u="none" dirty="0" err="1">
+                  <a:solidFill>
+                    <a:srgbClr val="FF921E"/>
+                  </a:solidFill>
+                  <a:latin typeface="Arial"/>
+                  <a:cs typeface="Arial"/>
+                </a:rPr>
+                <a:t>u.s.w</a:t>
+              </a:r>
+              <a:r>
+                <a:rPr lang="de-DE" sz="1600" u="none" dirty="0">
+                  <a:solidFill>
+                    <a:srgbClr val="FF921E"/>
+                  </a:solidFill>
+                  <a:latin typeface="Arial"/>
+                  <a:cs typeface="Arial"/>
+                </a:rPr>
+                <a:t>.</a:t>
+              </a:r>
+            </a:p>
+          </p:txBody>
+        </p:sp>
+      </p:grpSp>
+      <p:sp>
+        <p:nvSpPr>
+          <p:cNvPr id="138" name="Textfeld 137"/>
+          <p:cNvSpPr txBox="1"/>
+          <p:nvPr/>
+        </p:nvSpPr>
+        <p:spPr>
+          <a:xfrm>
+            <a:off x="5364480" y="1209040"/>
+            <a:ext cx="3177152" cy="333425"/>
+          </a:xfrm>
+          <a:prstGeom prst="rect">
+            <a:avLst/>
+          </a:prstGeom>
+          <a:noFill/>
+        </p:spPr>
+        <p:txBody>
+          <a:bodyPr wrap="none" lIns="0" tIns="0" rIns="0" bIns="0" rtlCol="0">
+            <a:spAutoFit/>
+          </a:bodyPr>
+          <a:lstStyle>
+            <a:defPPr>
+              <a:defRPr lang="de-DE"/>
+            </a:defPPr>
+            <a:lvl1pPr>
+              <a:lnSpc>
+                <a:spcPts val="2600"/>
+              </a:lnSpc>
+              <a:defRPr sz="2000" u="none">
+                <a:solidFill>
+                  <a:srgbClr val="FF5050"/>
+                </a:solidFill>
+                <a:latin typeface="Arial"/>
+                <a:cs typeface="Arial"/>
+              </a:defRPr>
+            </a:lvl1pPr>
+          </a:lstStyle>
+          <a:p>
+            <a:r>
+              <a:rPr lang="de-DE" dirty="0"/>
+              <a:t>(möglichst gegen Juni / Juli)</a:t>
+            </a:r>
+          </a:p>
+        </p:txBody>
+      </p:sp>
+      <p:sp>
+        <p:nvSpPr>
+          <p:cNvPr id="139" name="Textfeld 138"/>
+          <p:cNvSpPr txBox="1"/>
+          <p:nvPr/>
+        </p:nvSpPr>
+        <p:spPr>
+          <a:xfrm>
+            <a:off x="7162800" y="558800"/>
+            <a:ext cx="1335302" cy="333425"/>
+          </a:xfrm>
+          <a:prstGeom prst="rect">
+            <a:avLst/>
+          </a:prstGeom>
+          <a:noFill/>
+          <a:ln>
+            <a:noFill/>
+          </a:ln>
+        </p:spPr>
+        <p:txBody>
+          <a:bodyPr wrap="none" lIns="0" tIns="0" rIns="0" bIns="0" rtlCol="0">
+            <a:spAutoFit/>
+          </a:bodyPr>
+          <a:lstStyle>
+            <a:defPPr>
+              <a:defRPr lang="de-DE"/>
+            </a:defPPr>
+            <a:lvl1pPr>
+              <a:lnSpc>
+                <a:spcPts val="2600"/>
+              </a:lnSpc>
+              <a:defRPr sz="1600" u="none">
+                <a:solidFill>
+                  <a:srgbClr val="0070C0"/>
+                </a:solidFill>
+                <a:latin typeface="Arial"/>
+                <a:cs typeface="Arial"/>
+              </a:defRPr>
+            </a:lvl1pPr>
+          </a:lstStyle>
+          <a:p>
+            <a:r>
+              <a:rPr lang="de-DE" dirty="0">
+                <a:solidFill>
+                  <a:srgbClr val="00B050"/>
+                </a:solidFill>
+              </a:rPr>
+              <a:t>(ca. Ende Mai)</a:t>
+            </a:r>
+          </a:p>
+        </p:txBody>
+      </p:sp>
+      <p:sp>
+        <p:nvSpPr>
+          <p:cNvPr id="48" name="Textfeld 47"/>
+          <p:cNvSpPr txBox="1"/>
+          <p:nvPr/>
+        </p:nvSpPr>
+        <p:spPr>
+          <a:xfrm>
+            <a:off x="9438640" y="6532880"/>
+            <a:ext cx="984244" cy="333425"/>
+          </a:xfrm>
+          <a:prstGeom prst="rect">
+            <a:avLst/>
+          </a:prstGeom>
+          <a:noFill/>
+        </p:spPr>
+        <p:txBody>
+          <a:bodyPr wrap="none" lIns="0" tIns="0" rIns="0" bIns="0" rtlCol="0">
+            <a:spAutoFit/>
+          </a:bodyPr>
+          <a:lstStyle/>
+          <a:p>
+            <a:pPr>
+              <a:lnSpc>
+                <a:spcPts val="2600"/>
+              </a:lnSpc>
+            </a:pPr>
+            <a:r>
+              <a:rPr lang="de-DE" sz="4000" u="none" dirty="0">
+                <a:solidFill>
+                  <a:srgbClr val="0661A9"/>
+                </a:solidFill>
+                <a:latin typeface="Arial"/>
+                <a:cs typeface="Arial"/>
+              </a:rPr>
+              <a:t>Q3+</a:t>
+            </a:r>
+          </a:p>
+        </p:txBody>
+      </p:sp>
+    </p:spTree>
+    <p:extLst>
+      <p:ext uri="{BB962C8B-B14F-4D97-AF65-F5344CB8AC3E}">
+        <p14:creationId xmlns:p14="http://schemas.microsoft.com/office/powerpoint/2010/main" val="519071869"/>
       </p:ext>
     </p:extLst>
   </p:cSld>
@@ -9065,26 +10432,15 @@
       </p:grpSpPr>
       <p:sp>
         <p:nvSpPr>
-          <p:cNvPr id="2" name="Textplatzhalter 1"/>
+          <p:cNvPr id="2" name="Bildplatzhalter 1"/>
           <p:cNvSpPr>
             <a:spLocks noGrp="1"/>
           </p:cNvSpPr>
           <p:nvPr>
-            <p:ph type="body" sz="quarter" idx="10"/>
+            <p:ph type="pic" sz="quarter" idx="14"/>
           </p:nvPr>
         </p:nvSpPr>
         <p:spPr/>
-        <p:txBody>
-          <a:bodyPr/>
-          <a:lstStyle/>
-          <a:p>
-            <a:r>
-              <a:rPr lang="de-DE" dirty="0" smtClean="0"/>
-              <a:t>Gliederung</a:t>
-            </a:r>
-            <a:endParaRPr lang="de-DE" dirty="0"/>
-          </a:p>
-        </p:txBody>
       </p:sp>
       <p:sp>
         <p:nvSpPr>
@@ -9096,172 +10452,12 @@
             <p:ph type="body" sz="quarter" idx="13"/>
           </p:nvPr>
         </p:nvSpPr>
-        <p:spPr>
-          <a:xfrm>
-            <a:off x="569843" y="1914053"/>
-            <a:ext cx="9592278" cy="4761796"/>
-          </a:xfrm>
-        </p:spPr>
+        <p:spPr/>
         <p:txBody>
           <a:bodyPr/>
           <a:lstStyle/>
           <a:p>
-            <a:pPr marL="457200" indent="-457200">
-              <a:lnSpc>
-                <a:spcPct val="150000"/>
-              </a:lnSpc>
-              <a:buFont typeface="+mj-lt"/>
-              <a:buAutoNum type="arabicPeriod"/>
-            </a:pPr>
-            <a:r>
-              <a:rPr lang="de-DE" sz="2000" dirty="0" smtClean="0">
-                <a:solidFill>
-                  <a:srgbClr val="0661A9"/>
-                </a:solidFill>
-              </a:rPr>
-              <a:t>Motivation </a:t>
-            </a:r>
-          </a:p>
-          <a:p>
-            <a:pPr marL="457200" indent="-457200">
-              <a:lnSpc>
-                <a:spcPct val="150000"/>
-              </a:lnSpc>
-              <a:buFont typeface="+mj-lt"/>
-              <a:buAutoNum type="arabicPeriod"/>
-            </a:pPr>
-            <a:r>
-              <a:rPr lang="de-DE" sz="2000" dirty="0" smtClean="0">
-                <a:solidFill>
-                  <a:srgbClr val="0661A9"/>
-                </a:solidFill>
-              </a:rPr>
-              <a:t>Ausgangssituation</a:t>
-            </a:r>
-          </a:p>
-          <a:p>
-            <a:pPr marL="954954" lvl="1" indent="-457200">
-              <a:lnSpc>
-                <a:spcPct val="150000"/>
-              </a:lnSpc>
-              <a:buFont typeface="Arial" panose="020B0604020202020204" pitchFamily="34" charset="0"/>
-              <a:buChar char="•"/>
-            </a:pPr>
-            <a:r>
-              <a:rPr lang="de-DE" sz="2000" dirty="0" smtClean="0">
-                <a:solidFill>
-                  <a:srgbClr val="0661A9"/>
-                </a:solidFill>
-              </a:rPr>
-              <a:t>Bestandsaufnahme</a:t>
-            </a:r>
-          </a:p>
-          <a:p>
-            <a:pPr marL="954954" lvl="1" indent="-457200">
-              <a:lnSpc>
-                <a:spcPct val="150000"/>
-              </a:lnSpc>
-              <a:buFont typeface="Arial" panose="020B0604020202020204" pitchFamily="34" charset="0"/>
-              <a:buChar char="•"/>
-            </a:pPr>
-            <a:r>
-              <a:rPr lang="de-DE" sz="2000" dirty="0" smtClean="0">
-                <a:solidFill>
-                  <a:srgbClr val="0661A9"/>
-                </a:solidFill>
-              </a:rPr>
-              <a:t>Auswirkungen</a:t>
-            </a:r>
-          </a:p>
-          <a:p>
-            <a:pPr marL="457200" indent="-457200">
-              <a:lnSpc>
-                <a:spcPct val="150000"/>
-              </a:lnSpc>
-              <a:buFont typeface="+mj-lt"/>
-              <a:buAutoNum type="arabicPeriod"/>
-            </a:pPr>
-            <a:r>
-              <a:rPr lang="de-DE" sz="2000" dirty="0" smtClean="0">
-                <a:solidFill>
-                  <a:srgbClr val="0661A9"/>
-                </a:solidFill>
-              </a:rPr>
-              <a:t>Lösungsansatz</a:t>
-            </a:r>
-          </a:p>
-          <a:p>
-            <a:pPr marL="954954" lvl="1" indent="-457200">
-              <a:lnSpc>
-                <a:spcPct val="150000"/>
-              </a:lnSpc>
-              <a:buFont typeface="Arial" panose="020B0604020202020204" pitchFamily="34" charset="0"/>
-              <a:buChar char="•"/>
-            </a:pPr>
-            <a:r>
-              <a:rPr lang="de-DE" sz="2000" dirty="0" smtClean="0">
-                <a:solidFill>
-                  <a:srgbClr val="0661A9"/>
-                </a:solidFill>
-                <a:latin typeface="Arial"/>
-                <a:cs typeface="ＭＳ Ｐゴシック" charset="-128"/>
-              </a:rPr>
-              <a:t>Grundidee</a:t>
-            </a:r>
-          </a:p>
-          <a:p>
-            <a:pPr marL="954954" lvl="1" indent="-457200">
-              <a:lnSpc>
-                <a:spcPct val="150000"/>
-              </a:lnSpc>
-              <a:buFont typeface="Arial" panose="020B0604020202020204" pitchFamily="34" charset="0"/>
-              <a:buChar char="•"/>
-            </a:pPr>
-            <a:r>
-              <a:rPr lang="de-DE" sz="2000" dirty="0" smtClean="0">
-                <a:solidFill>
-                  <a:srgbClr val="0661A9"/>
-                </a:solidFill>
-                <a:latin typeface="Arial"/>
-                <a:cs typeface="ＭＳ Ｐゴシック" charset="-128"/>
-              </a:rPr>
-              <a:t>Auswirkungen</a:t>
-            </a:r>
-            <a:endParaRPr lang="de-DE" sz="2000" dirty="0">
-              <a:solidFill>
-                <a:srgbClr val="0661A9"/>
-              </a:solidFill>
-              <a:latin typeface="Arial"/>
-              <a:cs typeface="ＭＳ Ｐゴシック" charset="-128"/>
-            </a:endParaRPr>
-          </a:p>
-          <a:p>
-            <a:pPr marL="457200" indent="-457200">
-              <a:lnSpc>
-                <a:spcPct val="150000"/>
-              </a:lnSpc>
-              <a:buFont typeface="+mj-lt"/>
-              <a:buAutoNum type="arabicPeriod"/>
-            </a:pPr>
-            <a:endParaRPr lang="de-DE" sz="2000" dirty="0" smtClean="0">
-              <a:solidFill>
-                <a:srgbClr val="0661A9"/>
-              </a:solidFill>
-            </a:endParaRPr>
-          </a:p>
-          <a:p>
-            <a:pPr marL="457200" indent="-457200">
-              <a:lnSpc>
-                <a:spcPct val="150000"/>
-              </a:lnSpc>
-              <a:buFont typeface="+mj-lt"/>
-              <a:buAutoNum type="arabicPeriod"/>
-            </a:pPr>
-            <a:endParaRPr lang="de-DE" sz="2000" dirty="0">
-              <a:solidFill>
-                <a:srgbClr val="0661A9"/>
-              </a:solidFill>
-            </a:endParaRPr>
+            <a:endParaRPr lang="de-DE" dirty="0"/>
           </a:p>
         </p:txBody>
       </p:sp>
@@ -9281,10 +10477,264 @@
           <a:lstStyle/>
           <a:p>
             <a:r>
-              <a:rPr lang="de-DE" dirty="0" smtClean="0"/>
+              <a:rPr lang="de-DE"/>
+              <a:t>Master</a:t>
+            </a:r>
+            <a:endParaRPr lang="de-DE" dirty="0"/>
+          </a:p>
+        </p:txBody>
+      </p:sp>
+    </p:spTree>
+    <p:extLst>
+      <p:ext uri="{BB962C8B-B14F-4D97-AF65-F5344CB8AC3E}">
+        <p14:creationId xmlns:p14="http://schemas.microsoft.com/office/powerpoint/2010/main" val="465503291"/>
+      </p:ext>
+    </p:extLst>
+  </p:cSld>
+  <p:clrMapOvr>
+    <a:masterClrMapping/>
+  </p:clrMapOvr>
+  <mc:AlternateContent xmlns:mc="http://schemas.openxmlformats.org/markup-compatibility/2006" xmlns:p14="http://schemas.microsoft.com/office/powerpoint/2010/main">
+    <mc:Choice Requires="p14">
+      <p:transition p14:dur="0"/>
+    </mc:Choice>
+    <mc:Fallback xmlns="">
+      <p:transition xmlns:p14="http://schemas.microsoft.com/office/powerpoint/2010/main"/>
+    </mc:Fallback>
+  </mc:AlternateContent>
+</p:sld>
+</file>
+
+<file path=ppt/slides/slide3.xml><?xml version="1.0" encoding="utf-8"?>
+<p:sld xmlns:a="http://schemas.openxmlformats.org/drawingml/2006/main" xmlns:r="http://schemas.openxmlformats.org/officeDocument/2006/relationships" xmlns:p="http://schemas.openxmlformats.org/presentationml/2006/main">
+  <p:cSld>
+    <p:spTree>
+      <p:nvGrpSpPr>
+        <p:cNvPr id="1" name=""/>
+        <p:cNvGrpSpPr/>
+        <p:nvPr/>
+      </p:nvGrpSpPr>
+      <p:grpSpPr>
+        <a:xfrm>
+          <a:off x="0" y="0"/>
+          <a:ext cx="0" cy="0"/>
+          <a:chOff x="0" y="0"/>
+          <a:chExt cx="0" cy="0"/>
+        </a:xfrm>
+      </p:grpSpPr>
+      <p:sp>
+        <p:nvSpPr>
+          <p:cNvPr id="2" name="Textplatzhalter 1"/>
+          <p:cNvSpPr>
+            <a:spLocks noGrp="1"/>
+          </p:cNvSpPr>
+          <p:nvPr>
+            <p:ph type="body" sz="quarter" idx="10"/>
+          </p:nvPr>
+        </p:nvSpPr>
+        <p:spPr/>
+        <p:txBody>
+          <a:bodyPr/>
+          <a:lstStyle/>
+          <a:p>
+            <a:r>
+              <a:rPr lang="de-DE" dirty="0"/>
+              <a:t>Gliederung</a:t>
+            </a:r>
+          </a:p>
+        </p:txBody>
+      </p:sp>
+      <p:sp>
+        <p:nvSpPr>
+          <p:cNvPr id="3" name="Textplatzhalter 2"/>
+          <p:cNvSpPr>
+            <a:spLocks noGrp="1"/>
+          </p:cNvSpPr>
+          <p:nvPr>
+            <p:ph type="body" sz="quarter" idx="13"/>
+          </p:nvPr>
+        </p:nvSpPr>
+        <p:spPr>
+          <a:xfrm>
+            <a:off x="569843" y="1914053"/>
+            <a:ext cx="9592278" cy="4761796"/>
+          </a:xfrm>
+        </p:spPr>
+        <p:txBody>
+          <a:bodyPr/>
+          <a:lstStyle/>
+          <a:p>
+            <a:pPr marL="457200" indent="-457200">
+              <a:lnSpc>
+                <a:spcPct val="150000"/>
+              </a:lnSpc>
+              <a:buFont typeface="+mj-lt"/>
+              <a:buAutoNum type="arabicPeriod"/>
+            </a:pPr>
+            <a:r>
+              <a:rPr lang="de-DE" sz="2000" dirty="0">
+                <a:solidFill>
+                  <a:srgbClr val="0661A9"/>
+                </a:solidFill>
+              </a:rPr>
+              <a:t>Motivation </a:t>
+            </a:r>
+          </a:p>
+          <a:p>
+            <a:pPr marL="457200" indent="-457200">
+              <a:lnSpc>
+                <a:spcPct val="150000"/>
+              </a:lnSpc>
+              <a:buFont typeface="+mj-lt"/>
+              <a:buAutoNum type="arabicPeriod"/>
+            </a:pPr>
+            <a:r>
+              <a:rPr lang="de-DE" sz="2000" dirty="0">
+                <a:solidFill>
+                  <a:srgbClr val="0661A9"/>
+                </a:solidFill>
+              </a:rPr>
+              <a:t>Ausgangssituation</a:t>
+            </a:r>
+          </a:p>
+          <a:p>
+            <a:pPr marL="954954" lvl="1" indent="-457200">
+              <a:lnSpc>
+                <a:spcPct val="150000"/>
+              </a:lnSpc>
+              <a:buFont typeface="Arial" panose="020B0604020202020204" pitchFamily="34" charset="0"/>
+              <a:buChar char="•"/>
+            </a:pPr>
+            <a:r>
+              <a:rPr lang="de-DE" sz="2000" dirty="0">
+                <a:solidFill>
+                  <a:srgbClr val="0661A9"/>
+                </a:solidFill>
+              </a:rPr>
+              <a:t>Bestandsaufnahme</a:t>
+            </a:r>
+          </a:p>
+          <a:p>
+            <a:pPr marL="954954" lvl="1" indent="-457200">
+              <a:lnSpc>
+                <a:spcPct val="150000"/>
+              </a:lnSpc>
+              <a:buFont typeface="Arial" panose="020B0604020202020204" pitchFamily="34" charset="0"/>
+              <a:buChar char="•"/>
+            </a:pPr>
+            <a:r>
+              <a:rPr lang="de-DE" sz="2000" dirty="0">
+                <a:solidFill>
+                  <a:srgbClr val="0661A9"/>
+                </a:solidFill>
+              </a:rPr>
+              <a:t>Auswirkungen</a:t>
+            </a:r>
+          </a:p>
+          <a:p>
+            <a:pPr marL="457200" indent="-457200">
+              <a:lnSpc>
+                <a:spcPct val="150000"/>
+              </a:lnSpc>
+              <a:buFont typeface="+mj-lt"/>
+              <a:buAutoNum type="arabicPeriod"/>
+            </a:pPr>
+            <a:r>
+              <a:rPr lang="de-DE" sz="2000" dirty="0">
+                <a:solidFill>
+                  <a:srgbClr val="0661A9"/>
+                </a:solidFill>
+              </a:rPr>
+              <a:t>Lösungsansatz</a:t>
+            </a:r>
+          </a:p>
+          <a:p>
+            <a:pPr marL="954954" lvl="1" indent="-457200">
+              <a:lnSpc>
+                <a:spcPct val="150000"/>
+              </a:lnSpc>
+              <a:buFont typeface="Arial" panose="020B0604020202020204" pitchFamily="34" charset="0"/>
+              <a:buChar char="•"/>
+            </a:pPr>
+            <a:r>
+              <a:rPr lang="de-DE" sz="2000" dirty="0">
+                <a:solidFill>
+                  <a:srgbClr val="0661A9"/>
+                </a:solidFill>
+                <a:latin typeface="Arial"/>
+                <a:cs typeface="ＭＳ Ｐゴシック" charset="-128"/>
+              </a:rPr>
+              <a:t>Grundidee</a:t>
+            </a:r>
+          </a:p>
+          <a:p>
+            <a:pPr marL="954954" lvl="1" indent="-457200">
+              <a:lnSpc>
+                <a:spcPct val="150000"/>
+              </a:lnSpc>
+              <a:buFont typeface="Arial" panose="020B0604020202020204" pitchFamily="34" charset="0"/>
+              <a:buChar char="•"/>
+            </a:pPr>
+            <a:r>
+              <a:rPr lang="de-DE" sz="2000" dirty="0">
+                <a:solidFill>
+                  <a:srgbClr val="0661A9"/>
+                </a:solidFill>
+                <a:latin typeface="Arial"/>
+                <a:cs typeface="ＭＳ Ｐゴシック" charset="-128"/>
+              </a:rPr>
+              <a:t>Auswirkungen</a:t>
+            </a:r>
+          </a:p>
+          <a:p>
+            <a:pPr marL="457200" indent="-457200">
+              <a:lnSpc>
+                <a:spcPct val="150000"/>
+              </a:lnSpc>
+              <a:buFont typeface="+mj-lt"/>
+              <a:buAutoNum type="arabicPeriod"/>
+            </a:pPr>
+            <a:endParaRPr lang="de-DE" sz="2000" dirty="0">
+              <a:solidFill>
+                <a:srgbClr val="0661A9"/>
+              </a:solidFill>
+            </a:endParaRPr>
+          </a:p>
+          <a:p>
+            <a:pPr marL="457200" indent="-457200">
+              <a:lnSpc>
+                <a:spcPct val="150000"/>
+              </a:lnSpc>
+              <a:buFont typeface="+mj-lt"/>
+              <a:buAutoNum type="arabicPeriod"/>
+            </a:pPr>
+            <a:endParaRPr lang="de-DE" sz="2000" dirty="0">
+              <a:solidFill>
+                <a:srgbClr val="0661A9"/>
+              </a:solidFill>
+            </a:endParaRPr>
+          </a:p>
+        </p:txBody>
+      </p:sp>
+      <p:sp>
+        <p:nvSpPr>
+          <p:cNvPr id="4" name="Textplatzhalter 3"/>
+          <p:cNvSpPr>
+            <a:spLocks noGrp="1"/>
+          </p:cNvSpPr>
+          <p:nvPr>
+            <p:ph type="body" sz="quarter" idx="12"/>
+          </p:nvPr>
+        </p:nvSpPr>
+        <p:spPr/>
+        <p:txBody>
+          <a:bodyPr/>
+          <a:lstStyle/>
+          <a:p>
+            <a:r>
+              <a:rPr lang="de-DE" dirty="0"/>
               <a:t>ABO Enterprise GIS</a:t>
             </a:r>
-            <a:endParaRPr lang="de-DE" dirty="0"/>
           </a:p>
         </p:txBody>
       </p:sp>
@@ -9309,7 +10759,7 @@
 </p:sld>
 </file>
 
-<file path=ppt/slides/slide3.xml><?xml version="1.0" encoding="utf-8"?>
+<file path=ppt/slides/slide4.xml><?xml version="1.0" encoding="utf-8"?>
 <p:sld xmlns:a="http://schemas.openxmlformats.org/drawingml/2006/main" xmlns:r="http://schemas.openxmlformats.org/officeDocument/2006/relationships" xmlns:p="http://schemas.openxmlformats.org/presentationml/2006/main">
   <p:cSld>
     <p:spTree>
@@ -9372,10 +10822,9 @@
           <a:lstStyle/>
           <a:p>
             <a:r>
-              <a:rPr lang="de-DE" dirty="0" smtClean="0"/>
+              <a:rPr lang="de-DE" dirty="0"/>
               <a:t>Motivation</a:t>
             </a:r>
-            <a:endParaRPr lang="de-DE" dirty="0"/>
           </a:p>
         </p:txBody>
       </p:sp>
@@ -9395,10 +10844,9 @@
           <a:lstStyle/>
           <a:p>
             <a:r>
-              <a:rPr lang="de-DE" dirty="0" smtClean="0"/>
+              <a:rPr lang="de-DE" dirty="0"/>
               <a:t>ABO Enterprise GIS</a:t>
             </a:r>
-            <a:endParaRPr lang="de-DE" dirty="0"/>
           </a:p>
         </p:txBody>
       </p:sp>
@@ -9482,7 +10930,7 @@
               <a:buNone/>
               <a:tabLst/>
             </a:pPr>
-            <a:endParaRPr kumimoji="0" lang="de-DE" sz="2400" b="0" i="0" u="sng" strike="noStrike" cap="none" normalizeH="0" baseline="0" smtClean="0">
+            <a:endParaRPr kumimoji="0" lang="de-DE" sz="2400" b="0" i="0" u="sng" strike="noStrike" cap="none" normalizeH="0" baseline="0">
               <a:ln>
                 <a:noFill/>
               </a:ln>
@@ -9583,16 +11031,12 @@
               </a:lnSpc>
             </a:pPr>
             <a:r>
-              <a:rPr lang="de-DE" sz="3200" b="1" u="none" dirty="0" smtClean="0">
+              <a:rPr lang="de-DE" sz="3200" b="1" u="none" dirty="0">
                 <a:latin typeface="Arial"/>
                 <a:cs typeface="Arial"/>
               </a:rPr>
               <a:t>?</a:t>
             </a:r>
-            <a:endParaRPr lang="de-DE" sz="3200" b="1" u="none" dirty="0">
-              <a:latin typeface="Arial"/>
-              <a:cs typeface="Arial"/>
-            </a:endParaRPr>
           </a:p>
         </p:txBody>
       </p:sp>
@@ -9668,16 +11112,12 @@
                 </a:lnSpc>
               </a:pPr>
               <a:r>
-                <a:rPr lang="de-DE" sz="1100" u="none" dirty="0" smtClean="0">
+                <a:rPr lang="de-DE" sz="1100" u="none" dirty="0">
                   <a:latin typeface="Arial"/>
                   <a:cs typeface="Arial"/>
                 </a:rPr>
                 <a:t>Bauabteilung</a:t>
               </a:r>
-              <a:endParaRPr lang="de-DE" sz="1100" u="none" dirty="0">
-                <a:latin typeface="Arial"/>
-                <a:cs typeface="Arial"/>
-              </a:endParaRPr>
             </a:p>
           </p:txBody>
         </p:sp>
@@ -9754,16 +11194,12 @@
                 </a:lnSpc>
               </a:pPr>
               <a:r>
-                <a:rPr lang="de-DE" sz="1100" u="none" dirty="0" smtClean="0">
+                <a:rPr lang="de-DE" sz="1100" u="none" dirty="0">
                   <a:latin typeface="Arial"/>
                   <a:cs typeface="Arial"/>
                 </a:rPr>
                 <a:t>Elektronik</a:t>
               </a:r>
-              <a:endParaRPr lang="de-DE" sz="1100" u="none" dirty="0">
-                <a:latin typeface="Arial"/>
-                <a:cs typeface="Arial"/>
-              </a:endParaRPr>
             </a:p>
           </p:txBody>
         </p:sp>
@@ -9840,16 +11276,12 @@
                 </a:lnSpc>
               </a:pPr>
               <a:r>
-                <a:rPr lang="de-DE" sz="1100" u="none" dirty="0" smtClean="0">
+                <a:rPr lang="de-DE" sz="1100" u="none" dirty="0">
                   <a:latin typeface="Arial"/>
                   <a:cs typeface="Arial"/>
                 </a:rPr>
                 <a:t>Windgutachter</a:t>
               </a:r>
-              <a:endParaRPr lang="de-DE" sz="1100" u="none" dirty="0">
-                <a:latin typeface="Arial"/>
-                <a:cs typeface="Arial"/>
-              </a:endParaRPr>
             </a:p>
           </p:txBody>
         </p:sp>
@@ -9930,14 +11362,7 @@
                   <a:latin typeface="Arial"/>
                   <a:cs typeface="Arial"/>
                 </a:rPr>
-                <a:t>F</a:t>
-              </a:r>
-              <a:r>
-                <a:rPr lang="de-DE" sz="1100" u="none" dirty="0" err="1" smtClean="0">
-                  <a:latin typeface="Arial"/>
-                  <a:cs typeface="Arial"/>
-                </a:rPr>
-                <a:t>Iinanzierung</a:t>
+                <a:t>FIinanzierung</a:t>
               </a:r>
               <a:endParaRPr lang="de-DE" sz="1100" u="none" dirty="0">
                 <a:latin typeface="Arial"/>
@@ -10019,16 +11444,12 @@
                 </a:lnSpc>
               </a:pPr>
               <a:r>
-                <a:rPr lang="de-DE" sz="1100" u="none" dirty="0" smtClean="0">
+                <a:rPr lang="de-DE" sz="1100" u="none" dirty="0">
                   <a:latin typeface="Arial"/>
                   <a:cs typeface="Arial"/>
                 </a:rPr>
                 <a:t>Einkauf</a:t>
               </a:r>
-              <a:endParaRPr lang="de-DE" sz="1100" u="none" dirty="0">
-                <a:latin typeface="Arial"/>
-                <a:cs typeface="Arial"/>
-              </a:endParaRPr>
             </a:p>
           </p:txBody>
         </p:sp>
@@ -10273,7 +11694,7 @@
 </p:sld>
 </file>
 
-<file path=ppt/slides/slide4.xml><?xml version="1.0" encoding="utf-8"?>
+<file path=ppt/slides/slide5.xml><?xml version="1.0" encoding="utf-8"?>
 <p:sld xmlns:a="http://schemas.openxmlformats.org/drawingml/2006/main" xmlns:r="http://schemas.openxmlformats.org/officeDocument/2006/relationships" xmlns:p="http://schemas.openxmlformats.org/presentationml/2006/main">
   <p:cSld>
     <p:spTree>
@@ -10306,10 +11727,9 @@
           <a:lstStyle/>
           <a:p>
             <a:r>
-              <a:rPr lang="de-DE" dirty="0" smtClean="0"/>
+              <a:rPr lang="de-DE" dirty="0"/>
               <a:t>Ausgangssituation</a:t>
             </a:r>
-            <a:endParaRPr lang="de-DE" dirty="0"/>
           </a:p>
         </p:txBody>
       </p:sp>
@@ -10341,7 +11761,7 @@
               <a:buChar char="•"/>
             </a:pPr>
             <a:r>
-              <a:rPr lang="de-DE" sz="2000" dirty="0" err="1" smtClean="0">
+              <a:rPr lang="de-DE" sz="2000" dirty="0" err="1">
                 <a:solidFill>
                   <a:srgbClr val="0661A9"/>
                 </a:solidFill>
@@ -10349,18 +11769,13 @@
               <a:t>Geodaten</a:t>
             </a:r>
             <a:r>
-              <a:rPr lang="de-DE" sz="2000" dirty="0" smtClean="0">
+              <a:rPr lang="de-DE" sz="2000" dirty="0">
                 <a:solidFill>
                   <a:srgbClr val="0661A9"/>
                 </a:solidFill>
               </a:rPr>
               <a:t> sind wertvoll!</a:t>
             </a:r>
-            <a:endParaRPr lang="de-DE" sz="2000" dirty="0">
-              <a:solidFill>
-                <a:srgbClr val="0661A9"/>
-              </a:solidFill>
-            </a:endParaRPr>
           </a:p>
         </p:txBody>
       </p:sp>
@@ -10380,10 +11795,9 @@
           <a:lstStyle/>
           <a:p>
             <a:r>
-              <a:rPr lang="de-DE" dirty="0" smtClean="0"/>
+              <a:rPr lang="de-DE" dirty="0"/>
               <a:t>ABO Enterprise GIS</a:t>
             </a:r>
-            <a:endParaRPr lang="de-DE" dirty="0"/>
           </a:p>
         </p:txBody>
       </p:sp>
@@ -10790,16 +12204,12 @@
               </a:lnSpc>
             </a:pPr>
             <a:r>
-              <a:rPr lang="de-DE" sz="1800" u="none" dirty="0" smtClean="0">
+              <a:rPr lang="de-DE" sz="1800" u="none" dirty="0">
                 <a:latin typeface="Arial"/>
                 <a:cs typeface="Arial"/>
               </a:rPr>
               <a:t>P:\...</a:t>
             </a:r>
-            <a:endParaRPr lang="de-DE" sz="1800" u="none" dirty="0">
-              <a:latin typeface="Arial"/>
-              <a:cs typeface="Arial"/>
-            </a:endParaRPr>
           </a:p>
         </p:txBody>
       </p:sp>
@@ -10861,16 +12271,12 @@
               </a:lnSpc>
             </a:pPr>
             <a:r>
-              <a:rPr lang="de-DE" sz="1800" u="none" dirty="0" smtClean="0">
+              <a:rPr lang="de-DE" sz="1800" u="none" dirty="0">
                 <a:latin typeface="Arial"/>
                 <a:cs typeface="Arial"/>
               </a:rPr>
               <a:t>T:\...</a:t>
             </a:r>
-            <a:endParaRPr lang="de-DE" sz="1800" u="none" dirty="0">
-              <a:latin typeface="Arial"/>
-              <a:cs typeface="Arial"/>
-            </a:endParaRPr>
           </a:p>
         </p:txBody>
       </p:sp>
@@ -11182,7 +12588,7 @@
 </p:sld>
 </file>
 
-<file path=ppt/slides/slide5.xml><?xml version="1.0" encoding="utf-8"?>
+<file path=ppt/slides/slide6.xml><?xml version="1.0" encoding="utf-8"?>
 <p:sld xmlns:a="http://schemas.openxmlformats.org/drawingml/2006/main" xmlns:r="http://schemas.openxmlformats.org/officeDocument/2006/relationships" xmlns:p="http://schemas.openxmlformats.org/presentationml/2006/main">
   <p:cSld>
     <p:bg>
@@ -11223,10 +12629,9 @@
           <a:lstStyle/>
           <a:p>
             <a:r>
-              <a:rPr lang="de-DE" dirty="0" smtClean="0"/>
+              <a:rPr lang="de-DE" dirty="0"/>
               <a:t>Lösungsansatz</a:t>
             </a:r>
-            <a:endParaRPr lang="de-DE" dirty="0"/>
           </a:p>
         </p:txBody>
       </p:sp>
@@ -11258,7 +12663,7 @@
               <a:buAutoNum type="arabicPeriod"/>
             </a:pPr>
             <a:r>
-              <a:rPr lang="de-DE" sz="2000" b="1" dirty="0" smtClean="0">
+              <a:rPr lang="de-DE" sz="2000" b="1" dirty="0">
                 <a:solidFill>
                   <a:srgbClr val="0661A9"/>
                 </a:solidFill>
@@ -11266,7 +12671,7 @@
               <a:t>Zentralisierung und Konsolidierung der </a:t>
             </a:r>
             <a:r>
-              <a:rPr lang="de-DE" sz="2000" b="1" dirty="0" err="1" smtClean="0">
+              <a:rPr lang="de-DE" sz="2000" b="1" dirty="0" err="1">
                 <a:solidFill>
                   <a:srgbClr val="0661A9"/>
                 </a:solidFill>
@@ -11274,7 +12679,7 @@
               <a:t>Geodaten</a:t>
             </a:r>
             <a:r>
-              <a:rPr lang="de-DE" sz="2000" b="1" dirty="0" smtClean="0">
+              <a:rPr lang="de-DE" sz="2000" b="1" dirty="0">
                 <a:solidFill>
                   <a:srgbClr val="0661A9"/>
                 </a:solidFill>
@@ -11282,7 +12687,7 @@
               <a:t> </a:t>
             </a:r>
             <a:r>
-              <a:rPr lang="de-DE" sz="2000" dirty="0" smtClean="0">
+              <a:rPr lang="de-DE" sz="2000" dirty="0">
                 <a:solidFill>
                   <a:srgbClr val="0661A9"/>
                 </a:solidFill>
@@ -11290,7 +12695,7 @@
               <a:t>(</a:t>
             </a:r>
             <a:r>
-              <a:rPr lang="de-DE" sz="2000" dirty="0" err="1" smtClean="0">
+              <a:rPr lang="de-DE" sz="2000" dirty="0" err="1">
                 <a:solidFill>
                   <a:srgbClr val="0661A9"/>
                 </a:solidFill>
@@ -11298,7 +12703,7 @@
               <a:t>Inwertsetzung</a:t>
             </a:r>
             <a:r>
-              <a:rPr lang="de-DE" sz="2000" dirty="0" smtClean="0">
+              <a:rPr lang="de-DE" sz="2000" dirty="0">
                 <a:solidFill>
                   <a:srgbClr val="0661A9"/>
                 </a:solidFill>
@@ -11315,7 +12720,7 @@
               <a:buAutoNum type="arabicPeriod"/>
             </a:pPr>
             <a:r>
-              <a:rPr lang="de-DE" sz="2000" b="1" dirty="0" smtClean="0">
+              <a:rPr lang="de-DE" sz="2000" b="1" dirty="0">
                 <a:solidFill>
                   <a:srgbClr val="0661A9"/>
                 </a:solidFill>
@@ -11323,7 +12728,7 @@
               <a:t>Vereinfachung der Arbeit mit relevanten </a:t>
             </a:r>
             <a:r>
-              <a:rPr lang="de-DE" sz="2000" b="1" dirty="0" err="1" smtClean="0">
+              <a:rPr lang="de-DE" sz="2000" b="1" dirty="0" err="1">
                 <a:solidFill>
                   <a:srgbClr val="0661A9"/>
                 </a:solidFill>
@@ -11331,7 +12736,7 @@
               <a:t>Geodaten</a:t>
             </a:r>
             <a:r>
-              <a:rPr lang="de-DE" sz="2000" dirty="0" smtClean="0">
+              <a:rPr lang="de-DE" sz="2000" dirty="0">
                 <a:solidFill>
                   <a:srgbClr val="0661A9"/>
                 </a:solidFill>
@@ -11339,14 +12744,14 @@
               <a:t>: Bereitstellung von geeigneten Tools und Arbeitsleitfäden für die Arbeit mit </a:t>
             </a:r>
             <a:r>
-              <a:rPr lang="de-DE" sz="2000" dirty="0" err="1" smtClean="0">
+              <a:rPr lang="de-DE" sz="2000" dirty="0" err="1">
                 <a:solidFill>
                   <a:srgbClr val="0661A9"/>
                 </a:solidFill>
               </a:rPr>
               <a:t>Geodaten</a:t>
             </a:r>
-            <a:endParaRPr lang="de-DE" sz="2000" dirty="0" smtClean="0">
+            <a:endParaRPr lang="de-DE" sz="2000" dirty="0">
               <a:solidFill>
                 <a:srgbClr val="0661A9"/>
               </a:solidFill>
@@ -11361,7 +12766,7 @@
               <a:buAutoNum type="arabicPeriod"/>
             </a:pPr>
             <a:r>
-              <a:rPr lang="de-DE" sz="2000" b="1" dirty="0" smtClean="0">
+              <a:rPr lang="de-DE" sz="2000" b="1" dirty="0">
                 <a:solidFill>
                   <a:srgbClr val="0661A9"/>
                 </a:solidFill>
@@ -11369,7 +12774,7 @@
               <a:t>Optimierung der geodaten-intensiven Abläufe</a:t>
             </a:r>
             <a:r>
-              <a:rPr lang="de-DE" sz="2000" dirty="0" smtClean="0">
+              <a:rPr lang="de-DE" sz="2000" dirty="0">
                 <a:solidFill>
                   <a:srgbClr val="0661A9"/>
                 </a:solidFill>
@@ -11409,10 +12814,9 @@
           <a:lstStyle/>
           <a:p>
             <a:r>
-              <a:rPr lang="de-DE" dirty="0" smtClean="0"/>
+              <a:rPr lang="de-DE" dirty="0"/>
               <a:t>ABO Enterprise GIS</a:t>
             </a:r>
-            <a:endParaRPr lang="de-DE" dirty="0"/>
           </a:p>
         </p:txBody>
       </p:sp>
@@ -11437,7 +12841,7 @@
 </p:sld>
 </file>
 
-<file path=ppt/slides/slide6.xml><?xml version="1.0" encoding="utf-8"?>
+<file path=ppt/slides/slide7.xml><?xml version="1.0" encoding="utf-8"?>
 <p:sld xmlns:a="http://schemas.openxmlformats.org/drawingml/2006/main" xmlns:r="http://schemas.openxmlformats.org/officeDocument/2006/relationships" xmlns:p="http://schemas.openxmlformats.org/presentationml/2006/main">
   <p:cSld>
     <p:spTree>
@@ -11499,14 +12903,13 @@
           <a:lstStyle/>
           <a:p>
             <a:r>
-              <a:rPr lang="de-DE" dirty="0" err="1" smtClean="0"/>
+              <a:rPr lang="de-DE" dirty="0" err="1"/>
               <a:t>Geodaten</a:t>
             </a:r>
             <a:r>
-              <a:rPr lang="de-DE" dirty="0" smtClean="0"/>
+              <a:rPr lang="de-DE" dirty="0"/>
               <a:t> im Unternehmen</a:t>
             </a:r>
-            <a:endParaRPr lang="de-DE" dirty="0"/>
           </a:p>
         </p:txBody>
       </p:sp>
@@ -11526,10 +12929,9 @@
           <a:lstStyle/>
           <a:p>
             <a:r>
-              <a:rPr lang="de-DE" dirty="0" smtClean="0"/>
+              <a:rPr lang="de-DE" dirty="0"/>
               <a:t>ABO Enterprise GIS</a:t>
             </a:r>
-            <a:endParaRPr lang="de-DE" dirty="0"/>
           </a:p>
         </p:txBody>
       </p:sp>
@@ -12192,16 +13594,12 @@
                 </a:lnSpc>
               </a:pPr>
               <a:r>
-                <a:rPr lang="de-DE" sz="1100" u="none" dirty="0" smtClean="0">
+                <a:rPr lang="de-DE" sz="1100" u="none" dirty="0">
                   <a:latin typeface="Arial"/>
                   <a:cs typeface="Arial"/>
                 </a:rPr>
                 <a:t>Planer</a:t>
               </a:r>
-              <a:endParaRPr lang="de-DE" sz="1100" u="none" dirty="0">
-                <a:latin typeface="Arial"/>
-                <a:cs typeface="Arial"/>
-              </a:endParaRPr>
             </a:p>
           </p:txBody>
         </p:sp>
@@ -12278,16 +13676,12 @@
                 </a:lnSpc>
               </a:pPr>
               <a:r>
-                <a:rPr lang="de-DE" sz="1100" u="none" dirty="0" smtClean="0">
+                <a:rPr lang="de-DE" sz="1100" u="none" dirty="0">
                   <a:latin typeface="Arial"/>
                   <a:cs typeface="Arial"/>
                 </a:rPr>
                 <a:t>Bauabteilung</a:t>
               </a:r>
-              <a:endParaRPr lang="de-DE" sz="1100" u="none" dirty="0">
-                <a:latin typeface="Arial"/>
-                <a:cs typeface="Arial"/>
-              </a:endParaRPr>
             </a:p>
           </p:txBody>
         </p:sp>
@@ -12364,16 +13758,12 @@
                 </a:lnSpc>
               </a:pPr>
               <a:r>
-                <a:rPr lang="de-DE" sz="1100" u="none" dirty="0" smtClean="0">
+                <a:rPr lang="de-DE" sz="1100" u="none" dirty="0">
                   <a:latin typeface="Arial"/>
                   <a:cs typeface="Arial"/>
                 </a:rPr>
                 <a:t>Zukunftsenergien</a:t>
               </a:r>
-              <a:endParaRPr lang="de-DE" sz="1100" u="none" dirty="0">
-                <a:latin typeface="Arial"/>
-                <a:cs typeface="Arial"/>
-              </a:endParaRPr>
             </a:p>
           </p:txBody>
         </p:sp>
@@ -12450,16 +13840,12 @@
                 </a:lnSpc>
               </a:pPr>
               <a:r>
-                <a:rPr lang="de-DE" sz="1100" u="none" dirty="0" smtClean="0">
+                <a:rPr lang="de-DE" sz="1100" u="none" dirty="0">
                   <a:latin typeface="Arial"/>
                   <a:cs typeface="Arial"/>
                 </a:rPr>
                 <a:t>Elektronik</a:t>
               </a:r>
-              <a:endParaRPr lang="de-DE" sz="1100" u="none" dirty="0">
-                <a:latin typeface="Arial"/>
-                <a:cs typeface="Arial"/>
-              </a:endParaRPr>
             </a:p>
           </p:txBody>
         </p:sp>
@@ -12536,16 +13922,12 @@
                 </a:lnSpc>
               </a:pPr>
               <a:r>
-                <a:rPr lang="de-DE" sz="1100" u="none" dirty="0" smtClean="0">
+                <a:rPr lang="de-DE" sz="1100" u="none" dirty="0">
                   <a:latin typeface="Arial"/>
                   <a:cs typeface="Arial"/>
                 </a:rPr>
                 <a:t>Betriebsführung</a:t>
               </a:r>
-              <a:endParaRPr lang="de-DE" sz="1100" u="none" dirty="0">
-                <a:latin typeface="Arial"/>
-                <a:cs typeface="Arial"/>
-              </a:endParaRPr>
             </a:p>
           </p:txBody>
         </p:sp>
@@ -12622,16 +14004,12 @@
                 </a:lnSpc>
               </a:pPr>
               <a:r>
-                <a:rPr lang="de-DE" sz="1100" u="none" dirty="0" smtClean="0">
+                <a:rPr lang="de-DE" sz="1100" u="none" dirty="0">
                   <a:latin typeface="Arial"/>
                   <a:cs typeface="Arial"/>
                 </a:rPr>
                 <a:t>Windgutachter</a:t>
               </a:r>
-              <a:endParaRPr lang="de-DE" sz="1100" u="none" dirty="0">
-                <a:latin typeface="Arial"/>
-                <a:cs typeface="Arial"/>
-              </a:endParaRPr>
             </a:p>
           </p:txBody>
         </p:sp>
@@ -12861,19 +14239,8 @@
                     <a:latin typeface="Arial"/>
                     <a:cs typeface="Arial"/>
                   </a:rPr>
-                  <a:t>P</a:t>
+                  <a:t>P:/…</a:t>
                 </a:r>
-                <a:r>
-                  <a:rPr lang="de-DE" sz="1200" u="none" dirty="0" smtClean="0">
-                    <a:latin typeface="Arial"/>
-                    <a:cs typeface="Arial"/>
-                  </a:rPr>
-                  <a:t>:/…</a:t>
-                </a:r>
-                <a:endParaRPr lang="de-DE" sz="1200" u="none" dirty="0">
-                  <a:latin typeface="Arial"/>
-                  <a:cs typeface="Arial"/>
-                </a:endParaRPr>
               </a:p>
             </p:txBody>
           </p:sp>
@@ -13014,19 +14381,8 @@
                     <a:latin typeface="Arial"/>
                     <a:cs typeface="Arial"/>
                   </a:rPr>
-                  <a:t>P</a:t>
+                  <a:t>P:/…</a:t>
                 </a:r>
-                <a:r>
-                  <a:rPr lang="de-DE" sz="1200" u="none" dirty="0" smtClean="0">
-                    <a:latin typeface="Arial"/>
-                    <a:cs typeface="Arial"/>
-                  </a:rPr>
-                  <a:t>:/…</a:t>
-                </a:r>
-                <a:endParaRPr lang="de-DE" sz="1200" u="none" dirty="0">
-                  <a:latin typeface="Arial"/>
-                  <a:cs typeface="Arial"/>
-                </a:endParaRPr>
               </a:p>
             </p:txBody>
           </p:sp>
@@ -13167,19 +14523,8 @@
                     <a:latin typeface="Arial"/>
                     <a:cs typeface="Arial"/>
                   </a:rPr>
-                  <a:t>P</a:t>
+                  <a:t>P:/…</a:t>
                 </a:r>
-                <a:r>
-                  <a:rPr lang="de-DE" sz="1200" u="none" dirty="0" smtClean="0">
-                    <a:latin typeface="Arial"/>
-                    <a:cs typeface="Arial"/>
-                  </a:rPr>
-                  <a:t>:/…</a:t>
-                </a:r>
-                <a:endParaRPr lang="de-DE" sz="1200" u="none" dirty="0">
-                  <a:latin typeface="Arial"/>
-                  <a:cs typeface="Arial"/>
-                </a:endParaRPr>
               </a:p>
             </p:txBody>
           </p:sp>
@@ -13320,19 +14665,8 @@
                     <a:latin typeface="Arial"/>
                     <a:cs typeface="Arial"/>
                   </a:rPr>
-                  <a:t>P</a:t>
+                  <a:t>P:/…</a:t>
                 </a:r>
-                <a:r>
-                  <a:rPr lang="de-DE" sz="1200" u="none" dirty="0" smtClean="0">
-                    <a:latin typeface="Arial"/>
-                    <a:cs typeface="Arial"/>
-                  </a:rPr>
-                  <a:t>:/…</a:t>
-                </a:r>
-                <a:endParaRPr lang="de-DE" sz="1200" u="none" dirty="0">
-                  <a:latin typeface="Arial"/>
-                  <a:cs typeface="Arial"/>
-                </a:endParaRPr>
               </a:p>
             </p:txBody>
           </p:sp>
@@ -13473,19 +14807,8 @@
                     <a:latin typeface="Arial"/>
                     <a:cs typeface="Arial"/>
                   </a:rPr>
-                  <a:t>P</a:t>
+                  <a:t>P:/…</a:t>
                 </a:r>
-                <a:r>
-                  <a:rPr lang="de-DE" sz="1200" u="none" dirty="0" smtClean="0">
-                    <a:latin typeface="Arial"/>
-                    <a:cs typeface="Arial"/>
-                  </a:rPr>
-                  <a:t>:/…</a:t>
-                </a:r>
-                <a:endParaRPr lang="de-DE" sz="1200" u="none" dirty="0">
-                  <a:latin typeface="Arial"/>
-                  <a:cs typeface="Arial"/>
-                </a:endParaRPr>
               </a:p>
             </p:txBody>
           </p:sp>
@@ -14008,16 +15331,12 @@
                 </a:lnSpc>
               </a:pPr>
               <a:r>
-                <a:rPr lang="de-DE" sz="1400" u="none" dirty="0" smtClean="0">
+                <a:rPr lang="de-DE" sz="1400" u="none" dirty="0">
                   <a:latin typeface="Arial"/>
                   <a:cs typeface="Arial"/>
                 </a:rPr>
                 <a:t>WMS</a:t>
               </a:r>
-              <a:endParaRPr lang="de-DE" sz="1400" u="none" dirty="0">
-                <a:latin typeface="Arial"/>
-                <a:cs typeface="Arial"/>
-              </a:endParaRPr>
             </a:p>
           </p:txBody>
         </p:sp>
@@ -14049,16 +15368,12 @@
                 </a:lnSpc>
               </a:pPr>
               <a:r>
-                <a:rPr lang="de-DE" sz="1400" u="none" dirty="0" smtClean="0">
+                <a:rPr lang="de-DE" sz="1400" u="none" dirty="0">
                   <a:latin typeface="Arial"/>
                   <a:cs typeface="Arial"/>
                 </a:rPr>
                 <a:t>Vektordaten</a:t>
               </a:r>
-              <a:endParaRPr lang="de-DE" sz="1400" u="none" dirty="0">
-                <a:latin typeface="Arial"/>
-                <a:cs typeface="Arial"/>
-              </a:endParaRPr>
             </a:p>
           </p:txBody>
         </p:sp>
@@ -14090,16 +15405,12 @@
                 </a:lnSpc>
               </a:pPr>
               <a:r>
-                <a:rPr lang="de-DE" sz="1400" u="none" dirty="0" smtClean="0">
+                <a:rPr lang="de-DE" sz="1400" u="none" dirty="0">
                   <a:latin typeface="Arial"/>
                   <a:cs typeface="Arial"/>
                 </a:rPr>
                 <a:t>WMS</a:t>
               </a:r>
-              <a:endParaRPr lang="de-DE" sz="1400" u="none" dirty="0">
-                <a:latin typeface="Arial"/>
-                <a:cs typeface="Arial"/>
-              </a:endParaRPr>
             </a:p>
           </p:txBody>
         </p:sp>
@@ -14131,16 +15442,12 @@
                 </a:lnSpc>
               </a:pPr>
               <a:r>
-                <a:rPr lang="de-DE" sz="1400" u="none" dirty="0" smtClean="0">
+                <a:rPr lang="de-DE" sz="1400" u="none" dirty="0">
                   <a:latin typeface="Arial"/>
                   <a:cs typeface="Arial"/>
                 </a:rPr>
                 <a:t>WFS</a:t>
               </a:r>
-              <a:endParaRPr lang="de-DE" sz="1400" u="none" dirty="0">
-                <a:latin typeface="Arial"/>
-                <a:cs typeface="Arial"/>
-              </a:endParaRPr>
             </a:p>
           </p:txBody>
         </p:sp>
@@ -14172,16 +15479,12 @@
                 </a:lnSpc>
               </a:pPr>
               <a:r>
-                <a:rPr lang="de-DE" sz="1400" u="none" dirty="0" smtClean="0">
+                <a:rPr lang="de-DE" sz="1400" u="none" dirty="0">
                   <a:latin typeface="Arial"/>
                   <a:cs typeface="Arial"/>
                 </a:rPr>
                 <a:t>WFS</a:t>
               </a:r>
-              <a:endParaRPr lang="de-DE" sz="1400" u="none" dirty="0">
-                <a:latin typeface="Arial"/>
-                <a:cs typeface="Arial"/>
-              </a:endParaRPr>
             </a:p>
           </p:txBody>
         </p:sp>
@@ -14244,16 +15547,12 @@
                 </a:lnSpc>
               </a:pPr>
               <a:r>
-                <a:rPr lang="de-DE" sz="1400" u="none" dirty="0" smtClean="0">
+                <a:rPr lang="de-DE" sz="1400" u="none" dirty="0">
                   <a:latin typeface="Arial"/>
                   <a:cs typeface="Arial"/>
                 </a:rPr>
                 <a:t>WMS</a:t>
               </a:r>
-              <a:endParaRPr lang="de-DE" sz="1400" u="none" dirty="0">
-                <a:latin typeface="Arial"/>
-                <a:cs typeface="Arial"/>
-              </a:endParaRPr>
             </a:p>
           </p:txBody>
         </p:sp>
@@ -14285,16 +15584,12 @@
                 </a:lnSpc>
               </a:pPr>
               <a:r>
-                <a:rPr lang="de-DE" sz="1400" u="none" dirty="0" smtClean="0">
+                <a:rPr lang="de-DE" sz="1400" u="none" dirty="0">
                   <a:latin typeface="Arial"/>
                   <a:cs typeface="Arial"/>
                 </a:rPr>
                 <a:t>WFS</a:t>
               </a:r>
-              <a:endParaRPr lang="de-DE" sz="1400" u="none" dirty="0">
-                <a:latin typeface="Arial"/>
-                <a:cs typeface="Arial"/>
-              </a:endParaRPr>
             </a:p>
           </p:txBody>
         </p:sp>
@@ -14327,7 +15622,7 @@
               </a:lnSpc>
             </a:pPr>
             <a:r>
-              <a:rPr lang="de-DE" sz="1600" u="none" dirty="0" err="1" smtClean="0">
+              <a:rPr lang="de-DE" sz="1600" u="none" dirty="0" err="1">
                 <a:latin typeface="Arial"/>
                 <a:cs typeface="Arial"/>
               </a:rPr>
@@ -14368,7 +15663,7 @@
               </a:lnSpc>
             </a:pPr>
             <a:r>
-              <a:rPr lang="de-DE" sz="1600" u="none" dirty="0" smtClean="0">
+              <a:rPr lang="de-DE" sz="1600" u="none" dirty="0">
                 <a:latin typeface="Arial"/>
                 <a:cs typeface="Arial"/>
               </a:rPr>
@@ -14382,16 +15677,12 @@
               </a:lnSpc>
             </a:pPr>
             <a:r>
-              <a:rPr lang="de-DE" sz="1600" u="none" dirty="0" smtClean="0">
+              <a:rPr lang="de-DE" sz="1600" u="none" dirty="0">
                 <a:latin typeface="Arial"/>
                 <a:cs typeface="Arial"/>
               </a:rPr>
               <a:t>(Klienten)</a:t>
             </a:r>
-            <a:endParaRPr lang="de-DE" sz="1600" u="none" dirty="0">
-              <a:latin typeface="Arial"/>
-              <a:cs typeface="Arial"/>
-            </a:endParaRPr>
           </a:p>
         </p:txBody>
       </p:sp>
@@ -15015,7 +16306,7 @@
 </p:sld>
 </file>
 
-<file path=ppt/slides/slide7.xml><?xml version="1.0" encoding="utf-8"?>
+<file path=ppt/slides/slide8.xml><?xml version="1.0" encoding="utf-8"?>
 <p:sld xmlns:a="http://schemas.openxmlformats.org/drawingml/2006/main" xmlns:r="http://schemas.openxmlformats.org/officeDocument/2006/relationships" xmlns:p="http://schemas.openxmlformats.org/presentationml/2006/main">
   <p:cSld>
     <p:spTree>
@@ -15077,10 +16368,9 @@
           <a:lstStyle/>
           <a:p>
             <a:r>
-              <a:rPr lang="de-DE" dirty="0" smtClean="0"/>
+              <a:rPr lang="de-DE" dirty="0"/>
               <a:t>ABO Enterprise GIS</a:t>
             </a:r>
-            <a:endParaRPr lang="de-DE" dirty="0"/>
           </a:p>
         </p:txBody>
       </p:sp>
@@ -15170,7 +16460,7 @@
               </a:lnSpc>
             </a:pPr>
             <a:r>
-              <a:rPr lang="de-DE" sz="2000" dirty="0" smtClean="0">
+              <a:rPr lang="de-DE" sz="2000" dirty="0">
                 <a:solidFill>
                   <a:srgbClr val="FF921E"/>
                 </a:solidFill>
@@ -15179,13 +16469,6 @@
               </a:rPr>
               <a:t>Fachliche Konzeptionierung</a:t>
             </a:r>
-            <a:endParaRPr lang="de-DE" sz="2000" dirty="0">
-              <a:solidFill>
-                <a:srgbClr val="FF921E"/>
-              </a:solidFill>
-              <a:latin typeface="Arial"/>
-              <a:cs typeface="Arial"/>
-            </a:endParaRPr>
           </a:p>
         </p:txBody>
       </p:sp>
@@ -15260,7 +16543,7 @@
                 </a:lnSpc>
               </a:pPr>
               <a:r>
-                <a:rPr lang="de-DE" sz="1600" u="none" dirty="0" smtClean="0">
+                <a:rPr lang="de-DE" sz="1600" u="none" dirty="0">
                   <a:solidFill>
                     <a:srgbClr val="FF921E"/>
                   </a:solidFill>
@@ -15269,13 +16552,6 @@
                 </a:rPr>
                 <a:t>Identifikation planungsrelevanter Daten</a:t>
               </a:r>
-              <a:endParaRPr lang="de-DE" sz="1600" u="none" dirty="0">
-                <a:solidFill>
-                  <a:srgbClr val="FF921E"/>
-                </a:solidFill>
-                <a:latin typeface="Arial"/>
-                <a:cs typeface="Arial"/>
-              </a:endParaRPr>
             </a:p>
           </p:txBody>
         </p:sp>
@@ -15351,7 +16627,7 @@
                 </a:lnSpc>
               </a:pPr>
               <a:r>
-                <a:rPr lang="de-DE" sz="1600" u="none" dirty="0" smtClean="0">
+                <a:rPr lang="de-DE" sz="1600" u="none" dirty="0">
                   <a:solidFill>
                     <a:srgbClr val="FF921E"/>
                   </a:solidFill>
@@ -15360,13 +16636,6 @@
                 </a:rPr>
                 <a:t>Schnittstellen zwischen allen Abteilungen</a:t>
               </a:r>
-              <a:endParaRPr lang="de-DE" sz="1600" u="none" dirty="0">
-                <a:solidFill>
-                  <a:srgbClr val="FF921E"/>
-                </a:solidFill>
-                <a:latin typeface="Arial"/>
-                <a:cs typeface="Arial"/>
-              </a:endParaRPr>
             </a:p>
           </p:txBody>
         </p:sp>
@@ -15442,7 +16711,7 @@
                 </a:lnSpc>
               </a:pPr>
               <a:r>
-                <a:rPr lang="de-DE" sz="1600" b="1" u="none" dirty="0" smtClean="0">
+                <a:rPr lang="de-DE" sz="1600" b="1" u="none" dirty="0">
                   <a:solidFill>
                     <a:srgbClr val="FF921E"/>
                   </a:solidFill>
@@ -15452,7 +16721,7 @@
                 <a:t>Meilenstein: Anforderungen </a:t>
               </a:r>
               <a:r>
-                <a:rPr lang="de-DE" sz="1600" b="1" dirty="0" smtClean="0">
+                <a:rPr lang="de-DE" sz="1600" b="1" dirty="0">
                   <a:solidFill>
                     <a:srgbClr val="FF921E"/>
                   </a:solidFill>
@@ -15462,7 +16731,7 @@
                 <a:t>grob</a:t>
               </a:r>
               <a:r>
-                <a:rPr lang="de-DE" sz="1600" b="1" u="none" dirty="0" smtClean="0">
+                <a:rPr lang="de-DE" sz="1600" b="1" u="none" dirty="0">
                   <a:solidFill>
                     <a:srgbClr val="FF921E"/>
                   </a:solidFill>
@@ -15471,13 +16740,6 @@
                 </a:rPr>
                 <a:t> definiert</a:t>
               </a:r>
-              <a:endParaRPr lang="de-DE" sz="1600" b="1" u="none" dirty="0">
-                <a:solidFill>
-                  <a:srgbClr val="FF921E"/>
-                </a:solidFill>
-                <a:latin typeface="Arial"/>
-                <a:cs typeface="Arial"/>
-              </a:endParaRPr>
             </a:p>
           </p:txBody>
         </p:sp>
@@ -15750,16 +17012,6 @@
                 </a:lnSpc>
               </a:pPr>
               <a:r>
-                <a:rPr lang="de-DE" sz="2000" dirty="0" smtClean="0">
-                  <a:solidFill>
-                    <a:srgbClr val="0661A9"/>
-                  </a:solidFill>
-                  <a:latin typeface="Arial"/>
-                  <a:cs typeface="Arial"/>
-                </a:rPr>
-                <a:t>IT </a:t>
-              </a:r>
-              <a:r>
                 <a:rPr lang="de-DE" sz="2000" dirty="0">
                   <a:solidFill>
                     <a:srgbClr val="0661A9"/>
@@ -15767,7 +17019,7 @@
                   <a:latin typeface="Arial"/>
                   <a:cs typeface="Arial"/>
                 </a:rPr>
-                <a:t>Infrastruktur</a:t>
+                <a:t>IT Infrastruktur</a:t>
               </a:r>
             </a:p>
           </p:txBody>
@@ -15847,7 +17099,7 @@
                 </a:lnSpc>
               </a:pPr>
               <a:r>
-                <a:rPr lang="de-DE" sz="1600" u="none" dirty="0" smtClean="0">
+                <a:rPr lang="de-DE" sz="1600" u="none" dirty="0">
                   <a:solidFill>
                     <a:srgbClr val="0661A9"/>
                   </a:solidFill>
@@ -15856,13 +17108,6 @@
                 </a:rPr>
                 <a:t>Vorüberlegungen</a:t>
               </a:r>
-              <a:endParaRPr lang="de-DE" sz="1600" u="none" dirty="0">
-                <a:solidFill>
-                  <a:srgbClr val="0661A9"/>
-                </a:solidFill>
-                <a:latin typeface="Arial"/>
-                <a:cs typeface="Arial"/>
-              </a:endParaRPr>
             </a:p>
           </p:txBody>
         </p:sp>
@@ -16030,7 +17275,7 @@
                 </a:lnSpc>
               </a:pPr>
               <a:r>
-                <a:rPr lang="de-DE" sz="1600" u="none" dirty="0" smtClean="0">
+                <a:rPr lang="de-DE" sz="1600" u="none" dirty="0">
                   <a:solidFill>
                     <a:srgbClr val="FF921E"/>
                   </a:solidFill>
@@ -16039,13 +17284,6 @@
                 </a:rPr>
                 <a:t>Entwurf Datenmodell aus fachlicher Sicht</a:t>
               </a:r>
-              <a:endParaRPr lang="de-DE" sz="1600" u="none" dirty="0">
-                <a:solidFill>
-                  <a:srgbClr val="FF921E"/>
-                </a:solidFill>
-                <a:latin typeface="Arial"/>
-                <a:cs typeface="Arial"/>
-              </a:endParaRPr>
             </a:p>
           </p:txBody>
         </p:sp>
@@ -16122,12 +17360,8 @@
           </a:lstStyle>
           <a:p>
             <a:r>
-              <a:rPr lang="de-DE" dirty="0" smtClean="0"/>
-              <a:t>(gegen Ende </a:t>
-            </a:r>
-            <a:r>
               <a:rPr lang="de-DE" dirty="0"/>
-              <a:t>Februar)</a:t>
+              <a:t>(gegen Ende Februar)</a:t>
             </a:r>
           </a:p>
         </p:txBody>
@@ -16160,7 +17394,7 @@
               </a:lnSpc>
             </a:pPr>
             <a:r>
-              <a:rPr lang="de-DE" sz="4000" u="none" dirty="0" smtClean="0">
+              <a:rPr lang="de-DE" sz="4000" u="none" dirty="0">
                 <a:solidFill>
                   <a:srgbClr val="0661A9"/>
                 </a:solidFill>
@@ -16169,13 +17403,6 @@
               </a:rPr>
               <a:t>Q1</a:t>
             </a:r>
-            <a:endParaRPr lang="de-DE" sz="4000" u="none" dirty="0">
-              <a:solidFill>
-                <a:srgbClr val="0661A9"/>
-              </a:solidFill>
-              <a:latin typeface="Arial"/>
-              <a:cs typeface="Arial"/>
-            </a:endParaRPr>
           </a:p>
         </p:txBody>
       </p:sp>
@@ -16207,7 +17434,7 @@
               </a:lnSpc>
             </a:pPr>
             <a:r>
-              <a:rPr lang="de-DE" sz="2800" b="1" i="1" dirty="0" smtClean="0">
+              <a:rPr lang="de-DE" sz="2800" b="1" i="1" dirty="0">
                 <a:solidFill>
                   <a:srgbClr val="FF921E"/>
                 </a:solidFill>
@@ -16216,13 +17443,6 @@
               </a:rPr>
               <a:t>ROADMAP</a:t>
             </a:r>
-            <a:endParaRPr lang="de-DE" sz="2800" b="1" i="1" dirty="0">
-              <a:solidFill>
-                <a:srgbClr val="FF921E"/>
-              </a:solidFill>
-              <a:latin typeface="Arial"/>
-              <a:cs typeface="Arial"/>
-            </a:endParaRPr>
           </a:p>
         </p:txBody>
       </p:sp>
@@ -16277,7 +17497,7 @@
 </p:sld>
 </file>
 
-<file path=ppt/slides/slide8.xml><?xml version="1.0" encoding="utf-8"?>
+<file path=ppt/slides/slide9.xml><?xml version="1.0" encoding="utf-8"?>
 <p:sld xmlns:a="http://schemas.openxmlformats.org/drawingml/2006/main" xmlns:r="http://schemas.openxmlformats.org/officeDocument/2006/relationships" xmlns:p="http://schemas.openxmlformats.org/presentationml/2006/main">
   <p:cSld>
     <p:bg>
@@ -16460,7 +17680,7 @@
                 </a:lnSpc>
               </a:pPr>
               <a:r>
-                <a:rPr lang="de-DE" sz="1600" u="none" dirty="0" smtClean="0">
+                <a:rPr lang="de-DE" sz="1600" u="none" dirty="0">
                   <a:solidFill>
                     <a:srgbClr val="FF921E"/>
                   </a:solidFill>
@@ -16469,13 +17689,6 @@
                 </a:rPr>
                 <a:t>Aufnahme der Erfahrungen</a:t>
               </a:r>
-              <a:endParaRPr lang="de-DE" sz="1600" u="none" dirty="0">
-                <a:solidFill>
-                  <a:srgbClr val="FF921E"/>
-                </a:solidFill>
-                <a:latin typeface="Arial"/>
-                <a:cs typeface="Arial"/>
-              </a:endParaRPr>
             </a:p>
           </p:txBody>
         </p:sp>
@@ -16554,7 +17767,7 @@
                 </a:lnSpc>
               </a:pPr>
               <a:r>
-                <a:rPr lang="de-DE" sz="1600" u="none" dirty="0" smtClean="0">
+                <a:rPr lang="de-DE" sz="1600" u="none" dirty="0">
                   <a:solidFill>
                     <a:srgbClr val="0661A9"/>
                   </a:solidFill>
@@ -16564,7 +17777,7 @@
                 <a:t>Single </a:t>
               </a:r>
               <a:r>
-                <a:rPr lang="de-DE" sz="1600" u="none" dirty="0" err="1" smtClean="0">
+                <a:rPr lang="de-DE" sz="1600" u="none" dirty="0" err="1">
                   <a:solidFill>
                     <a:srgbClr val="0661A9"/>
                   </a:solidFill>
@@ -16574,7 +17787,7 @@
                 <a:t>Sign</a:t>
               </a:r>
               <a:r>
-                <a:rPr lang="de-DE" sz="1600" u="none" dirty="0" smtClean="0">
+                <a:rPr lang="de-DE" sz="1600" u="none" dirty="0">
                   <a:solidFill>
                     <a:srgbClr val="0661A9"/>
                   </a:solidFill>
@@ -16583,13 +17796,6 @@
                 </a:rPr>
                 <a:t>-On</a:t>
               </a:r>
-              <a:endParaRPr lang="de-DE" sz="1600" u="none" dirty="0">
-                <a:solidFill>
-                  <a:srgbClr val="0661A9"/>
-                </a:solidFill>
-                <a:latin typeface="Arial"/>
-                <a:cs typeface="Arial"/>
-              </a:endParaRPr>
             </a:p>
           </p:txBody>
         </p:sp>
@@ -16668,7 +17874,7 @@
                 </a:lnSpc>
               </a:pPr>
               <a:r>
-                <a:rPr lang="de-DE" sz="1600" u="none" dirty="0" smtClean="0">
+                <a:rPr lang="de-DE" sz="1600" u="none" dirty="0">
                   <a:solidFill>
                     <a:srgbClr val="0661A9"/>
                   </a:solidFill>
@@ -16677,13 +17883,6 @@
                 </a:rPr>
                 <a:t>Replikation / Datensicherung</a:t>
               </a:r>
-              <a:endParaRPr lang="de-DE" sz="1600" u="none" dirty="0">
-                <a:solidFill>
-                  <a:srgbClr val="0661A9"/>
-                </a:solidFill>
-                <a:latin typeface="Arial"/>
-                <a:cs typeface="Arial"/>
-              </a:endParaRPr>
             </a:p>
           </p:txBody>
         </p:sp>
@@ -16762,7 +17961,7 @@
                 </a:lnSpc>
               </a:pPr>
               <a:r>
-                <a:rPr lang="de-DE" sz="1600" u="none" dirty="0" smtClean="0">
+                <a:rPr lang="de-DE" sz="1600" u="none" dirty="0">
                   <a:solidFill>
                     <a:srgbClr val="0661A9"/>
                   </a:solidFill>
@@ -16771,13 +17970,6 @@
                 </a:rPr>
                 <a:t>Anpassung Geodatenbank/-Server</a:t>
               </a:r>
-              <a:endParaRPr lang="de-DE" sz="1600" u="none" dirty="0">
-                <a:solidFill>
-                  <a:srgbClr val="0661A9"/>
-                </a:solidFill>
-                <a:latin typeface="Arial"/>
-                <a:cs typeface="Arial"/>
-              </a:endParaRPr>
             </a:p>
           </p:txBody>
         </p:sp>
@@ -16842,7 +18034,7 @@
               </a:lnSpc>
             </a:pPr>
             <a:r>
-              <a:rPr lang="de-DE" sz="2000" dirty="0" smtClean="0">
+              <a:rPr lang="de-DE" sz="2000" dirty="0">
                 <a:solidFill>
                   <a:srgbClr val="00B050"/>
                 </a:solidFill>
@@ -16851,13 +18043,6 @@
               </a:rPr>
               <a:t>Referenzprojekt mit Prototyp</a:t>
             </a:r>
-            <a:endParaRPr lang="de-DE" sz="2000" dirty="0">
-              <a:solidFill>
-                <a:srgbClr val="00B050"/>
-              </a:solidFill>
-              <a:latin typeface="Arial"/>
-              <a:cs typeface="Arial"/>
-            </a:endParaRPr>
           </a:p>
         </p:txBody>
       </p:sp>
@@ -16935,7 +18120,7 @@
                 </a:lnSpc>
               </a:pPr>
               <a:r>
-                <a:rPr lang="de-DE" sz="1600" u="none" dirty="0" smtClean="0">
+                <a:rPr lang="de-DE" sz="1600" u="none" dirty="0">
                   <a:solidFill>
                     <a:srgbClr val="00B050"/>
                   </a:solidFill>
@@ -16944,13 +18129,6 @@
                 </a:rPr>
                 <a:t>Dienste implementieren</a:t>
               </a:r>
-              <a:endParaRPr lang="de-DE" sz="1600" u="none" dirty="0">
-                <a:solidFill>
-                  <a:srgbClr val="00B050"/>
-                </a:solidFill>
-                <a:latin typeface="Arial"/>
-                <a:cs typeface="Arial"/>
-              </a:endParaRPr>
             </a:p>
           </p:txBody>
         </p:sp>
@@ -17029,7 +18207,7 @@
                 </a:lnSpc>
               </a:pPr>
               <a:r>
-                <a:rPr lang="de-DE" sz="1600" u="none" dirty="0" smtClean="0">
+                <a:rPr lang="de-DE" sz="1600" u="none" dirty="0">
                   <a:solidFill>
                     <a:srgbClr val="00B050"/>
                   </a:solidFill>
@@ -17038,13 +18216,6 @@
                 </a:rPr>
                 <a:t>Bereitstellung Vorlagen, Planungshilfen</a:t>
               </a:r>
-              <a:endParaRPr lang="de-DE" sz="1600" u="none" dirty="0">
-                <a:solidFill>
-                  <a:srgbClr val="00B050"/>
-                </a:solidFill>
-                <a:latin typeface="Arial"/>
-                <a:cs typeface="Arial"/>
-              </a:endParaRPr>
             </a:p>
           </p:txBody>
         </p:sp>
@@ -17123,7 +18294,7 @@
                 </a:lnSpc>
               </a:pPr>
               <a:r>
-                <a:rPr lang="de-DE" sz="1600" u="none" dirty="0" smtClean="0">
+                <a:rPr lang="de-DE" sz="1600" u="none" dirty="0">
                   <a:solidFill>
                     <a:srgbClr val="00B050"/>
                   </a:solidFill>
@@ -17132,13 +18303,6 @@
                 </a:rPr>
                 <a:t>Projektspezifische Daten zusammenführen</a:t>
               </a:r>
-              <a:endParaRPr lang="de-DE" sz="1600" u="none" dirty="0">
-                <a:solidFill>
-                  <a:srgbClr val="00B050"/>
-                </a:solidFill>
-                <a:latin typeface="Arial"/>
-                <a:cs typeface="Arial"/>
-              </a:endParaRPr>
             </a:p>
           </p:txBody>
         </p:sp>
@@ -17217,7 +18381,7 @@
                 </a:lnSpc>
               </a:pPr>
               <a:r>
-                <a:rPr lang="de-DE" sz="1600" u="none" dirty="0" smtClean="0">
+                <a:rPr lang="de-DE" sz="1600" u="none" dirty="0">
                   <a:solidFill>
                     <a:srgbClr val="00B050"/>
                   </a:solidFill>
@@ -17226,13 +18390,6 @@
                 </a:rPr>
                 <a:t>Begleitung der beteiligten Mitarbeiter aus Abteilungen</a:t>
               </a:r>
-              <a:endParaRPr lang="de-DE" sz="1600" u="none" dirty="0">
-                <a:solidFill>
-                  <a:srgbClr val="00B050"/>
-                </a:solidFill>
-                <a:latin typeface="Arial"/>
-                <a:cs typeface="Arial"/>
-              </a:endParaRPr>
             </a:p>
           </p:txBody>
         </p:sp>
@@ -17311,7 +18468,7 @@
                 </a:lnSpc>
               </a:pPr>
               <a:r>
-                <a:rPr lang="de-DE" sz="1600" b="1" u="none" dirty="0" smtClean="0">
+                <a:rPr lang="de-DE" sz="1600" b="1" u="none" dirty="0">
                   <a:solidFill>
                     <a:srgbClr val="00B050"/>
                   </a:solidFill>
@@ -17320,13 +18477,6 @@
                 </a:rPr>
                 <a:t>Meilenstein: Kickoff d. Prototypen</a:t>
               </a:r>
-              <a:endParaRPr lang="de-DE" sz="1600" b="1" u="none" dirty="0">
-                <a:solidFill>
-                  <a:srgbClr val="00B050"/>
-                </a:solidFill>
-                <a:latin typeface="Arial"/>
-                <a:cs typeface="Arial"/>
-              </a:endParaRPr>
             </a:p>
           </p:txBody>
         </p:sp>
@@ -17405,7 +18555,7 @@
                 </a:lnSpc>
               </a:pPr>
               <a:r>
-                <a:rPr lang="de-DE" sz="1600" u="none" dirty="0" smtClean="0">
+                <a:rPr lang="de-DE" sz="1600" u="none" dirty="0">
                   <a:solidFill>
                     <a:srgbClr val="00B050"/>
                   </a:solidFill>
@@ -17414,13 +18564,6 @@
                 </a:rPr>
                 <a:t>Einführung in die Nutzung</a:t>
               </a:r>
-              <a:endParaRPr lang="de-DE" sz="1600" u="none" dirty="0">
-                <a:solidFill>
-                  <a:srgbClr val="00B050"/>
-                </a:solidFill>
-                <a:latin typeface="Arial"/>
-                <a:cs typeface="Arial"/>
-              </a:endParaRPr>
             </a:p>
           </p:txBody>
         </p:sp>
@@ -17499,7 +18642,7 @@
                 </a:lnSpc>
               </a:pPr>
               <a:r>
-                <a:rPr lang="de-DE" sz="1600" b="1" u="none" dirty="0" smtClean="0">
+                <a:rPr lang="de-DE" sz="1600" b="1" u="none" dirty="0">
                   <a:solidFill>
                     <a:srgbClr val="0661A9"/>
                   </a:solidFill>
@@ -17508,13 +18651,6 @@
                 </a:rPr>
                 <a:t>Meilenstein: Infrastruktur bereit</a:t>
               </a:r>
-              <a:endParaRPr lang="de-DE" sz="1600" b="1" u="none" dirty="0">
-                <a:solidFill>
-                  <a:srgbClr val="0661A9"/>
-                </a:solidFill>
-                <a:latin typeface="Arial"/>
-                <a:cs typeface="Arial"/>
-              </a:endParaRPr>
             </a:p>
           </p:txBody>
         </p:sp>
@@ -17590,7 +18726,7 @@
                 </a:lnSpc>
               </a:pPr>
               <a:r>
-                <a:rPr lang="de-DE" sz="1600" b="1" u="none" dirty="0" smtClean="0">
+                <a:rPr lang="de-DE" sz="1600" b="1" u="none" dirty="0">
                   <a:solidFill>
                     <a:srgbClr val="FF921E"/>
                   </a:solidFill>
@@ -17600,7 +18736,7 @@
                 <a:t>Meilenstein: Anforderungen ausdefinieren (</a:t>
               </a:r>
               <a:r>
-                <a:rPr lang="de-DE" sz="1600" b="1" dirty="0" smtClean="0">
+                <a:rPr lang="de-DE" sz="1600" b="1" dirty="0">
                   <a:solidFill>
                     <a:srgbClr val="FF921E"/>
                   </a:solidFill>
@@ -17610,7 +18746,7 @@
                 <a:t>fein</a:t>
               </a:r>
               <a:r>
-                <a:rPr lang="de-DE" sz="1600" b="1" u="none" dirty="0" smtClean="0">
+                <a:rPr lang="de-DE" sz="1600" b="1" u="none" dirty="0">
                   <a:solidFill>
                     <a:srgbClr val="FF921E"/>
                   </a:solidFill>
@@ -17619,13 +18755,6 @@
                 </a:rPr>
                 <a:t>)</a:t>
               </a:r>
-              <a:endParaRPr lang="de-DE" sz="1600" b="1" u="none" dirty="0">
-                <a:solidFill>
-                  <a:srgbClr val="FF921E"/>
-                </a:solidFill>
-                <a:latin typeface="Arial"/>
-                <a:cs typeface="Arial"/>
-              </a:endParaRPr>
             </a:p>
           </p:txBody>
         </p:sp>
@@ -17672,18 +18801,13 @@
           </a:lstStyle>
           <a:p>
             <a:r>
-              <a:rPr lang="de-DE" dirty="0" smtClean="0">
+              <a:rPr lang="de-DE" dirty="0">
                 <a:solidFill>
                   <a:srgbClr val="00B050"/>
                 </a:solidFill>
               </a:rPr>
               <a:t>(gegen Ende März)</a:t>
             </a:r>
-            <a:endParaRPr lang="de-DE" dirty="0">
-              <a:solidFill>
-                <a:srgbClr val="00B050"/>
-              </a:solidFill>
-            </a:endParaRPr>
           </a:p>
         </p:txBody>
       </p:sp>
@@ -17727,13 +18851,8 @@
           <a:p>
             <a:r>
               <a:rPr lang="de-DE" dirty="0"/>
-              <a:t>(ca. Ende </a:t>
+              <a:t>(ca. Ende April)</a:t>
             </a:r>
-            <a:r>
-              <a:rPr lang="de-DE" dirty="0" smtClean="0"/>
-              <a:t>April)</a:t>
-            </a:r>
-            <a:endParaRPr lang="de-DE" dirty="0"/>
           </a:p>
         </p:txBody>
       </p:sp>
@@ -17776,12 +18895,8 @@
           </a:lstStyle>
           <a:p>
             <a:r>
-              <a:rPr lang="de-DE" dirty="0" smtClean="0"/>
-              <a:t>(gegen </a:t>
-            </a:r>
-            <a:r>
               <a:rPr lang="de-DE" dirty="0"/>
-              <a:t>Ende Mai)</a:t>
+              <a:t>(gegen Ende Mai)</a:t>
             </a:r>
           </a:p>
         </p:txBody>
@@ -17828,20 +18943,12 @@
           </a:lstStyle>
           <a:p>
             <a:r>
-              <a:rPr lang="de-DE" dirty="0" smtClean="0">
-                <a:solidFill>
-                  <a:srgbClr val="0661A9"/>
-                </a:solidFill>
-              </a:rPr>
-              <a:t>(gegen Ende </a:t>
-            </a:r>
-            <a:r>
               <a:rPr lang="de-DE" dirty="0">
                 <a:solidFill>
                   <a:srgbClr val="0661A9"/>
                 </a:solidFill>
               </a:rPr>
-              <a:t>Mai)</a:t>
+              <a:t>(gegen Ende Mai)</a:t>
             </a:r>
           </a:p>
         </p:txBody>
@@ -17874,7 +18981,7 @@
               </a:lnSpc>
             </a:pPr>
             <a:r>
-              <a:rPr lang="de-DE" sz="4000" u="none" dirty="0" smtClean="0">
+              <a:rPr lang="de-DE" sz="4000" u="none" dirty="0">
                 <a:solidFill>
                   <a:srgbClr val="0661A9"/>
                 </a:solidFill>
@@ -17883,13 +18990,6 @@
               </a:rPr>
               <a:t>Q2</a:t>
             </a:r>
-            <a:endParaRPr lang="de-DE" sz="4000" u="none" dirty="0">
-              <a:solidFill>
-                <a:srgbClr val="0661A9"/>
-              </a:solidFill>
-              <a:latin typeface="Arial"/>
-              <a:cs typeface="Arial"/>
-            </a:endParaRPr>
           </a:p>
         </p:txBody>
       </p:sp>
@@ -17902,1510 +19002,6 @@
   </p:cSld>
   <p:clrMapOvr>
     <a:overrideClrMapping bg1="lt1" tx1="dk1" bg2="lt2" tx2="dk2" accent1="accent1" accent2="accent2" accent3="accent3" accent4="accent4" accent5="accent5" accent6="accent6" hlink="hlink" folHlink="folHlink"/>
-  </p:clrMapOvr>
-  <mc:AlternateContent xmlns:mc="http://schemas.openxmlformats.org/markup-compatibility/2006" xmlns:p14="http://schemas.microsoft.com/office/powerpoint/2010/main">
-    <mc:Choice Requires="p14">
-      <p:transition p14:dur="0"/>
-    </mc:Choice>
-    <mc:Fallback xmlns="">
-      <p:transition xmlns:p14="http://schemas.microsoft.com/office/powerpoint/2010/main"/>
-    </mc:Fallback>
-  </mc:AlternateContent>
-</p:sld>
-</file>
-
-<file path=ppt/slides/slide9.xml><?xml version="1.0" encoding="utf-8"?>
-<p:sld xmlns:a="http://schemas.openxmlformats.org/drawingml/2006/main" xmlns:r="http://schemas.openxmlformats.org/officeDocument/2006/relationships" xmlns:p="http://schemas.openxmlformats.org/presentationml/2006/main">
-  <p:cSld>
-    <p:spTree>
-      <p:nvGrpSpPr>
-        <p:cNvPr id="1" name=""/>
-        <p:cNvGrpSpPr/>
-        <p:nvPr/>
-      </p:nvGrpSpPr>
-      <p:grpSpPr>
-        <a:xfrm>
-          <a:off x="0" y="0"/>
-          <a:ext cx="0" cy="0"/>
-          <a:chOff x="0" y="0"/>
-          <a:chExt cx="0" cy="0"/>
-        </a:xfrm>
-      </p:grpSpPr>
-      <p:cxnSp>
-        <p:nvCxnSpPr>
-          <p:cNvPr id="73" name="Gerader Verbinder 72"/>
-          <p:cNvCxnSpPr/>
-          <p:nvPr/>
-        </p:nvCxnSpPr>
-        <p:spPr bwMode="auto">
-          <a:xfrm>
-            <a:off x="1483360" y="0"/>
-            <a:ext cx="0" cy="7562850"/>
-          </a:xfrm>
-          <a:prstGeom prst="line">
-            <a:avLst/>
-          </a:prstGeom>
-          <a:solidFill>
-            <a:schemeClr val="accent1"/>
-          </a:solidFill>
-          <a:ln w="38100" cap="flat" cmpd="sng" algn="ctr">
-            <a:solidFill>
-              <a:srgbClr val="00B050"/>
-            </a:solidFill>
-            <a:prstDash val="solid"/>
-            <a:round/>
-            <a:headEnd type="none" w="med" len="med"/>
-            <a:tailEnd type="none" w="med" len="med"/>
-          </a:ln>
-          <a:effectLst/>
-        </p:spPr>
-      </p:cxnSp>
-      <p:cxnSp>
-        <p:nvCxnSpPr>
-          <p:cNvPr id="7" name="Gerader Verbinder 6"/>
-          <p:cNvCxnSpPr/>
-          <p:nvPr/>
-        </p:nvCxnSpPr>
-        <p:spPr bwMode="auto">
-          <a:xfrm>
-            <a:off x="741680" y="0"/>
-            <a:ext cx="0" cy="7562850"/>
-          </a:xfrm>
-          <a:prstGeom prst="line">
-            <a:avLst/>
-          </a:prstGeom>
-          <a:solidFill>
-            <a:schemeClr val="accent1"/>
-          </a:solidFill>
-          <a:ln w="38100" cap="flat" cmpd="sng" algn="ctr">
-            <a:solidFill>
-              <a:srgbClr val="0661AA"/>
-            </a:solidFill>
-            <a:prstDash val="solid"/>
-            <a:round/>
-            <a:headEnd type="none" w="med" len="med"/>
-            <a:tailEnd type="none" w="med" len="med"/>
-          </a:ln>
-          <a:effectLst/>
-        </p:spPr>
-      </p:cxnSp>
-      <p:cxnSp>
-        <p:nvCxnSpPr>
-          <p:cNvPr id="16" name="Gerader Verbinder 15"/>
-          <p:cNvCxnSpPr/>
-          <p:nvPr/>
-        </p:nvCxnSpPr>
-        <p:spPr bwMode="auto">
-          <a:xfrm>
-            <a:off x="1097280" y="0"/>
-            <a:ext cx="0" cy="7562850"/>
-          </a:xfrm>
-          <a:prstGeom prst="line">
-            <a:avLst/>
-          </a:prstGeom>
-          <a:solidFill>
-            <a:schemeClr val="accent1"/>
-          </a:solidFill>
-          <a:ln w="38100" cap="flat" cmpd="sng" algn="ctr">
-            <a:solidFill>
-              <a:srgbClr val="FF921E"/>
-            </a:solidFill>
-            <a:prstDash val="solid"/>
-            <a:round/>
-            <a:headEnd type="none" w="med" len="med"/>
-            <a:tailEnd type="none" w="med" len="med"/>
-          </a:ln>
-          <a:effectLst/>
-        </p:spPr>
-      </p:cxnSp>
-      <p:cxnSp>
-        <p:nvCxnSpPr>
-          <p:cNvPr id="103" name="Gerader Verbinder 102"/>
-          <p:cNvCxnSpPr/>
-          <p:nvPr/>
-        </p:nvCxnSpPr>
-        <p:spPr bwMode="auto">
-          <a:xfrm>
-            <a:off x="375920" y="1402080"/>
-            <a:ext cx="0" cy="6160770"/>
-          </a:xfrm>
-          <a:prstGeom prst="line">
-            <a:avLst/>
-          </a:prstGeom>
-          <a:solidFill>
-            <a:schemeClr val="accent1"/>
-          </a:solidFill>
-          <a:ln w="38100" cap="flat" cmpd="sng" algn="ctr">
-            <a:solidFill>
-              <a:srgbClr val="FF5050"/>
-            </a:solidFill>
-            <a:prstDash val="solid"/>
-            <a:round/>
-            <a:headEnd type="none" w="med" len="med"/>
-            <a:tailEnd type="none" w="med" len="med"/>
-          </a:ln>
-          <a:effectLst/>
-        </p:spPr>
-      </p:cxnSp>
-      <p:grpSp>
-        <p:nvGrpSpPr>
-          <p:cNvPr id="104" name="Gruppieren 103"/>
-          <p:cNvGrpSpPr/>
-          <p:nvPr/>
-        </p:nvGrpSpPr>
-        <p:grpSpPr>
-          <a:xfrm>
-            <a:off x="375920" y="1219200"/>
-            <a:ext cx="4789881" cy="308482"/>
-            <a:chOff x="1097280" y="2387600"/>
-            <a:chExt cx="4789881" cy="308482"/>
-          </a:xfrm>
-        </p:grpSpPr>
-        <p:cxnSp>
-          <p:nvCxnSpPr>
-            <p:cNvPr id="105" name="Gerade Verbindung mit Pfeil 104"/>
-            <p:cNvCxnSpPr/>
-            <p:nvPr/>
-          </p:nvCxnSpPr>
-          <p:spPr bwMode="auto">
-            <a:xfrm>
-              <a:off x="1097280" y="2550160"/>
-              <a:ext cx="1452880" cy="0"/>
-            </a:xfrm>
-            <a:prstGeom prst="straightConnector1">
-              <a:avLst/>
-            </a:prstGeom>
-            <a:solidFill>
-              <a:schemeClr val="accent1"/>
-            </a:solidFill>
-            <a:ln w="38100" cap="flat" cmpd="sng" algn="ctr">
-              <a:solidFill>
-                <a:srgbClr val="FF5050"/>
-              </a:solidFill>
-              <a:prstDash val="solid"/>
-              <a:round/>
-              <a:headEnd type="oval" w="med" len="med"/>
-              <a:tailEnd type="oval" w="med" len="med"/>
-            </a:ln>
-            <a:effectLst/>
-          </p:spPr>
-        </p:cxnSp>
-        <p:sp>
-          <p:nvSpPr>
-            <p:cNvPr id="106" name="Textfeld 105"/>
-            <p:cNvSpPr txBox="1"/>
-            <p:nvPr/>
-          </p:nvSpPr>
-          <p:spPr>
-            <a:xfrm>
-              <a:off x="2773680" y="2387600"/>
-              <a:ext cx="3113481" cy="308482"/>
-            </a:xfrm>
-            <a:prstGeom prst="rect">
-              <a:avLst/>
-            </a:prstGeom>
-            <a:noFill/>
-          </p:spPr>
-          <p:txBody>
-            <a:bodyPr wrap="none" lIns="0" tIns="0" rIns="0" bIns="0" rtlCol="0">
-              <a:spAutoFit/>
-            </a:bodyPr>
-            <a:lstStyle>
-              <a:defPPr>
-                <a:defRPr lang="de-DE"/>
-              </a:defPPr>
-              <a:lvl1pPr>
-                <a:lnSpc>
-                  <a:spcPts val="2600"/>
-                </a:lnSpc>
-                <a:defRPr sz="2000" u="none">
-                  <a:solidFill>
-                    <a:srgbClr val="0070C0"/>
-                  </a:solidFill>
-                  <a:latin typeface="Arial"/>
-                  <a:cs typeface="Arial"/>
-                </a:defRPr>
-              </a:lvl1pPr>
-            </a:lstStyle>
-            <a:p>
-              <a:r>
-                <a:rPr lang="de-DE" u="sng" dirty="0">
-                  <a:solidFill>
-                    <a:srgbClr val="FF5050"/>
-                  </a:solidFill>
-                </a:rPr>
-                <a:t>Kickoff ABO Enterprise GIS</a:t>
-              </a:r>
-            </a:p>
-          </p:txBody>
-        </p:sp>
-      </p:grpSp>
-      <p:grpSp>
-        <p:nvGrpSpPr>
-          <p:cNvPr id="108" name="Gruppieren 107"/>
-          <p:cNvGrpSpPr/>
-          <p:nvPr/>
-        </p:nvGrpSpPr>
-        <p:grpSpPr>
-          <a:xfrm>
-            <a:off x="375920" y="1635760"/>
-            <a:ext cx="3840348" cy="333425"/>
-            <a:chOff x="1097280" y="2387600"/>
-            <a:chExt cx="3840348" cy="333425"/>
-          </a:xfrm>
-        </p:grpSpPr>
-        <p:cxnSp>
-          <p:nvCxnSpPr>
-            <p:cNvPr id="109" name="Gerade Verbindung mit Pfeil 108"/>
-            <p:cNvCxnSpPr/>
-            <p:nvPr/>
-          </p:nvCxnSpPr>
-          <p:spPr bwMode="auto">
-            <a:xfrm>
-              <a:off x="1097280" y="2550160"/>
-              <a:ext cx="2001520" cy="0"/>
-            </a:xfrm>
-            <a:prstGeom prst="straightConnector1">
-              <a:avLst/>
-            </a:prstGeom>
-            <a:solidFill>
-              <a:schemeClr val="accent1"/>
-            </a:solidFill>
-            <a:ln w="38100" cap="flat" cmpd="sng" algn="ctr">
-              <a:solidFill>
-                <a:srgbClr val="FF5050"/>
-              </a:solidFill>
-              <a:prstDash val="solid"/>
-              <a:round/>
-              <a:headEnd type="oval" w="med" len="med"/>
-              <a:tailEnd type="oval" w="med" len="med"/>
-            </a:ln>
-            <a:effectLst/>
-          </p:spPr>
-        </p:cxnSp>
-        <p:sp>
-          <p:nvSpPr>
-            <p:cNvPr id="110" name="Textfeld 109"/>
-            <p:cNvSpPr txBox="1"/>
-            <p:nvPr/>
-          </p:nvSpPr>
-          <p:spPr>
-            <a:xfrm>
-              <a:off x="3342640" y="2387600"/>
-              <a:ext cx="1594988" cy="333425"/>
-            </a:xfrm>
-            <a:prstGeom prst="rect">
-              <a:avLst/>
-            </a:prstGeom>
-            <a:noFill/>
-            <a:ln>
-              <a:noFill/>
-            </a:ln>
-          </p:spPr>
-          <p:txBody>
-            <a:bodyPr wrap="none" lIns="0" tIns="0" rIns="0" bIns="0" rtlCol="0">
-              <a:spAutoFit/>
-            </a:bodyPr>
-            <a:lstStyle/>
-            <a:p>
-              <a:pPr>
-                <a:lnSpc>
-                  <a:spcPts val="2600"/>
-                </a:lnSpc>
-              </a:pPr>
-              <a:r>
-                <a:rPr lang="de-DE" sz="1600" u="none" dirty="0" smtClean="0">
-                  <a:solidFill>
-                    <a:srgbClr val="FF5050"/>
-                  </a:solidFill>
-                  <a:latin typeface="Arial"/>
-                  <a:cs typeface="Arial"/>
-                </a:rPr>
-                <a:t>Bekanntmachung</a:t>
-              </a:r>
-              <a:endParaRPr lang="de-DE" sz="1600" u="none" dirty="0">
-                <a:solidFill>
-                  <a:srgbClr val="FF5050"/>
-                </a:solidFill>
-                <a:latin typeface="Arial"/>
-                <a:cs typeface="Arial"/>
-              </a:endParaRPr>
-            </a:p>
-          </p:txBody>
-        </p:sp>
-      </p:grpSp>
-      <p:grpSp>
-        <p:nvGrpSpPr>
-          <p:cNvPr id="58" name="Gruppieren 57"/>
-          <p:cNvGrpSpPr/>
-          <p:nvPr/>
-        </p:nvGrpSpPr>
-        <p:grpSpPr>
-          <a:xfrm>
-            <a:off x="375920" y="2042160"/>
-            <a:ext cx="5434375" cy="333425"/>
-            <a:chOff x="1097280" y="2387600"/>
-            <a:chExt cx="5434375" cy="333425"/>
-          </a:xfrm>
-        </p:grpSpPr>
-        <p:cxnSp>
-          <p:nvCxnSpPr>
-            <p:cNvPr id="59" name="Gerade Verbindung mit Pfeil 58"/>
-            <p:cNvCxnSpPr/>
-            <p:nvPr/>
-          </p:nvCxnSpPr>
-          <p:spPr bwMode="auto">
-            <a:xfrm>
-              <a:off x="1097280" y="2550160"/>
-              <a:ext cx="2001520" cy="0"/>
-            </a:xfrm>
-            <a:prstGeom prst="straightConnector1">
-              <a:avLst/>
-            </a:prstGeom>
-            <a:solidFill>
-              <a:schemeClr val="accent1"/>
-            </a:solidFill>
-            <a:ln w="38100" cap="flat" cmpd="sng" algn="ctr">
-              <a:solidFill>
-                <a:srgbClr val="FF5050"/>
-              </a:solidFill>
-              <a:prstDash val="solid"/>
-              <a:round/>
-              <a:headEnd type="oval" w="med" len="med"/>
-              <a:tailEnd type="oval" w="med" len="med"/>
-            </a:ln>
-            <a:effectLst/>
-          </p:spPr>
-        </p:cxnSp>
-        <p:sp>
-          <p:nvSpPr>
-            <p:cNvPr id="60" name="Textfeld 59"/>
-            <p:cNvSpPr txBox="1"/>
-            <p:nvPr/>
-          </p:nvSpPr>
-          <p:spPr>
-            <a:xfrm>
-              <a:off x="3342640" y="2387600"/>
-              <a:ext cx="3189015" cy="333425"/>
-            </a:xfrm>
-            <a:prstGeom prst="rect">
-              <a:avLst/>
-            </a:prstGeom>
-            <a:noFill/>
-            <a:ln>
-              <a:noFill/>
-            </a:ln>
-          </p:spPr>
-          <p:txBody>
-            <a:bodyPr wrap="none" lIns="0" tIns="0" rIns="0" bIns="0" rtlCol="0">
-              <a:spAutoFit/>
-            </a:bodyPr>
-            <a:lstStyle/>
-            <a:p>
-              <a:pPr>
-                <a:lnSpc>
-                  <a:spcPts val="2600"/>
-                </a:lnSpc>
-              </a:pPr>
-              <a:r>
-                <a:rPr lang="de-DE" sz="1600" u="none" dirty="0" smtClean="0">
-                  <a:solidFill>
-                    <a:srgbClr val="FF5050"/>
-                  </a:solidFill>
-                  <a:latin typeface="Arial"/>
-                  <a:cs typeface="Arial"/>
-                </a:rPr>
-                <a:t>Einführung für Abteilungen / Teams</a:t>
-              </a:r>
-              <a:endParaRPr lang="de-DE" sz="1600" u="none" dirty="0">
-                <a:solidFill>
-                  <a:srgbClr val="FF5050"/>
-                </a:solidFill>
-                <a:latin typeface="Arial"/>
-                <a:cs typeface="Arial"/>
-              </a:endParaRPr>
-            </a:p>
-          </p:txBody>
-        </p:sp>
-      </p:grpSp>
-      <p:grpSp>
-        <p:nvGrpSpPr>
-          <p:cNvPr id="67" name="Gruppieren 66"/>
-          <p:cNvGrpSpPr/>
-          <p:nvPr/>
-        </p:nvGrpSpPr>
-        <p:grpSpPr>
-          <a:xfrm>
-            <a:off x="741680" y="4082339"/>
-            <a:ext cx="4051473" cy="296748"/>
-            <a:chOff x="741680" y="4775200"/>
-            <a:chExt cx="4051473" cy="296748"/>
-          </a:xfrm>
-        </p:grpSpPr>
-        <p:cxnSp>
-          <p:nvCxnSpPr>
-            <p:cNvPr id="68" name="Gerade Verbindung mit Pfeil 67"/>
-            <p:cNvCxnSpPr/>
-            <p:nvPr/>
-          </p:nvCxnSpPr>
-          <p:spPr bwMode="auto">
-            <a:xfrm>
-              <a:off x="741680" y="4937760"/>
-              <a:ext cx="934720" cy="0"/>
-            </a:xfrm>
-            <a:prstGeom prst="straightConnector1">
-              <a:avLst/>
-            </a:prstGeom>
-            <a:solidFill>
-              <a:schemeClr val="accent1"/>
-            </a:solidFill>
-            <a:ln w="38100" cap="flat" cmpd="sng" algn="ctr">
-              <a:solidFill>
-                <a:srgbClr val="0661A9"/>
-              </a:solidFill>
-              <a:prstDash val="solid"/>
-              <a:round/>
-              <a:headEnd type="oval" w="med" len="med"/>
-              <a:tailEnd type="oval" w="med" len="med"/>
-            </a:ln>
-            <a:effectLst/>
-          </p:spPr>
-        </p:cxnSp>
-        <p:sp>
-          <p:nvSpPr>
-            <p:cNvPr id="69" name="Textfeld 68"/>
-            <p:cNvSpPr txBox="1"/>
-            <p:nvPr/>
-          </p:nvSpPr>
-          <p:spPr>
-            <a:xfrm>
-              <a:off x="1991360" y="4775200"/>
-              <a:ext cx="2801793" cy="296748"/>
-            </a:xfrm>
-            <a:prstGeom prst="rect">
-              <a:avLst/>
-            </a:prstGeom>
-            <a:noFill/>
-            <a:ln>
-              <a:noFill/>
-            </a:ln>
-          </p:spPr>
-          <p:txBody>
-            <a:bodyPr wrap="none" lIns="0" tIns="0" rIns="0" bIns="0" rtlCol="0">
-              <a:spAutoFit/>
-            </a:bodyPr>
-            <a:lstStyle/>
-            <a:p>
-              <a:pPr>
-                <a:lnSpc>
-                  <a:spcPts val="2600"/>
-                </a:lnSpc>
-              </a:pPr>
-              <a:r>
-                <a:rPr lang="de-DE" sz="1600" u="none" dirty="0" smtClean="0">
-                  <a:solidFill>
-                    <a:srgbClr val="0661A9"/>
-                  </a:solidFill>
-                  <a:latin typeface="Arial"/>
-                  <a:cs typeface="Arial"/>
-                </a:rPr>
-                <a:t>Verbesserung Ausfallsicherheit</a:t>
-              </a:r>
-              <a:endParaRPr lang="de-DE" sz="1600" u="none" dirty="0">
-                <a:solidFill>
-                  <a:srgbClr val="0661A9"/>
-                </a:solidFill>
-                <a:latin typeface="Arial"/>
-                <a:cs typeface="Arial"/>
-              </a:endParaRPr>
-            </a:p>
-          </p:txBody>
-        </p:sp>
-      </p:grpSp>
-      <p:grpSp>
-        <p:nvGrpSpPr>
-          <p:cNvPr id="100" name="Gruppieren 99"/>
-          <p:cNvGrpSpPr/>
-          <p:nvPr/>
-        </p:nvGrpSpPr>
-        <p:grpSpPr>
-          <a:xfrm>
-            <a:off x="741680" y="3647440"/>
-            <a:ext cx="3747030" cy="296748"/>
-            <a:chOff x="741680" y="4368800"/>
-            <a:chExt cx="3747030" cy="296748"/>
-          </a:xfrm>
-        </p:grpSpPr>
-        <p:cxnSp>
-          <p:nvCxnSpPr>
-            <p:cNvPr id="101" name="Gerade Verbindung mit Pfeil 100"/>
-            <p:cNvCxnSpPr/>
-            <p:nvPr/>
-          </p:nvCxnSpPr>
-          <p:spPr bwMode="auto">
-            <a:xfrm>
-              <a:off x="741680" y="4531360"/>
-              <a:ext cx="934720" cy="0"/>
-            </a:xfrm>
-            <a:prstGeom prst="straightConnector1">
-              <a:avLst/>
-            </a:prstGeom>
-            <a:solidFill>
-              <a:schemeClr val="accent1"/>
-            </a:solidFill>
-            <a:ln w="38100" cap="flat" cmpd="sng" algn="ctr">
-              <a:solidFill>
-                <a:srgbClr val="0661A9"/>
-              </a:solidFill>
-              <a:prstDash val="solid"/>
-              <a:round/>
-              <a:headEnd type="oval" w="med" len="med"/>
-              <a:tailEnd type="oval" w="med" len="med"/>
-            </a:ln>
-            <a:effectLst/>
-          </p:spPr>
-        </p:cxnSp>
-        <p:sp>
-          <p:nvSpPr>
-            <p:cNvPr id="102" name="Textfeld 101"/>
-            <p:cNvSpPr txBox="1"/>
-            <p:nvPr/>
-          </p:nvSpPr>
-          <p:spPr>
-            <a:xfrm>
-              <a:off x="1991360" y="4368800"/>
-              <a:ext cx="2497350" cy="296748"/>
-            </a:xfrm>
-            <a:prstGeom prst="rect">
-              <a:avLst/>
-            </a:prstGeom>
-            <a:noFill/>
-            <a:ln>
-              <a:noFill/>
-            </a:ln>
-          </p:spPr>
-          <p:txBody>
-            <a:bodyPr wrap="none" lIns="0" tIns="0" rIns="0" bIns="0" rtlCol="0">
-              <a:spAutoFit/>
-            </a:bodyPr>
-            <a:lstStyle/>
-            <a:p>
-              <a:pPr>
-                <a:lnSpc>
-                  <a:spcPts val="2600"/>
-                </a:lnSpc>
-              </a:pPr>
-              <a:r>
-                <a:rPr lang="de-DE" sz="1600" u="none" dirty="0" smtClean="0">
-                  <a:solidFill>
-                    <a:srgbClr val="0661A9"/>
-                  </a:solidFill>
-                  <a:latin typeface="Arial"/>
-                  <a:cs typeface="Arial"/>
-                </a:rPr>
-                <a:t>Verbesserung Performance</a:t>
-              </a:r>
-              <a:endParaRPr lang="de-DE" sz="1600" u="none" dirty="0">
-                <a:solidFill>
-                  <a:srgbClr val="0661A9"/>
-                </a:solidFill>
-                <a:latin typeface="Arial"/>
-                <a:cs typeface="Arial"/>
-              </a:endParaRPr>
-            </a:p>
-          </p:txBody>
-        </p:sp>
-      </p:grpSp>
-      <p:grpSp>
-        <p:nvGrpSpPr>
-          <p:cNvPr id="113" name="Gruppieren 112"/>
-          <p:cNvGrpSpPr/>
-          <p:nvPr/>
-        </p:nvGrpSpPr>
-        <p:grpSpPr>
-          <a:xfrm>
-            <a:off x="1097280" y="2621280"/>
-            <a:ext cx="2885171" cy="333425"/>
-            <a:chOff x="1097280" y="2387600"/>
-            <a:chExt cx="2885171" cy="333425"/>
-          </a:xfrm>
-        </p:grpSpPr>
-        <p:cxnSp>
-          <p:nvCxnSpPr>
-            <p:cNvPr id="114" name="Gerade Verbindung mit Pfeil 113"/>
-            <p:cNvCxnSpPr/>
-            <p:nvPr/>
-          </p:nvCxnSpPr>
-          <p:spPr bwMode="auto">
-            <a:xfrm>
-              <a:off x="1097280" y="2550160"/>
-              <a:ext cx="934720" cy="0"/>
-            </a:xfrm>
-            <a:prstGeom prst="straightConnector1">
-              <a:avLst/>
-            </a:prstGeom>
-            <a:solidFill>
-              <a:schemeClr val="accent1"/>
-            </a:solidFill>
-            <a:ln w="38100" cap="flat" cmpd="sng" algn="ctr">
-              <a:solidFill>
-                <a:srgbClr val="FF921E"/>
-              </a:solidFill>
-              <a:prstDash val="solid"/>
-              <a:round/>
-              <a:headEnd type="oval" w="med" len="med"/>
-              <a:tailEnd type="oval" w="med" len="med"/>
-            </a:ln>
-            <a:effectLst/>
-          </p:spPr>
-        </p:cxnSp>
-        <p:sp>
-          <p:nvSpPr>
-            <p:cNvPr id="115" name="Textfeld 114"/>
-            <p:cNvSpPr txBox="1"/>
-            <p:nvPr/>
-          </p:nvSpPr>
-          <p:spPr>
-            <a:xfrm>
-              <a:off x="2204720" y="2387600"/>
-              <a:ext cx="1777731" cy="333425"/>
-            </a:xfrm>
-            <a:prstGeom prst="rect">
-              <a:avLst/>
-            </a:prstGeom>
-            <a:noFill/>
-          </p:spPr>
-          <p:txBody>
-            <a:bodyPr wrap="none" lIns="0" tIns="0" rIns="0" bIns="0" rtlCol="0">
-              <a:spAutoFit/>
-            </a:bodyPr>
-            <a:lstStyle/>
-            <a:p>
-              <a:pPr>
-                <a:lnSpc>
-                  <a:spcPts val="2600"/>
-                </a:lnSpc>
-              </a:pPr>
-              <a:r>
-                <a:rPr lang="de-DE" sz="1600" u="none" dirty="0" smtClean="0">
-                  <a:solidFill>
-                    <a:srgbClr val="FF921E"/>
-                  </a:solidFill>
-                  <a:latin typeface="Arial"/>
-                  <a:cs typeface="Arial"/>
-                </a:rPr>
-                <a:t>Monitoring Nutzung</a:t>
-              </a:r>
-              <a:endParaRPr lang="de-DE" sz="1600" u="none" dirty="0">
-                <a:solidFill>
-                  <a:srgbClr val="FF921E"/>
-                </a:solidFill>
-                <a:latin typeface="Arial"/>
-                <a:cs typeface="Arial"/>
-              </a:endParaRPr>
-            </a:p>
-          </p:txBody>
-        </p:sp>
-      </p:grpSp>
-      <p:grpSp>
-        <p:nvGrpSpPr>
-          <p:cNvPr id="116" name="Gruppieren 115"/>
-          <p:cNvGrpSpPr/>
-          <p:nvPr/>
-        </p:nvGrpSpPr>
-        <p:grpSpPr>
-          <a:xfrm>
-            <a:off x="1097280" y="3034742"/>
-            <a:ext cx="3747458" cy="333425"/>
-            <a:chOff x="1097280" y="2794000"/>
-            <a:chExt cx="3747458" cy="333425"/>
-          </a:xfrm>
-        </p:grpSpPr>
-        <p:cxnSp>
-          <p:nvCxnSpPr>
-            <p:cNvPr id="117" name="Gerade Verbindung mit Pfeil 116"/>
-            <p:cNvCxnSpPr/>
-            <p:nvPr/>
-          </p:nvCxnSpPr>
-          <p:spPr bwMode="auto">
-            <a:xfrm>
-              <a:off x="1097280" y="2956560"/>
-              <a:ext cx="934720" cy="0"/>
-            </a:xfrm>
-            <a:prstGeom prst="straightConnector1">
-              <a:avLst/>
-            </a:prstGeom>
-            <a:solidFill>
-              <a:schemeClr val="accent1"/>
-            </a:solidFill>
-            <a:ln w="38100" cap="flat" cmpd="sng" algn="ctr">
-              <a:solidFill>
-                <a:srgbClr val="FF921E"/>
-              </a:solidFill>
-              <a:prstDash val="solid"/>
-              <a:round/>
-              <a:headEnd type="oval" w="med" len="med"/>
-              <a:tailEnd type="oval" w="med" len="med"/>
-            </a:ln>
-            <a:effectLst/>
-          </p:spPr>
-        </p:cxnSp>
-        <p:sp>
-          <p:nvSpPr>
-            <p:cNvPr id="118" name="Textfeld 117"/>
-            <p:cNvSpPr txBox="1"/>
-            <p:nvPr/>
-          </p:nvSpPr>
-          <p:spPr>
-            <a:xfrm>
-              <a:off x="2204720" y="2794000"/>
-              <a:ext cx="2640018" cy="333425"/>
-            </a:xfrm>
-            <a:prstGeom prst="rect">
-              <a:avLst/>
-            </a:prstGeom>
-            <a:noFill/>
-          </p:spPr>
-          <p:txBody>
-            <a:bodyPr wrap="none" lIns="0" tIns="0" rIns="0" bIns="0" rtlCol="0">
-              <a:spAutoFit/>
-            </a:bodyPr>
-            <a:lstStyle/>
-            <a:p>
-              <a:pPr>
-                <a:lnSpc>
-                  <a:spcPts val="2600"/>
-                </a:lnSpc>
-              </a:pPr>
-              <a:r>
-                <a:rPr lang="de-DE" sz="1600" u="none" dirty="0" smtClean="0">
-                  <a:solidFill>
-                    <a:srgbClr val="FF921E"/>
-                  </a:solidFill>
-                  <a:latin typeface="Arial"/>
-                  <a:cs typeface="Arial"/>
-                </a:rPr>
-                <a:t>Konzeptionelle Anpassungen</a:t>
-              </a:r>
-              <a:endParaRPr lang="de-DE" sz="1600" u="none" dirty="0">
-                <a:solidFill>
-                  <a:srgbClr val="FF921E"/>
-                </a:solidFill>
-                <a:latin typeface="Arial"/>
-                <a:cs typeface="Arial"/>
-              </a:endParaRPr>
-            </a:p>
-          </p:txBody>
-        </p:sp>
-      </p:grpSp>
-      <p:cxnSp>
-        <p:nvCxnSpPr>
-          <p:cNvPr id="120" name="Gerade Verbindung mit Pfeil 119"/>
-          <p:cNvCxnSpPr/>
-          <p:nvPr/>
-        </p:nvCxnSpPr>
-        <p:spPr bwMode="auto">
-          <a:xfrm>
-            <a:off x="1097280" y="4795520"/>
-            <a:ext cx="599440" cy="0"/>
-          </a:xfrm>
-          <a:prstGeom prst="straightConnector1">
-            <a:avLst/>
-          </a:prstGeom>
-          <a:solidFill>
-            <a:schemeClr val="accent1"/>
-          </a:solidFill>
-          <a:ln w="38100" cap="flat" cmpd="sng" algn="ctr">
-            <a:solidFill>
-              <a:srgbClr val="FF921E"/>
-            </a:solidFill>
-            <a:prstDash val="solid"/>
-            <a:round/>
-            <a:headEnd type="oval" w="med" len="med"/>
-            <a:tailEnd type="oval" w="med" len="med"/>
-          </a:ln>
-          <a:effectLst/>
-        </p:spPr>
-      </p:cxnSp>
-      <p:grpSp>
-        <p:nvGrpSpPr>
-          <p:cNvPr id="122" name="Gruppieren 121"/>
-          <p:cNvGrpSpPr/>
-          <p:nvPr/>
-        </p:nvGrpSpPr>
-        <p:grpSpPr>
-          <a:xfrm>
-            <a:off x="1097280" y="5107382"/>
-            <a:ext cx="1879574" cy="333425"/>
-            <a:chOff x="1097280" y="2794000"/>
-            <a:chExt cx="1879574" cy="333425"/>
-          </a:xfrm>
-        </p:grpSpPr>
-        <p:cxnSp>
-          <p:nvCxnSpPr>
-            <p:cNvPr id="123" name="Gerade Verbindung mit Pfeil 122"/>
-            <p:cNvCxnSpPr/>
-            <p:nvPr/>
-          </p:nvCxnSpPr>
-          <p:spPr bwMode="auto">
-            <a:xfrm>
-              <a:off x="1097280" y="2956560"/>
-              <a:ext cx="934720" cy="0"/>
-            </a:xfrm>
-            <a:prstGeom prst="straightConnector1">
-              <a:avLst/>
-            </a:prstGeom>
-            <a:solidFill>
-              <a:schemeClr val="accent1"/>
-            </a:solidFill>
-            <a:ln w="38100" cap="flat" cmpd="sng" algn="ctr">
-              <a:solidFill>
-                <a:srgbClr val="FF921E"/>
-              </a:solidFill>
-              <a:prstDash val="solid"/>
-              <a:round/>
-              <a:headEnd type="oval" w="med" len="med"/>
-              <a:tailEnd type="oval" w="med" len="med"/>
-            </a:ln>
-            <a:effectLst/>
-          </p:spPr>
-        </p:cxnSp>
-        <p:sp>
-          <p:nvSpPr>
-            <p:cNvPr id="124" name="Textfeld 123"/>
-            <p:cNvSpPr txBox="1"/>
-            <p:nvPr/>
-          </p:nvSpPr>
-          <p:spPr>
-            <a:xfrm>
-              <a:off x="2204720" y="2794000"/>
-              <a:ext cx="772134" cy="333425"/>
-            </a:xfrm>
-            <a:prstGeom prst="rect">
-              <a:avLst/>
-            </a:prstGeom>
-            <a:noFill/>
-          </p:spPr>
-          <p:txBody>
-            <a:bodyPr wrap="none" lIns="0" tIns="0" rIns="0" bIns="0" rtlCol="0">
-              <a:spAutoFit/>
-            </a:bodyPr>
-            <a:lstStyle/>
-            <a:p>
-              <a:pPr>
-                <a:lnSpc>
-                  <a:spcPts val="2600"/>
-                </a:lnSpc>
-              </a:pPr>
-              <a:r>
-                <a:rPr lang="de-DE" sz="1600" u="none" dirty="0" err="1" smtClean="0">
-                  <a:solidFill>
-                    <a:srgbClr val="FF921E"/>
-                  </a:solidFill>
-                  <a:latin typeface="Arial"/>
-                  <a:cs typeface="Arial"/>
-                </a:rPr>
-                <a:t>WebGIS</a:t>
-              </a:r>
-              <a:endParaRPr lang="de-DE" sz="1600" u="none" dirty="0">
-                <a:solidFill>
-                  <a:srgbClr val="FF921E"/>
-                </a:solidFill>
-                <a:latin typeface="Arial"/>
-                <a:cs typeface="Arial"/>
-              </a:endParaRPr>
-            </a:p>
-          </p:txBody>
-        </p:sp>
-      </p:grpSp>
-      <p:sp>
-        <p:nvSpPr>
-          <p:cNvPr id="125" name="Textfeld 124"/>
-          <p:cNvSpPr txBox="1"/>
-          <p:nvPr/>
-        </p:nvSpPr>
-        <p:spPr>
-          <a:xfrm>
-            <a:off x="1910080" y="4622800"/>
-            <a:ext cx="1885516" cy="333425"/>
-          </a:xfrm>
-          <a:prstGeom prst="rect">
-            <a:avLst/>
-          </a:prstGeom>
-          <a:noFill/>
-        </p:spPr>
-        <p:txBody>
-          <a:bodyPr wrap="none" lIns="0" tIns="0" rIns="0" bIns="0" rtlCol="0">
-            <a:spAutoFit/>
-          </a:bodyPr>
-          <a:lstStyle/>
-          <a:p>
-            <a:pPr>
-              <a:lnSpc>
-                <a:spcPts val="2600"/>
-              </a:lnSpc>
-            </a:pPr>
-            <a:r>
-              <a:rPr lang="de-DE" sz="2000" u="none" dirty="0" smtClean="0">
-                <a:solidFill>
-                  <a:srgbClr val="FF921E"/>
-                </a:solidFill>
-                <a:latin typeface="Arial"/>
-                <a:cs typeface="Arial"/>
-              </a:rPr>
-              <a:t>Weitere Themen</a:t>
-            </a:r>
-            <a:endParaRPr lang="de-DE" sz="2000" u="none" dirty="0">
-              <a:solidFill>
-                <a:srgbClr val="FF921E"/>
-              </a:solidFill>
-              <a:latin typeface="Arial"/>
-              <a:cs typeface="Arial"/>
-            </a:endParaRPr>
-          </a:p>
-        </p:txBody>
-      </p:sp>
-      <p:grpSp>
-        <p:nvGrpSpPr>
-          <p:cNvPr id="126" name="Gruppieren 125"/>
-          <p:cNvGrpSpPr/>
-          <p:nvPr/>
-        </p:nvGrpSpPr>
-        <p:grpSpPr>
-          <a:xfrm>
-            <a:off x="1097280" y="5503622"/>
-            <a:ext cx="3394926" cy="333425"/>
-            <a:chOff x="1097280" y="2794000"/>
-            <a:chExt cx="3394926" cy="333425"/>
-          </a:xfrm>
-        </p:grpSpPr>
-        <p:cxnSp>
-          <p:nvCxnSpPr>
-            <p:cNvPr id="127" name="Gerade Verbindung mit Pfeil 126"/>
-            <p:cNvCxnSpPr/>
-            <p:nvPr/>
-          </p:nvCxnSpPr>
-          <p:spPr bwMode="auto">
-            <a:xfrm>
-              <a:off x="1097280" y="2956560"/>
-              <a:ext cx="934720" cy="0"/>
-            </a:xfrm>
-            <a:prstGeom prst="straightConnector1">
-              <a:avLst/>
-            </a:prstGeom>
-            <a:solidFill>
-              <a:schemeClr val="accent1"/>
-            </a:solidFill>
-            <a:ln w="38100" cap="flat" cmpd="sng" algn="ctr">
-              <a:solidFill>
-                <a:srgbClr val="FF921E"/>
-              </a:solidFill>
-              <a:prstDash val="solid"/>
-              <a:round/>
-              <a:headEnd type="oval" w="med" len="med"/>
-              <a:tailEnd type="oval" w="med" len="med"/>
-            </a:ln>
-            <a:effectLst/>
-          </p:spPr>
-        </p:cxnSp>
-        <p:sp>
-          <p:nvSpPr>
-            <p:cNvPr id="128" name="Textfeld 127"/>
-            <p:cNvSpPr txBox="1"/>
-            <p:nvPr/>
-          </p:nvSpPr>
-          <p:spPr>
-            <a:xfrm>
-              <a:off x="2204720" y="2794000"/>
-              <a:ext cx="2287486" cy="333425"/>
-            </a:xfrm>
-            <a:prstGeom prst="rect">
-              <a:avLst/>
-            </a:prstGeom>
-            <a:noFill/>
-          </p:spPr>
-          <p:txBody>
-            <a:bodyPr wrap="none" lIns="0" tIns="0" rIns="0" bIns="0" rtlCol="0">
-              <a:spAutoFit/>
-            </a:bodyPr>
-            <a:lstStyle/>
-            <a:p>
-              <a:pPr>
-                <a:lnSpc>
-                  <a:spcPts val="2600"/>
-                </a:lnSpc>
-              </a:pPr>
-              <a:r>
-                <a:rPr lang="de-DE" sz="1600" u="none" dirty="0" smtClean="0">
-                  <a:solidFill>
-                    <a:srgbClr val="FF921E"/>
-                  </a:solidFill>
-                  <a:latin typeface="Arial"/>
-                  <a:cs typeface="Arial"/>
-                </a:rPr>
-                <a:t>Einbindung in </a:t>
-              </a:r>
-              <a:r>
-                <a:rPr lang="de-DE" sz="1600" u="none" dirty="0" err="1" smtClean="0">
-                  <a:solidFill>
-                    <a:srgbClr val="FF921E"/>
-                  </a:solidFill>
-                  <a:latin typeface="Arial"/>
-                  <a:cs typeface="Arial"/>
-                </a:rPr>
-                <a:t>Sharepoint</a:t>
-              </a:r>
-              <a:endParaRPr lang="de-DE" sz="1600" u="none" dirty="0">
-                <a:solidFill>
-                  <a:srgbClr val="FF921E"/>
-                </a:solidFill>
-                <a:latin typeface="Arial"/>
-                <a:cs typeface="Arial"/>
-              </a:endParaRPr>
-            </a:p>
-          </p:txBody>
-        </p:sp>
-      </p:grpSp>
-      <p:grpSp>
-        <p:nvGrpSpPr>
-          <p:cNvPr id="129" name="Gruppieren 128"/>
-          <p:cNvGrpSpPr/>
-          <p:nvPr/>
-        </p:nvGrpSpPr>
-        <p:grpSpPr>
-          <a:xfrm>
-            <a:off x="1483360" y="558800"/>
-            <a:ext cx="5549362" cy="296748"/>
-            <a:chOff x="1097280" y="2387600"/>
-            <a:chExt cx="5549362" cy="296748"/>
-          </a:xfrm>
-        </p:grpSpPr>
-        <p:cxnSp>
-          <p:nvCxnSpPr>
-            <p:cNvPr id="130" name="Gerade Verbindung mit Pfeil 129"/>
-            <p:cNvCxnSpPr/>
-            <p:nvPr/>
-          </p:nvCxnSpPr>
-          <p:spPr bwMode="auto">
-            <a:xfrm>
-              <a:off x="1097280" y="2550160"/>
-              <a:ext cx="934720" cy="0"/>
-            </a:xfrm>
-            <a:prstGeom prst="straightConnector1">
-              <a:avLst/>
-            </a:prstGeom>
-            <a:solidFill>
-              <a:schemeClr val="accent1"/>
-            </a:solidFill>
-            <a:ln w="38100" cap="flat" cmpd="sng" algn="ctr">
-              <a:solidFill>
-                <a:srgbClr val="00B050"/>
-              </a:solidFill>
-              <a:prstDash val="solid"/>
-              <a:round/>
-              <a:headEnd type="oval" w="med" len="med"/>
-              <a:tailEnd type="oval" w="med" len="med"/>
-            </a:ln>
-            <a:effectLst/>
-          </p:spPr>
-        </p:cxnSp>
-        <p:sp>
-          <p:nvSpPr>
-            <p:cNvPr id="131" name="Textfeld 130"/>
-            <p:cNvSpPr txBox="1"/>
-            <p:nvPr/>
-          </p:nvSpPr>
-          <p:spPr>
-            <a:xfrm>
-              <a:off x="2204720" y="2387600"/>
-              <a:ext cx="4441922" cy="296748"/>
-            </a:xfrm>
-            <a:prstGeom prst="rect">
-              <a:avLst/>
-            </a:prstGeom>
-            <a:noFill/>
-            <a:ln>
-              <a:noFill/>
-            </a:ln>
-          </p:spPr>
-          <p:txBody>
-            <a:bodyPr wrap="none" lIns="0" tIns="0" rIns="0" bIns="0" rtlCol="0">
-              <a:spAutoFit/>
-            </a:bodyPr>
-            <a:lstStyle/>
-            <a:p>
-              <a:pPr>
-                <a:lnSpc>
-                  <a:spcPts val="2600"/>
-                </a:lnSpc>
-              </a:pPr>
-              <a:r>
-                <a:rPr lang="de-DE" sz="1600" u="none" dirty="0" smtClean="0">
-                  <a:solidFill>
-                    <a:srgbClr val="00B050"/>
-                  </a:solidFill>
-                  <a:latin typeface="Arial"/>
-                  <a:cs typeface="Arial"/>
-                </a:rPr>
-                <a:t>Abschließende Evaluation prototypisches Projekt</a:t>
-              </a:r>
-              <a:endParaRPr lang="de-DE" sz="1600" u="none" dirty="0">
-                <a:solidFill>
-                  <a:srgbClr val="00B050"/>
-                </a:solidFill>
-                <a:latin typeface="Arial"/>
-                <a:cs typeface="Arial"/>
-              </a:endParaRPr>
-            </a:p>
-          </p:txBody>
-        </p:sp>
-      </p:grpSp>
-      <p:grpSp>
-        <p:nvGrpSpPr>
-          <p:cNvPr id="132" name="Gruppieren 131"/>
-          <p:cNvGrpSpPr/>
-          <p:nvPr/>
-        </p:nvGrpSpPr>
-        <p:grpSpPr>
-          <a:xfrm>
-            <a:off x="1097280" y="5899862"/>
-            <a:ext cx="3723028" cy="333425"/>
-            <a:chOff x="1097280" y="2794000"/>
-            <a:chExt cx="3723028" cy="333425"/>
-          </a:xfrm>
-        </p:grpSpPr>
-        <p:cxnSp>
-          <p:nvCxnSpPr>
-            <p:cNvPr id="133" name="Gerade Verbindung mit Pfeil 132"/>
-            <p:cNvCxnSpPr/>
-            <p:nvPr/>
-          </p:nvCxnSpPr>
-          <p:spPr bwMode="auto">
-            <a:xfrm>
-              <a:off x="1097280" y="2956560"/>
-              <a:ext cx="934720" cy="0"/>
-            </a:xfrm>
-            <a:prstGeom prst="straightConnector1">
-              <a:avLst/>
-            </a:prstGeom>
-            <a:solidFill>
-              <a:schemeClr val="accent1"/>
-            </a:solidFill>
-            <a:ln w="38100" cap="flat" cmpd="sng" algn="ctr">
-              <a:solidFill>
-                <a:srgbClr val="FF921E"/>
-              </a:solidFill>
-              <a:prstDash val="solid"/>
-              <a:round/>
-              <a:headEnd type="oval" w="med" len="med"/>
-              <a:tailEnd type="oval" w="med" len="med"/>
-            </a:ln>
-            <a:effectLst/>
-          </p:spPr>
-        </p:cxnSp>
-        <p:sp>
-          <p:nvSpPr>
-            <p:cNvPr id="134" name="Textfeld 133"/>
-            <p:cNvSpPr txBox="1"/>
-            <p:nvPr/>
-          </p:nvSpPr>
-          <p:spPr>
-            <a:xfrm>
-              <a:off x="2204720" y="2794000"/>
-              <a:ext cx="2615588" cy="333425"/>
-            </a:xfrm>
-            <a:prstGeom prst="rect">
-              <a:avLst/>
-            </a:prstGeom>
-            <a:noFill/>
-          </p:spPr>
-          <p:txBody>
-            <a:bodyPr wrap="none" lIns="0" tIns="0" rIns="0" bIns="0" rtlCol="0">
-              <a:spAutoFit/>
-            </a:bodyPr>
-            <a:lstStyle/>
-            <a:p>
-              <a:pPr>
-                <a:lnSpc>
-                  <a:spcPts val="2600"/>
-                </a:lnSpc>
-              </a:pPr>
-              <a:r>
-                <a:rPr lang="de-DE" sz="1600" u="none" dirty="0" smtClean="0">
-                  <a:solidFill>
-                    <a:srgbClr val="FF921E"/>
-                  </a:solidFill>
-                  <a:latin typeface="Arial"/>
-                  <a:cs typeface="Arial"/>
-                </a:rPr>
-                <a:t>Visualisierungen in der Karte</a:t>
-              </a:r>
-              <a:endParaRPr lang="de-DE" sz="1600" u="none" dirty="0">
-                <a:solidFill>
-                  <a:srgbClr val="FF921E"/>
-                </a:solidFill>
-                <a:latin typeface="Arial"/>
-                <a:cs typeface="Arial"/>
-              </a:endParaRPr>
-            </a:p>
-          </p:txBody>
-        </p:sp>
-      </p:grpSp>
-      <p:grpSp>
-        <p:nvGrpSpPr>
-          <p:cNvPr id="135" name="Gruppieren 134"/>
-          <p:cNvGrpSpPr/>
-          <p:nvPr/>
-        </p:nvGrpSpPr>
-        <p:grpSpPr>
-          <a:xfrm>
-            <a:off x="1097280" y="6306262"/>
-            <a:ext cx="1633097" cy="333425"/>
-            <a:chOff x="1097280" y="2794000"/>
-            <a:chExt cx="1633097" cy="333425"/>
-          </a:xfrm>
-        </p:grpSpPr>
-        <p:cxnSp>
-          <p:nvCxnSpPr>
-            <p:cNvPr id="136" name="Gerade Verbindung mit Pfeil 135"/>
-            <p:cNvCxnSpPr/>
-            <p:nvPr/>
-          </p:nvCxnSpPr>
-          <p:spPr bwMode="auto">
-            <a:xfrm>
-              <a:off x="1097280" y="2956560"/>
-              <a:ext cx="934720" cy="0"/>
-            </a:xfrm>
-            <a:prstGeom prst="straightConnector1">
-              <a:avLst/>
-            </a:prstGeom>
-            <a:solidFill>
-              <a:schemeClr val="accent1"/>
-            </a:solidFill>
-            <a:ln w="38100" cap="flat" cmpd="sng" algn="ctr">
-              <a:solidFill>
-                <a:srgbClr val="FF921E"/>
-              </a:solidFill>
-              <a:prstDash val="solid"/>
-              <a:round/>
-              <a:headEnd type="oval" w="med" len="med"/>
-              <a:tailEnd type="oval" w="med" len="med"/>
-            </a:ln>
-            <a:effectLst/>
-          </p:spPr>
-        </p:cxnSp>
-        <p:sp>
-          <p:nvSpPr>
-            <p:cNvPr id="137" name="Textfeld 136"/>
-            <p:cNvSpPr txBox="1"/>
-            <p:nvPr/>
-          </p:nvSpPr>
-          <p:spPr>
-            <a:xfrm>
-              <a:off x="2204720" y="2794000"/>
-              <a:ext cx="525657" cy="333425"/>
-            </a:xfrm>
-            <a:prstGeom prst="rect">
-              <a:avLst/>
-            </a:prstGeom>
-            <a:noFill/>
-          </p:spPr>
-          <p:txBody>
-            <a:bodyPr wrap="none" lIns="0" tIns="0" rIns="0" bIns="0" rtlCol="0">
-              <a:spAutoFit/>
-            </a:bodyPr>
-            <a:lstStyle/>
-            <a:p>
-              <a:pPr>
-                <a:lnSpc>
-                  <a:spcPts val="2600"/>
-                </a:lnSpc>
-              </a:pPr>
-              <a:r>
-                <a:rPr lang="de-DE" sz="1600" u="none" dirty="0" err="1" smtClean="0">
-                  <a:solidFill>
-                    <a:srgbClr val="FF921E"/>
-                  </a:solidFill>
-                  <a:latin typeface="Arial"/>
-                  <a:cs typeface="Arial"/>
-                </a:rPr>
-                <a:t>u.s.w</a:t>
-              </a:r>
-              <a:r>
-                <a:rPr lang="de-DE" sz="1600" u="none" dirty="0" smtClean="0">
-                  <a:solidFill>
-                    <a:srgbClr val="FF921E"/>
-                  </a:solidFill>
-                  <a:latin typeface="Arial"/>
-                  <a:cs typeface="Arial"/>
-                </a:rPr>
-                <a:t>.</a:t>
-              </a:r>
-              <a:endParaRPr lang="de-DE" sz="1600" u="none" dirty="0">
-                <a:solidFill>
-                  <a:srgbClr val="FF921E"/>
-                </a:solidFill>
-                <a:latin typeface="Arial"/>
-                <a:cs typeface="Arial"/>
-              </a:endParaRPr>
-            </a:p>
-          </p:txBody>
-        </p:sp>
-      </p:grpSp>
-      <p:sp>
-        <p:nvSpPr>
-          <p:cNvPr id="138" name="Textfeld 137"/>
-          <p:cNvSpPr txBox="1"/>
-          <p:nvPr/>
-        </p:nvSpPr>
-        <p:spPr>
-          <a:xfrm>
-            <a:off x="5364480" y="1209040"/>
-            <a:ext cx="3177152" cy="333425"/>
-          </a:xfrm>
-          <a:prstGeom prst="rect">
-            <a:avLst/>
-          </a:prstGeom>
-          <a:noFill/>
-        </p:spPr>
-        <p:txBody>
-          <a:bodyPr wrap="none" lIns="0" tIns="0" rIns="0" bIns="0" rtlCol="0">
-            <a:spAutoFit/>
-          </a:bodyPr>
-          <a:lstStyle>
-            <a:defPPr>
-              <a:defRPr lang="de-DE"/>
-            </a:defPPr>
-            <a:lvl1pPr>
-              <a:lnSpc>
-                <a:spcPts val="2600"/>
-              </a:lnSpc>
-              <a:defRPr sz="2000" u="none">
-                <a:solidFill>
-                  <a:srgbClr val="FF5050"/>
-                </a:solidFill>
-                <a:latin typeface="Arial"/>
-                <a:cs typeface="Arial"/>
-              </a:defRPr>
-            </a:lvl1pPr>
-          </a:lstStyle>
-          <a:p>
-            <a:r>
-              <a:rPr lang="de-DE" dirty="0" smtClean="0"/>
-              <a:t>(möglichst gegen Juni / Juli)</a:t>
-            </a:r>
-            <a:endParaRPr lang="de-DE" dirty="0"/>
-          </a:p>
-        </p:txBody>
-      </p:sp>
-      <p:sp>
-        <p:nvSpPr>
-          <p:cNvPr id="139" name="Textfeld 138"/>
-          <p:cNvSpPr txBox="1"/>
-          <p:nvPr/>
-        </p:nvSpPr>
-        <p:spPr>
-          <a:xfrm>
-            <a:off x="7162800" y="558800"/>
-            <a:ext cx="1335302" cy="333425"/>
-          </a:xfrm>
-          <a:prstGeom prst="rect">
-            <a:avLst/>
-          </a:prstGeom>
-          <a:noFill/>
-          <a:ln>
-            <a:noFill/>
-          </a:ln>
-        </p:spPr>
-        <p:txBody>
-          <a:bodyPr wrap="none" lIns="0" tIns="0" rIns="0" bIns="0" rtlCol="0">
-            <a:spAutoFit/>
-          </a:bodyPr>
-          <a:lstStyle>
-            <a:defPPr>
-              <a:defRPr lang="de-DE"/>
-            </a:defPPr>
-            <a:lvl1pPr>
-              <a:lnSpc>
-                <a:spcPts val="2600"/>
-              </a:lnSpc>
-              <a:defRPr sz="1600" u="none">
-                <a:solidFill>
-                  <a:srgbClr val="0070C0"/>
-                </a:solidFill>
-                <a:latin typeface="Arial"/>
-                <a:cs typeface="Arial"/>
-              </a:defRPr>
-            </a:lvl1pPr>
-          </a:lstStyle>
-          <a:p>
-            <a:r>
-              <a:rPr lang="de-DE" dirty="0">
-                <a:solidFill>
-                  <a:srgbClr val="00B050"/>
-                </a:solidFill>
-              </a:rPr>
-              <a:t>(ca. Ende Mai)</a:t>
-            </a:r>
-          </a:p>
-        </p:txBody>
-      </p:sp>
-      <p:sp>
-        <p:nvSpPr>
-          <p:cNvPr id="48" name="Textfeld 47"/>
-          <p:cNvSpPr txBox="1"/>
-          <p:nvPr/>
-        </p:nvSpPr>
-        <p:spPr>
-          <a:xfrm>
-            <a:off x="9438640" y="6532880"/>
-            <a:ext cx="984244" cy="333425"/>
-          </a:xfrm>
-          <a:prstGeom prst="rect">
-            <a:avLst/>
-          </a:prstGeom>
-          <a:noFill/>
-        </p:spPr>
-        <p:txBody>
-          <a:bodyPr wrap="none" lIns="0" tIns="0" rIns="0" bIns="0" rtlCol="0">
-            <a:spAutoFit/>
-          </a:bodyPr>
-          <a:lstStyle/>
-          <a:p>
-            <a:pPr>
-              <a:lnSpc>
-                <a:spcPts val="2600"/>
-              </a:lnSpc>
-            </a:pPr>
-            <a:r>
-              <a:rPr lang="de-DE" sz="4000" u="none" dirty="0" smtClean="0">
-                <a:solidFill>
-                  <a:srgbClr val="0661A9"/>
-                </a:solidFill>
-                <a:latin typeface="Arial"/>
-                <a:cs typeface="Arial"/>
-              </a:rPr>
-              <a:t>Q3+</a:t>
-            </a:r>
-            <a:endParaRPr lang="de-DE" sz="4000" u="none" dirty="0">
-              <a:solidFill>
-                <a:srgbClr val="0661A9"/>
-              </a:solidFill>
-              <a:latin typeface="Arial"/>
-              <a:cs typeface="Arial"/>
-            </a:endParaRPr>
-          </a:p>
-        </p:txBody>
-      </p:sp>
-    </p:spTree>
-    <p:extLst>
-      <p:ext uri="{BB962C8B-B14F-4D97-AF65-F5344CB8AC3E}">
-        <p14:creationId xmlns:p14="http://schemas.microsoft.com/office/powerpoint/2010/main" val="519071869"/>
-      </p:ext>
-    </p:extLst>
-  </p:cSld>
-  <p:clrMapOvr>
-    <a:masterClrMapping/>
   </p:clrMapOvr>
   <mc:AlternateContent xmlns:mc="http://schemas.openxmlformats.org/markup-compatibility/2006" xmlns:p14="http://schemas.microsoft.com/office/powerpoint/2010/main">
     <mc:Choice Requires="p14">

--- a/ABO Enterprise GIS.pptx
+++ b/ABO Enterprise GIS.pptx
@@ -10478,7 +10478,7 @@
           <a:p>
             <a:r>
               <a:rPr lang="de-DE"/>
-              <a:t>Master</a:t>
+              <a:t>Child</a:t>
             </a:r>
             <a:endParaRPr lang="de-DE" dirty="0"/>
           </a:p>
@@ -21111,6 +21111,28 @@
 </file>
 
 <file path=customXml/item1.xml><?xml version="1.0" encoding="utf-8"?>
+<?mso-contentType ?>
+<FormTemplates xmlns="http://schemas.microsoft.com/sharepoint/v3/contenttype/forms">
+  <Display>DocumentLibraryForm</Display>
+  <Edit>DocumentLibraryForm</Edit>
+  <New>DocumentLibraryForm</New>
+</FormTemplates>
+</file>
+
+<file path=customXml/item2.xml><?xml version="1.0" encoding="utf-8"?>
+<p:properties xmlns:p="http://schemas.microsoft.com/office/2006/metadata/properties" xmlns:xsi="http://www.w3.org/2001/XMLSchema-instance" xmlns:pc="http://schemas.microsoft.com/office/infopath/2007/PartnerControls">
+  <documentManagement>
+    <Type xmlns="6324373a-a0fb-4004-ac6e-57bd1be20dac">Templates (ppt, doc)</Type>
+    <Category xmlns="6324373a-a0fb-4004-ac6e-57bd1be20dac">General</Category>
+    <Language1 xmlns="a55eec85-57c8-425c-8a09-46554a3c12cd">
+      <Value>DE</Value>
+    </Language1>
+    <Country xmlns="a55eec85-57c8-425c-8a09-46554a3c12cd">DE</Country>
+  </documentManagement>
+</p:properties>
+</file>
+
+<file path=customXml/item3.xml><?xml version="1.0" encoding="utf-8"?>
 <ct:contentTypeSchema xmlns:ct="http://schemas.microsoft.com/office/2006/metadata/contentType" xmlns:ma="http://schemas.microsoft.com/office/2006/metadata/properties/metaAttributes" ct:_="" ma:_="" ma:contentTypeName="Dokument" ma:contentTypeID="0x0101001A87EE39547C854F95C9A2FBE4AA5CE6" ma:contentTypeVersion="11" ma:contentTypeDescription="Ein neues Dokument erstellen." ma:contentTypeScope="" ma:versionID="f3ca7eaeb1273fd08843a604ac4552c4">
   <xsd:schema xmlns:xsd="http://www.w3.org/2001/XMLSchema" xmlns:xs="http://www.w3.org/2001/XMLSchema" xmlns:p="http://schemas.microsoft.com/office/2006/metadata/properties" xmlns:ns2="6324373a-a0fb-4004-ac6e-57bd1be20dac" xmlns:ns3="a55eec85-57c8-425c-8a09-46554a3c12cd" targetNamespace="http://schemas.microsoft.com/office/2006/metadata/properties" ma:root="true" ma:fieldsID="7498112d195a80014ecfdd858e3083d9" ns2:_="" ns3:_="">
     <xsd:import namespace="6324373a-a0fb-4004-ac6e-57bd1be20dac"/>
@@ -21307,43 +21329,10 @@
 </ct:contentTypeSchema>
 </file>
 
-<file path=customXml/item2.xml><?xml version="1.0" encoding="utf-8"?>
-<p:properties xmlns:p="http://schemas.microsoft.com/office/2006/metadata/properties" xmlns:xsi="http://www.w3.org/2001/XMLSchema-instance" xmlns:pc="http://schemas.microsoft.com/office/infopath/2007/PartnerControls">
-  <documentManagement>
-    <Type xmlns="6324373a-a0fb-4004-ac6e-57bd1be20dac">Templates (ppt, doc)</Type>
-    <Category xmlns="6324373a-a0fb-4004-ac6e-57bd1be20dac">General</Category>
-    <Language1 xmlns="a55eec85-57c8-425c-8a09-46554a3c12cd">
-      <Value>DE</Value>
-    </Language1>
-    <Country xmlns="a55eec85-57c8-425c-8a09-46554a3c12cd">DE</Country>
-  </documentManagement>
-</p:properties>
-</file>
-
-<file path=customXml/item3.xml><?xml version="1.0" encoding="utf-8"?>
-<?mso-contentType ?>
-<FormTemplates xmlns="http://schemas.microsoft.com/sharepoint/v3/contenttype/forms">
-  <Display>DocumentLibraryForm</Display>
-  <Edit>DocumentLibraryForm</Edit>
-  <New>DocumentLibraryForm</New>
-</FormTemplates>
-</file>
-
 <file path=customXml/itemProps1.xml><?xml version="1.0" encoding="utf-8"?>
-<ds:datastoreItem xmlns:ds="http://schemas.openxmlformats.org/officeDocument/2006/customXml" ds:itemID="{F1F2B575-DD93-402D-9F62-BD70BDDE7C85}">
+<ds:datastoreItem xmlns:ds="http://schemas.openxmlformats.org/officeDocument/2006/customXml" ds:itemID="{7FF12CFB-91B6-486D-8FB9-5F7DB3A18BD8}">
   <ds:schemaRefs>
-    <ds:schemaRef ds:uri="http://schemas.microsoft.com/office/2006/metadata/contentType"/>
-    <ds:schemaRef ds:uri="http://schemas.microsoft.com/office/2006/metadata/properties/metaAttributes"/>
-    <ds:schemaRef ds:uri="http://www.w3.org/2001/XMLSchema"/>
-    <ds:schemaRef ds:uri="http://schemas.microsoft.com/office/2006/metadata/properties"/>
-    <ds:schemaRef ds:uri="6324373a-a0fb-4004-ac6e-57bd1be20dac"/>
-    <ds:schemaRef ds:uri="a55eec85-57c8-425c-8a09-46554a3c12cd"/>
-    <ds:schemaRef ds:uri="http://schemas.microsoft.com/office/2006/documentManagement/types"/>
-    <ds:schemaRef ds:uri="http://schemas.microsoft.com/office/infopath/2007/PartnerControls"/>
-    <ds:schemaRef ds:uri="http://schemas.openxmlformats.org/package/2006/metadata/core-properties"/>
-    <ds:schemaRef ds:uri="http://purl.org/dc/elements/1.1/"/>
-    <ds:schemaRef ds:uri="http://purl.org/dc/terms/"/>
-    <ds:schemaRef ds:uri="http://schemas.microsoft.com/internal/obd"/>
+    <ds:schemaRef ds:uri="http://schemas.microsoft.com/sharepoint/v3/contenttype/forms"/>
   </ds:schemaRefs>
 </ds:datastoreItem>
 </file>
@@ -21366,9 +21355,20 @@
 </file>
 
 <file path=customXml/itemProps3.xml><?xml version="1.0" encoding="utf-8"?>
-<ds:datastoreItem xmlns:ds="http://schemas.openxmlformats.org/officeDocument/2006/customXml" ds:itemID="{7FF12CFB-91B6-486D-8FB9-5F7DB3A18BD8}">
+<ds:datastoreItem xmlns:ds="http://schemas.openxmlformats.org/officeDocument/2006/customXml" ds:itemID="{F1F2B575-DD93-402D-9F62-BD70BDDE7C85}">
   <ds:schemaRefs>
-    <ds:schemaRef ds:uri="http://schemas.microsoft.com/sharepoint/v3/contenttype/forms"/>
+    <ds:schemaRef ds:uri="http://schemas.microsoft.com/office/2006/metadata/contentType"/>
+    <ds:schemaRef ds:uri="http://schemas.microsoft.com/office/2006/metadata/properties/metaAttributes"/>
+    <ds:schemaRef ds:uri="http://www.w3.org/2001/XMLSchema"/>
+    <ds:schemaRef ds:uri="http://schemas.microsoft.com/office/2006/metadata/properties"/>
+    <ds:schemaRef ds:uri="6324373a-a0fb-4004-ac6e-57bd1be20dac"/>
+    <ds:schemaRef ds:uri="a55eec85-57c8-425c-8a09-46554a3c12cd"/>
+    <ds:schemaRef ds:uri="http://schemas.microsoft.com/office/2006/documentManagement/types"/>
+    <ds:schemaRef ds:uri="http://schemas.microsoft.com/office/infopath/2007/PartnerControls"/>
+    <ds:schemaRef ds:uri="http://schemas.openxmlformats.org/package/2006/metadata/core-properties"/>
+    <ds:schemaRef ds:uri="http://purl.org/dc/elements/1.1/"/>
+    <ds:schemaRef ds:uri="http://purl.org/dc/terms/"/>
+    <ds:schemaRef ds:uri="http://schemas.microsoft.com/internal/obd"/>
   </ds:schemaRefs>
 </ds:datastoreItem>
 </file>